--- a/개발 5팀 7차 미니 프로젝트 산출물 제출/3) KOSMO_77기_개발 5팀_Unit_Test_보고서.pptx
+++ b/개발 5팀 7차 미니 프로젝트 산출물 제출/3) KOSMO_77기_개발 5팀_Unit_Test_보고서.pptx
@@ -5,14 +5,23 @@
     <p:sldMasterId id="2147483660" r:id="rId1"/>
   </p:sldMasterIdLst>
   <p:notesMasterIdLst>
-    <p:notesMasterId r:id="rId7"/>
+    <p:notesMasterId r:id="rId16"/>
   </p:notesMasterIdLst>
   <p:sldIdLst>
     <p:sldId id="256" r:id="rId2"/>
-    <p:sldId id="260" r:id="rId3"/>
-    <p:sldId id="257" r:id="rId4"/>
-    <p:sldId id="258" r:id="rId5"/>
-    <p:sldId id="259" r:id="rId6"/>
+    <p:sldId id="259" r:id="rId3"/>
+    <p:sldId id="258" r:id="rId4"/>
+    <p:sldId id="264" r:id="rId5"/>
+    <p:sldId id="257" r:id="rId6"/>
+    <p:sldId id="265" r:id="rId7"/>
+    <p:sldId id="266" r:id="rId8"/>
+    <p:sldId id="267" r:id="rId9"/>
+    <p:sldId id="260" r:id="rId10"/>
+    <p:sldId id="269" r:id="rId11"/>
+    <p:sldId id="268" r:id="rId12"/>
+    <p:sldId id="261" r:id="rId13"/>
+    <p:sldId id="262" r:id="rId14"/>
+    <p:sldId id="263" r:id="rId15"/>
   </p:sldIdLst>
   <p:sldSz cx="9144000" cy="6858000" type="screen4x3"/>
   <p:notesSz cx="6858000" cy="9144000"/>
@@ -568,7 +577,7 @@
               <a:pPr lvl="0">
                 <a:defRPr/>
               </a:pPr>
-              <a:t>3</a:t>
+              <a:t>5</a:t>
             </a:fld>
             <a:endParaRPr lang="ko-KR" altLang="en-US"/>
           </a:p>
@@ -3578,16 +3587,47 @@
           <a:chExt cx="0" cy="0"/>
         </a:xfrm>
       </p:grpSpPr>
-      <p:sp>
-        <p:nvSpPr>
-          <p:cNvPr id="4" name="직사각형 3"/>
+      <p:cxnSp>
+        <p:nvCxnSpPr>
+          <p:cNvPr id="21" name="직선 연결선 20"/>
+          <p:cNvCxnSpPr/>
+          <p:nvPr/>
+        </p:nvCxnSpPr>
+        <p:spPr>
+          <a:xfrm>
+            <a:off x="9036496" y="4869160"/>
+            <a:ext cx="0" cy="0"/>
+          </a:xfrm>
+          <a:prstGeom prst="line">
+            <a:avLst/>
+          </a:prstGeom>
+          <a:ln w="28575"/>
+        </p:spPr>
+        <p:style>
+          <a:lnRef idx="1">
+            <a:schemeClr val="accent1"/>
+          </a:lnRef>
+          <a:fillRef idx="0">
+            <a:schemeClr val="accent1"/>
+          </a:fillRef>
+          <a:effectRef idx="0">
+            <a:schemeClr val="accent1"/>
+          </a:effectRef>
+          <a:fontRef idx="minor">
+            <a:schemeClr val="tx1"/>
+          </a:fontRef>
+        </p:style>
+      </p:cxnSp>
+      <p:sp>
+        <p:nvSpPr>
+          <p:cNvPr id="31" name="직사각형 30"/>
           <p:cNvSpPr/>
           <p:nvPr/>
         </p:nvSpPr>
         <p:spPr>
           <a:xfrm>
-            <a:off x="35496" y="44624"/>
-            <a:ext cx="3312368" cy="504056"/>
+            <a:off x="2411764" y="548680"/>
+            <a:ext cx="4320471" cy="2448272"/>
           </a:xfrm>
           <a:prstGeom prst="rect">
             <a:avLst/>
@@ -3611,7 +3651,7 @@
           </a:fontRef>
         </p:style>
         <p:txBody>
-          <a:bodyPr rtlCol="0" anchor="b"/>
+          <a:bodyPr rtlCol="0" anchor="ctr"/>
           <a:lstStyle/>
           <a:p>
             <a:pPr algn="ctr">
@@ -3625,7 +3665,7 @@
                   <a:schemeClr val="tx1"/>
                 </a:solidFill>
               </a:rPr>
-              <a:t>주요 소스 </a:t>
+              <a:t>개발 </a:t>
             </a:r>
             <a:r>
               <a:rPr lang="en-US" altLang="ko-KR" sz="2000" b="1" dirty="0">
@@ -3633,7 +3673,107 @@
                   <a:schemeClr val="tx1"/>
                 </a:solidFill>
               </a:rPr>
-              <a:t>[Code Review]</a:t>
+              <a:t>5</a:t>
+            </a:r>
+            <a:r>
+              <a:rPr lang="ko-KR" altLang="en-US" sz="2000" b="1" dirty="0">
+                <a:solidFill>
+                  <a:schemeClr val="tx1"/>
+                </a:solidFill>
+              </a:rPr>
+              <a:t>팀 </a:t>
+            </a:r>
+            <a:r>
+              <a:rPr lang="en-US" altLang="ko-KR" sz="2000" b="1" dirty="0">
+                <a:solidFill>
+                  <a:schemeClr val="tx1"/>
+                </a:solidFill>
+              </a:rPr>
+              <a:t>7</a:t>
+            </a:r>
+            <a:r>
+              <a:rPr lang="ko-KR" altLang="en-US" sz="2000" b="1" dirty="0">
+                <a:solidFill>
+                  <a:schemeClr val="tx1"/>
+                </a:solidFill>
+              </a:rPr>
+              <a:t>차 미니프로젝트</a:t>
+            </a:r>
+            <a:endParaRPr lang="en-US" altLang="ko-KR" sz="2000" b="1" dirty="0">
+              <a:solidFill>
+                <a:schemeClr val="tx1"/>
+              </a:solidFill>
+            </a:endParaRPr>
+          </a:p>
+          <a:p>
+            <a:pPr algn="ctr">
+              <a:lnSpc>
+                <a:spcPct val="150000"/>
+              </a:lnSpc>
+            </a:pPr>
+            <a:endParaRPr lang="en-US" altLang="ko-KR" sz="2000" b="1" dirty="0">
+              <a:solidFill>
+                <a:schemeClr val="tx1"/>
+              </a:solidFill>
+            </a:endParaRPr>
+          </a:p>
+          <a:p>
+            <a:pPr algn="ctr">
+              <a:lnSpc>
+                <a:spcPct val="150000"/>
+              </a:lnSpc>
+            </a:pPr>
+            <a:r>
+              <a:rPr lang="ko-KR" altLang="en-US" sz="2000" b="1" dirty="0">
+                <a:solidFill>
+                  <a:schemeClr val="tx1"/>
+                </a:solidFill>
+              </a:rPr>
+              <a:t>안드로이드 </a:t>
+            </a:r>
+            <a:r>
+              <a:rPr lang="en-US" altLang="ko-KR" sz="2000" b="1" dirty="0">
+                <a:solidFill>
+                  <a:schemeClr val="tx1"/>
+                </a:solidFill>
+              </a:rPr>
+              <a:t>&amp; </a:t>
+            </a:r>
+            <a:r>
+              <a:rPr lang="ko-KR" altLang="en-US" sz="2000" b="1" dirty="0">
+                <a:solidFill>
+                  <a:schemeClr val="tx1"/>
+                </a:solidFill>
+              </a:rPr>
+              <a:t>스프링 부트 </a:t>
+            </a:r>
+            <a:endParaRPr lang="en-US" altLang="ko-KR" sz="2000" b="1" dirty="0">
+              <a:solidFill>
+                <a:schemeClr val="tx1"/>
+              </a:solidFill>
+            </a:endParaRPr>
+          </a:p>
+          <a:p>
+            <a:pPr algn="ctr">
+              <a:lnSpc>
+                <a:spcPct val="150000"/>
+              </a:lnSpc>
+            </a:pPr>
+            <a:r>
+              <a:rPr lang="ko-KR" altLang="en-US" sz="2000" b="1" dirty="0">
+                <a:solidFill>
+                  <a:schemeClr val="tx1"/>
+                </a:solidFill>
+              </a:rPr>
+              <a:t>게시판</a:t>
+            </a:r>
+            <a:r>
+              <a:rPr lang="en-US" altLang="ko-KR" sz="2000" b="1" dirty="0">
+                <a:solidFill>
+                  <a:schemeClr val="tx1"/>
+                </a:solidFill>
+              </a:rPr>
+              <a:t>CRUD</a:t>
             </a:r>
             <a:endParaRPr lang="ko-KR" altLang="en-US" sz="2000" b="1" dirty="0">
               <a:solidFill>
@@ -3645,14 +3785,196 @@
       </p:sp>
       <p:sp>
         <p:nvSpPr>
-          <p:cNvPr id="5" name="직사각형 4"/>
+          <p:cNvPr id="6" name="TextBox 5">
+            <a:extLst>
+              <a:ext uri="{FF2B5EF4-FFF2-40B4-BE49-F238E27FC236}">
+                <a16:creationId xmlns:a16="http://schemas.microsoft.com/office/drawing/2014/main" id="{49671C1A-92E3-4D9E-978D-4383E3D761A7}"/>
+              </a:ext>
+            </a:extLst>
+          </p:cNvPr>
+          <p:cNvSpPr txBox="1"/>
+          <p:nvPr/>
+        </p:nvSpPr>
+        <p:spPr>
+          <a:xfrm>
+            <a:off x="2519771" y="3068960"/>
+            <a:ext cx="4104456" cy="2637453"/>
+          </a:xfrm>
+          <a:prstGeom prst="rect">
+            <a:avLst/>
+          </a:prstGeom>
+          <a:noFill/>
+        </p:spPr>
+        <p:txBody>
+          <a:bodyPr wrap="square" rtlCol="0">
+            <a:spAutoFit/>
+          </a:bodyPr>
+          <a:lstStyle/>
+          <a:p>
+            <a:pPr marL="342900" indent="-342900" algn="ctr">
+              <a:lnSpc>
+                <a:spcPct val="150000"/>
+              </a:lnSpc>
+              <a:buFont typeface="+mj-lt"/>
+              <a:buAutoNum type="arabicPeriod"/>
+            </a:pPr>
+            <a:r>
+              <a:rPr lang="ko-KR" altLang="en-US" sz="1600" dirty="0">
+                <a:latin typeface="Constantia" panose="02030602050306030303" pitchFamily="18" charset="0"/>
+              </a:rPr>
+              <a:t>회원가입</a:t>
+            </a:r>
+            <a:endParaRPr lang="en-US" altLang="ko-KR" sz="1600" dirty="0">
+              <a:latin typeface="Constantia" panose="02030602050306030303" pitchFamily="18" charset="0"/>
+            </a:endParaRPr>
+          </a:p>
+          <a:p>
+            <a:pPr marL="342900" indent="-342900" algn="ctr">
+              <a:lnSpc>
+                <a:spcPct val="150000"/>
+              </a:lnSpc>
+              <a:buFont typeface="+mj-lt"/>
+              <a:buAutoNum type="arabicPeriod"/>
+            </a:pPr>
+            <a:r>
+              <a:rPr lang="ko-KR" altLang="en-US" sz="1600" dirty="0">
+                <a:latin typeface="Constantia" panose="02030602050306030303" pitchFamily="18" charset="0"/>
+              </a:rPr>
+              <a:t>로그인</a:t>
+            </a:r>
+            <a:endParaRPr lang="en-US" altLang="ko-KR" sz="1600" dirty="0">
+              <a:latin typeface="Constantia" panose="02030602050306030303" pitchFamily="18" charset="0"/>
+            </a:endParaRPr>
+          </a:p>
+          <a:p>
+            <a:pPr marL="342900" indent="-342900" algn="ctr">
+              <a:lnSpc>
+                <a:spcPct val="150000"/>
+              </a:lnSpc>
+              <a:buFont typeface="+mj-lt"/>
+              <a:buAutoNum type="arabicPeriod"/>
+            </a:pPr>
+            <a:r>
+              <a:rPr lang="ko-KR" altLang="en-US" sz="1600" dirty="0">
+                <a:latin typeface="Constantia" panose="02030602050306030303" pitchFamily="18" charset="0"/>
+              </a:rPr>
+              <a:t>로그아웃</a:t>
+            </a:r>
+            <a:endParaRPr lang="en-US" altLang="ko-KR" sz="1600" dirty="0">
+              <a:latin typeface="Constantia" panose="02030602050306030303" pitchFamily="18" charset="0"/>
+            </a:endParaRPr>
+          </a:p>
+          <a:p>
+            <a:pPr marL="342900" indent="-342900" algn="ctr">
+              <a:lnSpc>
+                <a:spcPct val="150000"/>
+              </a:lnSpc>
+              <a:buFont typeface="+mj-lt"/>
+              <a:buAutoNum type="arabicPeriod"/>
+            </a:pPr>
+            <a:r>
+              <a:rPr lang="ko-KR" altLang="en-US" sz="1600" dirty="0">
+                <a:latin typeface="Constantia" panose="02030602050306030303" pitchFamily="18" charset="0"/>
+              </a:rPr>
+              <a:t>게시판 리스트</a:t>
+            </a:r>
+            <a:endParaRPr lang="en-US" altLang="ko-KR" sz="1600" dirty="0">
+              <a:latin typeface="Constantia" panose="02030602050306030303" pitchFamily="18" charset="0"/>
+            </a:endParaRPr>
+          </a:p>
+          <a:p>
+            <a:pPr marL="342900" indent="-342900" algn="ctr">
+              <a:lnSpc>
+                <a:spcPct val="150000"/>
+              </a:lnSpc>
+              <a:buFont typeface="+mj-lt"/>
+              <a:buAutoNum type="arabicPeriod"/>
+            </a:pPr>
+            <a:r>
+              <a:rPr lang="ko-KR" altLang="en-US" sz="1600" dirty="0">
+                <a:latin typeface="Constantia" panose="02030602050306030303" pitchFamily="18" charset="0"/>
+              </a:rPr>
+              <a:t>게시글 작성</a:t>
+            </a:r>
+            <a:endParaRPr lang="en-US" altLang="ko-KR" sz="1600" dirty="0">
+              <a:latin typeface="Constantia" panose="02030602050306030303" pitchFamily="18" charset="0"/>
+            </a:endParaRPr>
+          </a:p>
+          <a:p>
+            <a:pPr marL="342900" indent="-342900" algn="ctr">
+              <a:lnSpc>
+                <a:spcPct val="150000"/>
+              </a:lnSpc>
+              <a:buFont typeface="+mj-lt"/>
+              <a:buAutoNum type="arabicPeriod"/>
+            </a:pPr>
+            <a:r>
+              <a:rPr lang="ko-KR" altLang="en-US" sz="1600" dirty="0">
+                <a:latin typeface="Constantia" panose="02030602050306030303" pitchFamily="18" charset="0"/>
+              </a:rPr>
+              <a:t>게시글 수정</a:t>
+            </a:r>
+            <a:endParaRPr lang="en-US" altLang="ko-KR" sz="1600" dirty="0">
+              <a:latin typeface="Constantia" panose="02030602050306030303" pitchFamily="18" charset="0"/>
+            </a:endParaRPr>
+          </a:p>
+          <a:p>
+            <a:pPr marL="342900" indent="-342900" algn="ctr">
+              <a:lnSpc>
+                <a:spcPct val="150000"/>
+              </a:lnSpc>
+              <a:buFont typeface="+mj-lt"/>
+              <a:buAutoNum type="arabicPeriod"/>
+            </a:pPr>
+            <a:r>
+              <a:rPr lang="ko-KR" altLang="en-US" sz="1600" dirty="0">
+                <a:latin typeface="Constantia" panose="02030602050306030303" pitchFamily="18" charset="0"/>
+              </a:rPr>
+              <a:t>게시글 삭제</a:t>
+            </a:r>
+          </a:p>
+        </p:txBody>
+      </p:sp>
+    </p:spTree>
+    <p:extLst>
+      <p:ext uri="{BB962C8B-B14F-4D97-AF65-F5344CB8AC3E}">
+        <p14:creationId xmlns:p14="http://schemas.microsoft.com/office/powerpoint/2010/main" val="2989050781"/>
+      </p:ext>
+    </p:extLst>
+  </p:cSld>
+  <p:clrMapOvr>
+    <a:masterClrMapping/>
+  </p:clrMapOvr>
+</p:sld>
+</file>
+
+<file path=ppt/slides/slide10.xml><?xml version="1.0" encoding="utf-8"?>
+<p:sld xmlns:a="http://schemas.openxmlformats.org/drawingml/2006/main" xmlns:r="http://schemas.openxmlformats.org/officeDocument/2006/relationships" xmlns:p="http://schemas.openxmlformats.org/presentationml/2006/main">
+  <p:cSld>
+    <p:spTree>
+      <p:nvGrpSpPr>
+        <p:cNvPr id="1" name=""/>
+        <p:cNvGrpSpPr/>
+        <p:nvPr/>
+      </p:nvGrpSpPr>
+      <p:grpSpPr>
+        <a:xfrm>
+          <a:off x="0" y="0"/>
+          <a:ext cx="0" cy="0"/>
+          <a:chOff x="0" y="0"/>
+          <a:chExt cx="0" cy="0"/>
+        </a:xfrm>
+      </p:grpSpPr>
+      <p:sp>
+        <p:nvSpPr>
+          <p:cNvPr id="4" name="직사각형 3"/>
           <p:cNvSpPr/>
           <p:nvPr/>
         </p:nvSpPr>
         <p:spPr>
           <a:xfrm>
-            <a:off x="35496" y="620688"/>
-            <a:ext cx="3312368" cy="432048"/>
+            <a:off x="35496" y="44624"/>
+            <a:ext cx="3312368" cy="504056"/>
           </a:xfrm>
           <a:prstGeom prst="rect">
             <a:avLst/>
@@ -3685,12 +4007,20 @@
               </a:lnSpc>
             </a:pPr>
             <a:r>
+              <a:rPr lang="ko-KR" altLang="en-US" sz="2000" b="1" dirty="0">
+                <a:solidFill>
+                  <a:schemeClr val="tx1"/>
+                </a:solidFill>
+              </a:rPr>
+              <a:t>주요 소스 </a:t>
+            </a:r>
+            <a:r>
               <a:rPr lang="en-US" altLang="ko-KR" sz="2000" b="1" dirty="0">
                 <a:solidFill>
                   <a:schemeClr val="tx1"/>
                 </a:solidFill>
               </a:rPr>
-              <a:t>Spring</a:t>
+              <a:t>[Code Review]</a:t>
             </a:r>
             <a:endParaRPr lang="ko-KR" altLang="en-US" sz="2000" b="1" dirty="0">
               <a:solidFill>
@@ -3700,6 +4030,66 @@
           </a:p>
         </p:txBody>
       </p:sp>
+      <p:sp>
+        <p:nvSpPr>
+          <p:cNvPr id="5" name="직사각형 4"/>
+          <p:cNvSpPr/>
+          <p:nvPr/>
+        </p:nvSpPr>
+        <p:spPr>
+          <a:xfrm>
+            <a:off x="35496" y="620688"/>
+            <a:ext cx="3312368" cy="432048"/>
+          </a:xfrm>
+          <a:prstGeom prst="rect">
+            <a:avLst/>
+          </a:prstGeom>
+          <a:noFill/>
+        </p:spPr>
+        <p:style>
+          <a:lnRef idx="2">
+            <a:schemeClr val="accent1">
+              <a:shade val="50000"/>
+            </a:schemeClr>
+          </a:lnRef>
+          <a:fillRef idx="1">
+            <a:schemeClr val="accent1"/>
+          </a:fillRef>
+          <a:effectRef idx="0">
+            <a:schemeClr val="accent1"/>
+          </a:effectRef>
+          <a:fontRef idx="minor">
+            <a:schemeClr val="lt1"/>
+          </a:fontRef>
+        </p:style>
+        <p:txBody>
+          <a:bodyPr rtlCol="0" anchor="b"/>
+          <a:lstStyle/>
+          <a:p>
+            <a:pPr algn="ctr">
+              <a:lnSpc>
+                <a:spcPct val="150000"/>
+              </a:lnSpc>
+            </a:pPr>
+            <a:r>
+              <a:rPr lang="en-US" altLang="ko-KR" sz="2000" b="1" dirty="0">
+                <a:solidFill>
+                  <a:schemeClr val="tx1"/>
+                </a:solidFill>
+              </a:rPr>
+              <a:t>update </a:t>
+            </a:r>
+            <a:r>
+              <a:rPr lang="ko-KR" altLang="en-US" sz="2000" b="1" dirty="0">
+                <a:solidFill>
+                  <a:schemeClr val="tx1"/>
+                </a:solidFill>
+              </a:rPr>
+              <a:t>①</a:t>
+            </a:r>
+          </a:p>
+        </p:txBody>
+      </p:sp>
       <p:cxnSp>
         <p:nvCxnSpPr>
           <p:cNvPr id="7" name="직선 연결선 6"/>
@@ -3740,7 +4130,7 @@
         <p:spPr>
           <a:xfrm>
             <a:off x="3491880" y="620688"/>
-            <a:ext cx="2726452" cy="369332"/>
+            <a:ext cx="3130922" cy="646331"/>
           </a:xfrm>
           <a:prstGeom prst="rect">
             <a:avLst/>
@@ -3754,26 +4144,13 @@
           <a:lstStyle/>
           <a:p>
             <a:r>
-              <a:rPr lang="en-US" altLang="ko-KR" dirty="0" err="1"/>
-              <a:t>RestAPI</a:t>
-            </a:r>
-            <a:r>
-              <a:rPr lang="en-US" altLang="ko-KR" dirty="0"/>
-              <a:t>(</a:t>
-            </a:r>
-            <a:r>
-              <a:rPr lang="ko-KR" altLang="en-US" dirty="0"/>
-              <a:t>관광</a:t>
-            </a:r>
-            <a:r>
-              <a:rPr lang="en-US" altLang="ko-KR" dirty="0"/>
-              <a:t>), Ajax, </a:t>
-            </a:r>
-            <a:r>
-              <a:rPr lang="en-US" altLang="ko-KR" dirty="0" err="1"/>
-              <a:t>Json</a:t>
-            </a:r>
-            <a:endParaRPr lang="ko-KR" altLang="en-US" dirty="0"/>
+              <a:rPr lang="en-US" altLang="ko-KR" sz="1800" dirty="0"/>
+              <a:t>Android studio, Spring boot</a:t>
+            </a:r>
+            <a:endParaRPr lang="ko-KR" altLang="en-US" sz="1800" dirty="0"/>
+          </a:p>
+          <a:p>
+            <a:endParaRPr lang="ko-KR" altLang="en-US" sz="1800" dirty="0"/>
           </a:p>
         </p:txBody>
       </p:sp>
@@ -3903,13 +4280,1307 @@
       </p:cxnSp>
       <p:cxnSp>
         <p:nvCxnSpPr>
-          <p:cNvPr id="20" name="직선 연결선 19"/>
+          <p:cNvPr id="21" name="직선 연결선 20"/>
           <p:cNvCxnSpPr/>
           <p:nvPr/>
         </p:nvCxnSpPr>
         <p:spPr>
           <a:xfrm>
-            <a:off x="4572000" y="1205136"/>
+            <a:off x="9036496" y="4869160"/>
+            <a:ext cx="0" cy="0"/>
+          </a:xfrm>
+          <a:prstGeom prst="line">
+            <a:avLst/>
+          </a:prstGeom>
+          <a:ln w="28575"/>
+        </p:spPr>
+        <p:style>
+          <a:lnRef idx="1">
+            <a:schemeClr val="accent1"/>
+          </a:lnRef>
+          <a:fillRef idx="0">
+            <a:schemeClr val="accent1"/>
+          </a:fillRef>
+          <a:effectRef idx="0">
+            <a:schemeClr val="accent1"/>
+          </a:effectRef>
+          <a:fontRef idx="minor">
+            <a:schemeClr val="tx1"/>
+          </a:fontRef>
+        </p:style>
+      </p:cxnSp>
+      <p:sp>
+        <p:nvSpPr>
+          <p:cNvPr id="31" name="직사각형 30"/>
+          <p:cNvSpPr/>
+          <p:nvPr/>
+        </p:nvSpPr>
+        <p:spPr>
+          <a:xfrm>
+            <a:off x="3563888" y="44624"/>
+            <a:ext cx="2808312" cy="504056"/>
+          </a:xfrm>
+          <a:prstGeom prst="rect">
+            <a:avLst/>
+          </a:prstGeom>
+          <a:noFill/>
+        </p:spPr>
+        <p:style>
+          <a:lnRef idx="2">
+            <a:schemeClr val="accent1">
+              <a:shade val="50000"/>
+            </a:schemeClr>
+          </a:lnRef>
+          <a:fillRef idx="1">
+            <a:schemeClr val="accent1"/>
+          </a:fillRef>
+          <a:effectRef idx="0">
+            <a:schemeClr val="accent1"/>
+          </a:effectRef>
+          <a:fontRef idx="minor">
+            <a:schemeClr val="lt1"/>
+          </a:fontRef>
+        </p:style>
+        <p:txBody>
+          <a:bodyPr rtlCol="0" anchor="ctr"/>
+          <a:lstStyle/>
+          <a:p>
+            <a:pPr algn="ctr">
+              <a:lnSpc>
+                <a:spcPct val="150000"/>
+              </a:lnSpc>
+            </a:pPr>
+            <a:r>
+              <a:rPr lang="en-US" altLang="ko-KR" sz="2000" b="1" dirty="0">
+                <a:solidFill>
+                  <a:schemeClr val="tx1"/>
+                </a:solidFill>
+              </a:rPr>
+              <a:t>6. </a:t>
+            </a:r>
+            <a:r>
+              <a:rPr lang="ko-KR" altLang="en-US" sz="2000" b="1" dirty="0">
+                <a:solidFill>
+                  <a:schemeClr val="tx1"/>
+                </a:solidFill>
+              </a:rPr>
+              <a:t>게시글 수정</a:t>
+            </a:r>
+          </a:p>
+        </p:txBody>
+      </p:sp>
+      <p:pic>
+        <p:nvPicPr>
+          <p:cNvPr id="9" name="그림 8">
+            <a:extLst>
+              <a:ext uri="{FF2B5EF4-FFF2-40B4-BE49-F238E27FC236}">
+                <a16:creationId xmlns:a16="http://schemas.microsoft.com/office/drawing/2014/main" id="{43E52764-32B5-459C-ADB5-5396F0B6BB31}"/>
+              </a:ext>
+            </a:extLst>
+          </p:cNvPr>
+          <p:cNvPicPr>
+            <a:picLocks noChangeAspect="1"/>
+          </p:cNvPicPr>
+          <p:nvPr/>
+        </p:nvPicPr>
+        <p:blipFill>
+          <a:blip r:embed="rId2"/>
+          <a:stretch>
+            <a:fillRect/>
+          </a:stretch>
+        </p:blipFill>
+        <p:spPr>
+          <a:xfrm>
+            <a:off x="336858" y="1709192"/>
+            <a:ext cx="4143953" cy="2886478"/>
+          </a:xfrm>
+          <a:prstGeom prst="rect">
+            <a:avLst/>
+          </a:prstGeom>
+        </p:spPr>
+      </p:pic>
+      <p:pic>
+        <p:nvPicPr>
+          <p:cNvPr id="12" name="그림 11">
+            <a:extLst>
+              <a:ext uri="{FF2B5EF4-FFF2-40B4-BE49-F238E27FC236}">
+                <a16:creationId xmlns:a16="http://schemas.microsoft.com/office/drawing/2014/main" id="{6D07E0AB-19EA-4762-9D99-D9CB678AAD6E}"/>
+              </a:ext>
+            </a:extLst>
+          </p:cNvPr>
+          <p:cNvPicPr>
+            <a:picLocks noChangeAspect="1"/>
+          </p:cNvPicPr>
+          <p:nvPr/>
+        </p:nvPicPr>
+        <p:blipFill>
+          <a:blip r:embed="rId3"/>
+          <a:stretch>
+            <a:fillRect/>
+          </a:stretch>
+        </p:blipFill>
+        <p:spPr>
+          <a:xfrm>
+            <a:off x="4690803" y="1413593"/>
+            <a:ext cx="3362794" cy="3620005"/>
+          </a:xfrm>
+          <a:prstGeom prst="rect">
+            <a:avLst/>
+          </a:prstGeom>
+        </p:spPr>
+      </p:pic>
+      <p:sp>
+        <p:nvSpPr>
+          <p:cNvPr id="13" name="직사각형 12">
+            <a:extLst>
+              <a:ext uri="{FF2B5EF4-FFF2-40B4-BE49-F238E27FC236}">
+                <a16:creationId xmlns:a16="http://schemas.microsoft.com/office/drawing/2014/main" id="{3C261DDE-9BA8-4827-9D30-6FEE3C7A3AB5}"/>
+              </a:ext>
+            </a:extLst>
+          </p:cNvPr>
+          <p:cNvSpPr/>
+          <p:nvPr/>
+        </p:nvSpPr>
+        <p:spPr>
+          <a:xfrm>
+            <a:off x="249549" y="1248791"/>
+            <a:ext cx="8025237" cy="3961348"/>
+          </a:xfrm>
+          <a:prstGeom prst="rect">
+            <a:avLst/>
+          </a:prstGeom>
+          <a:noFill/>
+        </p:spPr>
+        <p:style>
+          <a:lnRef idx="2">
+            <a:schemeClr val="accent1">
+              <a:shade val="50000"/>
+            </a:schemeClr>
+          </a:lnRef>
+          <a:fillRef idx="1">
+            <a:schemeClr val="accent1"/>
+          </a:fillRef>
+          <a:effectRef idx="0">
+            <a:schemeClr val="accent1"/>
+          </a:effectRef>
+          <a:fontRef idx="minor">
+            <a:schemeClr val="lt1"/>
+          </a:fontRef>
+        </p:style>
+        <p:txBody>
+          <a:bodyPr rtlCol="0" anchor="ctr"/>
+          <a:lstStyle/>
+          <a:p>
+            <a:pPr algn="ctr"/>
+            <a:endParaRPr lang="ko-KR" altLang="en-US"/>
+          </a:p>
+        </p:txBody>
+      </p:sp>
+      <p:sp>
+        <p:nvSpPr>
+          <p:cNvPr id="20" name="직사각형 19">
+            <a:extLst>
+              <a:ext uri="{FF2B5EF4-FFF2-40B4-BE49-F238E27FC236}">
+                <a16:creationId xmlns:a16="http://schemas.microsoft.com/office/drawing/2014/main" id="{9555720E-A12F-4CD2-A47D-D56C4FCD1150}"/>
+              </a:ext>
+            </a:extLst>
+          </p:cNvPr>
+          <p:cNvSpPr/>
+          <p:nvPr/>
+        </p:nvSpPr>
+        <p:spPr>
+          <a:xfrm>
+            <a:off x="251520" y="4961434"/>
+            <a:ext cx="4320480" cy="241068"/>
+          </a:xfrm>
+          <a:prstGeom prst="rect">
+            <a:avLst/>
+          </a:prstGeom>
+        </p:spPr>
+        <p:style>
+          <a:lnRef idx="2">
+            <a:schemeClr val="accent1">
+              <a:shade val="50000"/>
+            </a:schemeClr>
+          </a:lnRef>
+          <a:fillRef idx="1">
+            <a:schemeClr val="accent1"/>
+          </a:fillRef>
+          <a:effectRef idx="0">
+            <a:schemeClr val="accent1"/>
+          </a:effectRef>
+          <a:fontRef idx="minor">
+            <a:schemeClr val="lt1"/>
+          </a:fontRef>
+        </p:style>
+        <p:txBody>
+          <a:bodyPr rtlCol="0" anchor="ctr"/>
+          <a:lstStyle/>
+          <a:p>
+            <a:pPr algn="ctr"/>
+            <a:r>
+              <a:rPr lang="en-US" altLang="ko-KR" dirty="0"/>
+              <a:t>[Android] BoardModifyViewModel.java</a:t>
+            </a:r>
+            <a:endParaRPr lang="ko-KR" altLang="en-US" dirty="0"/>
+          </a:p>
+        </p:txBody>
+      </p:sp>
+      <p:sp>
+        <p:nvSpPr>
+          <p:cNvPr id="22" name="직사각형 21">
+            <a:extLst>
+              <a:ext uri="{FF2B5EF4-FFF2-40B4-BE49-F238E27FC236}">
+                <a16:creationId xmlns:a16="http://schemas.microsoft.com/office/drawing/2014/main" id="{4F4266AD-4B99-4221-A55C-FB42811FC910}"/>
+              </a:ext>
+            </a:extLst>
+          </p:cNvPr>
+          <p:cNvSpPr/>
+          <p:nvPr/>
+        </p:nvSpPr>
+        <p:spPr>
+          <a:xfrm>
+            <a:off x="249549" y="5253793"/>
+            <a:ext cx="3879993" cy="1462205"/>
+          </a:xfrm>
+          <a:prstGeom prst="rect">
+            <a:avLst/>
+          </a:prstGeom>
+          <a:noFill/>
+        </p:spPr>
+        <p:style>
+          <a:lnRef idx="2">
+            <a:schemeClr val="accent1">
+              <a:shade val="50000"/>
+            </a:schemeClr>
+          </a:lnRef>
+          <a:fillRef idx="1">
+            <a:schemeClr val="accent1"/>
+          </a:fillRef>
+          <a:effectRef idx="0">
+            <a:schemeClr val="accent1"/>
+          </a:effectRef>
+          <a:fontRef idx="minor">
+            <a:schemeClr val="lt1"/>
+          </a:fontRef>
+        </p:style>
+        <p:txBody>
+          <a:bodyPr rtlCol="0" anchor="ctr"/>
+          <a:lstStyle/>
+          <a:p>
+            <a:pPr algn="l"/>
+            <a:r>
+              <a:rPr lang="en-US" altLang="ko-KR" sz="1050" b="1" dirty="0">
+                <a:solidFill>
+                  <a:srgbClr val="7F0055"/>
+                </a:solidFill>
+                <a:latin typeface="Consolas" panose="020B0609020204030204" pitchFamily="49" charset="0"/>
+              </a:rPr>
+              <a:t>public</a:t>
+            </a:r>
+            <a:r>
+              <a:rPr lang="en-US" altLang="ko-KR" sz="1050" b="1" dirty="0">
+                <a:solidFill>
+                  <a:srgbClr val="000000"/>
+                </a:solidFill>
+                <a:latin typeface="Consolas" panose="020B0609020204030204" pitchFamily="49" charset="0"/>
+              </a:rPr>
+              <a:t> </a:t>
+            </a:r>
+            <a:r>
+              <a:rPr lang="en-US" altLang="ko-KR" sz="1050" b="1" dirty="0">
+                <a:solidFill>
+                  <a:srgbClr val="7F0055"/>
+                </a:solidFill>
+                <a:latin typeface="Consolas" panose="020B0609020204030204" pitchFamily="49" charset="0"/>
+              </a:rPr>
+              <a:t>void</a:t>
+            </a:r>
+            <a:r>
+              <a:rPr lang="en-US" altLang="ko-KR" sz="1050" b="1" dirty="0">
+                <a:solidFill>
+                  <a:srgbClr val="000000"/>
+                </a:solidFill>
+                <a:latin typeface="Consolas" panose="020B0609020204030204" pitchFamily="49" charset="0"/>
+              </a:rPr>
+              <a:t> </a:t>
+            </a:r>
+            <a:r>
+              <a:rPr lang="en-US" altLang="ko-KR" sz="1050" b="1" dirty="0" err="1">
+                <a:solidFill>
+                  <a:srgbClr val="000000"/>
+                </a:solidFill>
+                <a:latin typeface="Consolas" panose="020B0609020204030204" pitchFamily="49" charset="0"/>
+              </a:rPr>
+              <a:t>updateBoard</a:t>
+            </a:r>
+            <a:r>
+              <a:rPr lang="en-US" altLang="ko-KR" sz="1050" b="1" dirty="0">
+                <a:solidFill>
+                  <a:srgbClr val="000000"/>
+                </a:solidFill>
+                <a:latin typeface="Consolas" panose="020B0609020204030204" pitchFamily="49" charset="0"/>
+              </a:rPr>
+              <a:t>(Board </a:t>
+            </a:r>
+            <a:r>
+              <a:rPr lang="en-US" altLang="ko-KR" sz="1050" b="1" dirty="0">
+                <a:solidFill>
+                  <a:srgbClr val="6A3E3E"/>
+                </a:solidFill>
+                <a:latin typeface="Consolas" panose="020B0609020204030204" pitchFamily="49" charset="0"/>
+              </a:rPr>
+              <a:t>board</a:t>
+            </a:r>
+            <a:r>
+              <a:rPr lang="en-US" altLang="ko-KR" sz="1050" b="1" dirty="0">
+                <a:solidFill>
+                  <a:srgbClr val="000000"/>
+                </a:solidFill>
+                <a:latin typeface="Consolas" panose="020B0609020204030204" pitchFamily="49" charset="0"/>
+              </a:rPr>
+              <a:t>) {</a:t>
+            </a:r>
+          </a:p>
+          <a:p>
+            <a:pPr algn="l"/>
+            <a:r>
+              <a:rPr lang="en-US" altLang="ko-KR" sz="1050" dirty="0">
+                <a:solidFill>
+                  <a:srgbClr val="000000"/>
+                </a:solidFill>
+                <a:latin typeface="Consolas" panose="020B0609020204030204" pitchFamily="49" charset="0"/>
+              </a:rPr>
+              <a:t>    Optional&lt;Board&gt; </a:t>
+            </a:r>
+            <a:r>
+              <a:rPr lang="en-US" altLang="ko-KR" sz="1050" dirty="0">
+                <a:solidFill>
+                  <a:srgbClr val="6A3E3E"/>
+                </a:solidFill>
+                <a:latin typeface="Consolas" panose="020B0609020204030204" pitchFamily="49" charset="0"/>
+              </a:rPr>
+              <a:t>target</a:t>
+            </a:r>
+            <a:r>
+              <a:rPr lang="en-US" altLang="ko-KR" sz="1050" dirty="0">
+                <a:solidFill>
+                  <a:srgbClr val="000000"/>
+                </a:solidFill>
+                <a:latin typeface="Consolas" panose="020B0609020204030204" pitchFamily="49" charset="0"/>
+              </a:rPr>
+              <a:t> = </a:t>
+            </a:r>
+            <a:r>
+              <a:rPr lang="en-US" altLang="ko-KR" sz="1050" dirty="0" err="1">
+                <a:solidFill>
+                  <a:srgbClr val="0000C0"/>
+                </a:solidFill>
+                <a:latin typeface="Consolas" panose="020B0609020204030204" pitchFamily="49" charset="0"/>
+              </a:rPr>
+              <a:t>boardRepository</a:t>
+            </a:r>
+            <a:r>
+              <a:rPr lang="en-US" altLang="ko-KR" sz="1050" dirty="0" err="1">
+                <a:solidFill>
+                  <a:srgbClr val="000000"/>
+                </a:solidFill>
+                <a:latin typeface="Consolas" panose="020B0609020204030204" pitchFamily="49" charset="0"/>
+              </a:rPr>
+              <a:t>.findById</a:t>
+            </a:r>
+            <a:r>
+              <a:rPr lang="en-US" altLang="ko-KR" sz="1050" dirty="0">
+                <a:solidFill>
+                  <a:srgbClr val="000000"/>
+                </a:solidFill>
+                <a:latin typeface="Consolas" panose="020B0609020204030204" pitchFamily="49" charset="0"/>
+              </a:rPr>
+              <a:t>(</a:t>
+            </a:r>
+            <a:r>
+              <a:rPr lang="en-US" altLang="ko-KR" sz="1050" dirty="0" err="1">
+                <a:solidFill>
+                  <a:srgbClr val="6A3E3E"/>
+                </a:solidFill>
+                <a:latin typeface="Consolas" panose="020B0609020204030204" pitchFamily="49" charset="0"/>
+              </a:rPr>
+              <a:t>board</a:t>
+            </a:r>
+            <a:r>
+              <a:rPr lang="en-US" altLang="ko-KR" sz="1050" dirty="0" err="1">
+                <a:solidFill>
+                  <a:srgbClr val="000000"/>
+                </a:solidFill>
+                <a:latin typeface="Consolas" panose="020B0609020204030204" pitchFamily="49" charset="0"/>
+              </a:rPr>
+              <a:t>.getId</a:t>
+            </a:r>
+            <a:r>
+              <a:rPr lang="en-US" altLang="ko-KR" sz="1050" dirty="0">
+                <a:solidFill>
+                  <a:srgbClr val="000000"/>
+                </a:solidFill>
+                <a:latin typeface="Consolas" panose="020B0609020204030204" pitchFamily="49" charset="0"/>
+              </a:rPr>
+              <a:t>());</a:t>
+            </a:r>
+          </a:p>
+          <a:p>
+            <a:pPr algn="l"/>
+            <a:r>
+              <a:rPr lang="en-US" altLang="ko-KR" sz="1050" dirty="0">
+                <a:solidFill>
+                  <a:srgbClr val="000000"/>
+                </a:solidFill>
+                <a:latin typeface="Consolas" panose="020B0609020204030204" pitchFamily="49" charset="0"/>
+              </a:rPr>
+              <a:t>    </a:t>
+            </a:r>
+            <a:r>
+              <a:rPr lang="en-US" altLang="ko-KR" sz="1050" b="1" dirty="0">
+                <a:solidFill>
+                  <a:srgbClr val="7F0055"/>
+                </a:solidFill>
+                <a:latin typeface="Consolas" panose="020B0609020204030204" pitchFamily="49" charset="0"/>
+              </a:rPr>
+              <a:t>if</a:t>
+            </a:r>
+            <a:r>
+              <a:rPr lang="en-US" altLang="ko-KR" sz="1050" b="1" dirty="0">
+                <a:solidFill>
+                  <a:srgbClr val="000000"/>
+                </a:solidFill>
+                <a:latin typeface="Consolas" panose="020B0609020204030204" pitchFamily="49" charset="0"/>
+              </a:rPr>
+              <a:t>(</a:t>
+            </a:r>
+            <a:r>
+              <a:rPr lang="en-US" altLang="ko-KR" sz="1050" b="1" dirty="0" err="1">
+                <a:solidFill>
+                  <a:srgbClr val="6A3E3E"/>
+                </a:solidFill>
+                <a:latin typeface="Consolas" panose="020B0609020204030204" pitchFamily="49" charset="0"/>
+              </a:rPr>
+              <a:t>target</a:t>
+            </a:r>
+            <a:r>
+              <a:rPr lang="en-US" altLang="ko-KR" sz="1050" b="1" dirty="0" err="1">
+                <a:solidFill>
+                  <a:srgbClr val="000000"/>
+                </a:solidFill>
+                <a:latin typeface="Consolas" panose="020B0609020204030204" pitchFamily="49" charset="0"/>
+              </a:rPr>
+              <a:t>.isPresent</a:t>
+            </a:r>
+            <a:r>
+              <a:rPr lang="en-US" altLang="ko-KR" sz="1050" b="1" dirty="0">
+                <a:solidFill>
+                  <a:srgbClr val="000000"/>
+                </a:solidFill>
+                <a:latin typeface="Consolas" panose="020B0609020204030204" pitchFamily="49" charset="0"/>
+              </a:rPr>
+              <a:t>()) {</a:t>
+            </a:r>
+            <a:endParaRPr lang="ko-KR" altLang="en-US" sz="1050" dirty="0">
+              <a:solidFill>
+                <a:srgbClr val="3F7F5F"/>
+              </a:solidFill>
+              <a:latin typeface="Consolas" panose="020B0609020204030204" pitchFamily="49" charset="0"/>
+            </a:endParaRPr>
+          </a:p>
+          <a:p>
+            <a:pPr algn="l"/>
+            <a:r>
+              <a:rPr lang="en-US" altLang="ko-KR" sz="1050" dirty="0">
+                <a:solidFill>
+                  <a:srgbClr val="000000"/>
+                </a:solidFill>
+                <a:latin typeface="Consolas" panose="020B0609020204030204" pitchFamily="49" charset="0"/>
+              </a:rPr>
+              <a:t>    </a:t>
+            </a:r>
+            <a:r>
+              <a:rPr lang="en-US" altLang="ko-KR" sz="1050" dirty="0" err="1">
+                <a:solidFill>
+                  <a:srgbClr val="0000C0"/>
+                </a:solidFill>
+                <a:latin typeface="Consolas" panose="020B0609020204030204" pitchFamily="49" charset="0"/>
+              </a:rPr>
+              <a:t>boardRepository</a:t>
+            </a:r>
+            <a:r>
+              <a:rPr lang="en-US" altLang="ko-KR" sz="1050" dirty="0" err="1">
+                <a:solidFill>
+                  <a:srgbClr val="000000"/>
+                </a:solidFill>
+                <a:latin typeface="Consolas" panose="020B0609020204030204" pitchFamily="49" charset="0"/>
+              </a:rPr>
+              <a:t>.save</a:t>
+            </a:r>
+            <a:r>
+              <a:rPr lang="en-US" altLang="ko-KR" sz="1050" dirty="0">
+                <a:solidFill>
+                  <a:srgbClr val="000000"/>
+                </a:solidFill>
+                <a:latin typeface="Consolas" panose="020B0609020204030204" pitchFamily="49" charset="0"/>
+              </a:rPr>
+              <a:t>(</a:t>
+            </a:r>
+            <a:r>
+              <a:rPr lang="en-US" altLang="ko-KR" sz="1050" dirty="0">
+                <a:solidFill>
+                  <a:srgbClr val="6A3E3E"/>
+                </a:solidFill>
+                <a:latin typeface="Consolas" panose="020B0609020204030204" pitchFamily="49" charset="0"/>
+              </a:rPr>
+              <a:t>board</a:t>
+            </a:r>
+            <a:r>
+              <a:rPr lang="en-US" altLang="ko-KR" sz="1050" dirty="0">
+                <a:solidFill>
+                  <a:srgbClr val="000000"/>
+                </a:solidFill>
+                <a:latin typeface="Consolas" panose="020B0609020204030204" pitchFamily="49" charset="0"/>
+              </a:rPr>
+              <a:t>);</a:t>
+            </a:r>
+          </a:p>
+          <a:p>
+            <a:pPr algn="l"/>
+            <a:r>
+              <a:rPr lang="ko-KR" altLang="en-US" sz="1050" dirty="0">
+                <a:solidFill>
+                  <a:srgbClr val="000000"/>
+                </a:solidFill>
+                <a:latin typeface="Consolas" panose="020B0609020204030204" pitchFamily="49" charset="0"/>
+              </a:rPr>
+              <a:t>    </a:t>
+            </a:r>
+            <a:r>
+              <a:rPr lang="en-US" altLang="ko-KR" sz="1050" dirty="0">
+                <a:solidFill>
+                  <a:srgbClr val="000000"/>
+                </a:solidFill>
+                <a:latin typeface="Consolas" panose="020B0609020204030204" pitchFamily="49" charset="0"/>
+              </a:rPr>
+              <a:t>}</a:t>
+            </a:r>
+          </a:p>
+          <a:p>
+            <a:pPr algn="l"/>
+            <a:r>
+              <a:rPr lang="ko-KR" altLang="en-US" sz="1050" dirty="0">
+                <a:solidFill>
+                  <a:srgbClr val="000000"/>
+                </a:solidFill>
+                <a:latin typeface="Consolas" panose="020B0609020204030204" pitchFamily="49" charset="0"/>
+              </a:rPr>
+              <a:t>    </a:t>
+            </a:r>
+            <a:r>
+              <a:rPr lang="en-US" altLang="ko-KR" sz="1050" dirty="0">
+                <a:solidFill>
+                  <a:srgbClr val="000000"/>
+                </a:solidFill>
+                <a:latin typeface="Consolas" panose="020B0609020204030204" pitchFamily="49" charset="0"/>
+              </a:rPr>
+              <a:t>}</a:t>
+            </a:r>
+            <a:r>
+              <a:rPr lang="ko-KR" altLang="en-US" sz="1050" dirty="0">
+                <a:solidFill>
+                  <a:srgbClr val="000000"/>
+                </a:solidFill>
+                <a:latin typeface="Consolas" panose="020B0609020204030204" pitchFamily="49" charset="0"/>
+              </a:rPr>
+              <a:t>    </a:t>
+            </a:r>
+            <a:endParaRPr lang="ko-KR" altLang="en-US" sz="1050" dirty="0"/>
+          </a:p>
+        </p:txBody>
+      </p:sp>
+      <p:sp>
+        <p:nvSpPr>
+          <p:cNvPr id="23" name="직사각형 22">
+            <a:extLst>
+              <a:ext uri="{FF2B5EF4-FFF2-40B4-BE49-F238E27FC236}">
+                <a16:creationId xmlns:a16="http://schemas.microsoft.com/office/drawing/2014/main" id="{E86BC03F-C4D3-44AB-A0DB-994D432F55AA}"/>
+              </a:ext>
+            </a:extLst>
+          </p:cNvPr>
+          <p:cNvSpPr/>
+          <p:nvPr/>
+        </p:nvSpPr>
+        <p:spPr>
+          <a:xfrm>
+            <a:off x="4206438" y="5259257"/>
+            <a:ext cx="4068348" cy="1432992"/>
+          </a:xfrm>
+          <a:prstGeom prst="rect">
+            <a:avLst/>
+          </a:prstGeom>
+          <a:noFill/>
+        </p:spPr>
+        <p:style>
+          <a:lnRef idx="2">
+            <a:schemeClr val="accent1">
+              <a:shade val="50000"/>
+            </a:schemeClr>
+          </a:lnRef>
+          <a:fillRef idx="1">
+            <a:schemeClr val="accent1"/>
+          </a:fillRef>
+          <a:effectRef idx="0">
+            <a:schemeClr val="accent1"/>
+          </a:effectRef>
+          <a:fontRef idx="minor">
+            <a:schemeClr val="lt1"/>
+          </a:fontRef>
+        </p:style>
+        <p:txBody>
+          <a:bodyPr rtlCol="0" anchor="ctr"/>
+          <a:lstStyle/>
+          <a:p>
+            <a:pPr algn="l"/>
+            <a:r>
+              <a:rPr lang="en-US" altLang="ko-KR" sz="1100" dirty="0">
+                <a:solidFill>
+                  <a:srgbClr val="646464"/>
+                </a:solidFill>
+                <a:latin typeface="Consolas" panose="020B0609020204030204" pitchFamily="49" charset="0"/>
+              </a:rPr>
+              <a:t>@PutMapping</a:t>
+            </a:r>
+            <a:r>
+              <a:rPr lang="en-US" altLang="ko-KR" sz="1100" dirty="0">
+                <a:solidFill>
+                  <a:srgbClr val="000000"/>
+                </a:solidFill>
+                <a:latin typeface="Consolas" panose="020B0609020204030204" pitchFamily="49" charset="0"/>
+              </a:rPr>
+              <a:t>(</a:t>
+            </a:r>
+            <a:r>
+              <a:rPr lang="en-US" altLang="ko-KR" sz="1100" dirty="0">
+                <a:solidFill>
+                  <a:srgbClr val="2A00FF"/>
+                </a:solidFill>
+                <a:latin typeface="Consolas" panose="020B0609020204030204" pitchFamily="49" charset="0"/>
+              </a:rPr>
+              <a:t>"/update"</a:t>
+            </a:r>
+            <a:r>
+              <a:rPr lang="en-US" altLang="ko-KR" sz="1100" dirty="0">
+                <a:solidFill>
+                  <a:srgbClr val="000000"/>
+                </a:solidFill>
+                <a:latin typeface="Consolas" panose="020B0609020204030204" pitchFamily="49" charset="0"/>
+              </a:rPr>
+              <a:t>)</a:t>
+            </a:r>
+          </a:p>
+          <a:p>
+            <a:pPr algn="l"/>
+            <a:r>
+              <a:rPr lang="en-US" altLang="ko-KR" sz="1100" dirty="0">
+                <a:solidFill>
+                  <a:srgbClr val="000000"/>
+                </a:solidFill>
+                <a:latin typeface="Consolas" panose="020B0609020204030204" pitchFamily="49" charset="0"/>
+              </a:rPr>
+              <a:t>    </a:t>
+            </a:r>
+            <a:r>
+              <a:rPr lang="en-US" altLang="ko-KR" sz="1100" b="1" dirty="0">
+                <a:solidFill>
+                  <a:srgbClr val="7F0055"/>
+                </a:solidFill>
+                <a:latin typeface="Consolas" panose="020B0609020204030204" pitchFamily="49" charset="0"/>
+              </a:rPr>
+              <a:t>public</a:t>
+            </a:r>
+            <a:r>
+              <a:rPr lang="en-US" altLang="ko-KR" sz="1100" b="1" dirty="0">
+                <a:solidFill>
+                  <a:srgbClr val="000000"/>
+                </a:solidFill>
+                <a:latin typeface="Consolas" panose="020B0609020204030204" pitchFamily="49" charset="0"/>
+              </a:rPr>
+              <a:t> </a:t>
+            </a:r>
+            <a:r>
+              <a:rPr lang="en-US" altLang="ko-KR" sz="1100" b="1" dirty="0">
+                <a:solidFill>
+                  <a:srgbClr val="7F0055"/>
+                </a:solidFill>
+                <a:latin typeface="Consolas" panose="020B0609020204030204" pitchFamily="49" charset="0"/>
+              </a:rPr>
+              <a:t>void</a:t>
+            </a:r>
+            <a:r>
+              <a:rPr lang="en-US" altLang="ko-KR" sz="1100" b="1" dirty="0">
+                <a:solidFill>
+                  <a:srgbClr val="000000"/>
+                </a:solidFill>
+                <a:latin typeface="Consolas" panose="020B0609020204030204" pitchFamily="49" charset="0"/>
+              </a:rPr>
+              <a:t> </a:t>
+            </a:r>
+            <a:r>
+              <a:rPr lang="en-US" altLang="ko-KR" sz="1100" b="1" dirty="0" err="1">
+                <a:solidFill>
+                  <a:srgbClr val="000000"/>
+                </a:solidFill>
+                <a:latin typeface="Consolas" panose="020B0609020204030204" pitchFamily="49" charset="0"/>
+              </a:rPr>
+              <a:t>updateBoard</a:t>
+            </a:r>
+            <a:r>
+              <a:rPr lang="en-US" altLang="ko-KR" sz="1100" b="1" dirty="0">
+                <a:solidFill>
+                  <a:srgbClr val="000000"/>
+                </a:solidFill>
+                <a:latin typeface="Consolas" panose="020B0609020204030204" pitchFamily="49" charset="0"/>
+              </a:rPr>
+              <a:t>(</a:t>
+            </a:r>
+            <a:r>
+              <a:rPr lang="en-US" altLang="ko-KR" sz="1100" b="1" dirty="0">
+                <a:solidFill>
+                  <a:srgbClr val="646464"/>
+                </a:solidFill>
+                <a:latin typeface="Consolas" panose="020B0609020204030204" pitchFamily="49" charset="0"/>
+              </a:rPr>
+              <a:t>@RequestBody</a:t>
+            </a:r>
+            <a:r>
+              <a:rPr lang="en-US" altLang="ko-KR" sz="1100" b="1" dirty="0">
+                <a:solidFill>
+                  <a:srgbClr val="000000"/>
+                </a:solidFill>
+                <a:latin typeface="Consolas" panose="020B0609020204030204" pitchFamily="49" charset="0"/>
+              </a:rPr>
+              <a:t> Board </a:t>
+            </a:r>
+            <a:r>
+              <a:rPr lang="en-US" altLang="ko-KR" sz="1100" b="1" dirty="0">
+                <a:solidFill>
+                  <a:srgbClr val="6A3E3E"/>
+                </a:solidFill>
+                <a:latin typeface="Consolas" panose="020B0609020204030204" pitchFamily="49" charset="0"/>
+              </a:rPr>
+              <a:t>board</a:t>
+            </a:r>
+            <a:r>
+              <a:rPr lang="en-US" altLang="ko-KR" sz="1100" b="1" dirty="0">
+                <a:solidFill>
+                  <a:srgbClr val="000000"/>
+                </a:solidFill>
+                <a:latin typeface="Consolas" panose="020B0609020204030204" pitchFamily="49" charset="0"/>
+              </a:rPr>
+              <a:t>) {</a:t>
+            </a:r>
+          </a:p>
+          <a:p>
+            <a:pPr algn="l"/>
+            <a:r>
+              <a:rPr lang="en-US" altLang="ko-KR" sz="1100" dirty="0">
+                <a:solidFill>
+                  <a:srgbClr val="000000"/>
+                </a:solidFill>
+                <a:latin typeface="Consolas" panose="020B0609020204030204" pitchFamily="49" charset="0"/>
+              </a:rPr>
+              <a:t>    </a:t>
+            </a:r>
+            <a:r>
+              <a:rPr lang="en-US" altLang="ko-KR" sz="1100" dirty="0" err="1">
+                <a:solidFill>
+                  <a:srgbClr val="0000C0"/>
+                </a:solidFill>
+                <a:latin typeface="Consolas" panose="020B0609020204030204" pitchFamily="49" charset="0"/>
+              </a:rPr>
+              <a:t>boardService</a:t>
+            </a:r>
+            <a:r>
+              <a:rPr lang="en-US" altLang="ko-KR" sz="1100" dirty="0" err="1">
+                <a:solidFill>
+                  <a:srgbClr val="000000"/>
+                </a:solidFill>
+                <a:latin typeface="Consolas" panose="020B0609020204030204" pitchFamily="49" charset="0"/>
+              </a:rPr>
+              <a:t>.updateBoard</a:t>
+            </a:r>
+            <a:r>
+              <a:rPr lang="en-US" altLang="ko-KR" sz="1100" dirty="0">
+                <a:solidFill>
+                  <a:srgbClr val="000000"/>
+                </a:solidFill>
+                <a:latin typeface="Consolas" panose="020B0609020204030204" pitchFamily="49" charset="0"/>
+              </a:rPr>
+              <a:t>(</a:t>
+            </a:r>
+            <a:r>
+              <a:rPr lang="en-US" altLang="ko-KR" sz="1100" dirty="0">
+                <a:solidFill>
+                  <a:srgbClr val="6A3E3E"/>
+                </a:solidFill>
+                <a:latin typeface="Consolas" panose="020B0609020204030204" pitchFamily="49" charset="0"/>
+              </a:rPr>
+              <a:t>board</a:t>
+            </a:r>
+            <a:r>
+              <a:rPr lang="en-US" altLang="ko-KR" sz="1100" dirty="0">
+                <a:solidFill>
+                  <a:srgbClr val="000000"/>
+                </a:solidFill>
+                <a:latin typeface="Consolas" panose="020B0609020204030204" pitchFamily="49" charset="0"/>
+              </a:rPr>
+              <a:t>);</a:t>
+            </a:r>
+          </a:p>
+          <a:p>
+            <a:pPr algn="l"/>
+            <a:r>
+              <a:rPr lang="ko-KR" altLang="en-US" sz="1100" dirty="0">
+                <a:solidFill>
+                  <a:srgbClr val="000000"/>
+                </a:solidFill>
+                <a:latin typeface="Consolas" panose="020B0609020204030204" pitchFamily="49" charset="0"/>
+              </a:rPr>
+              <a:t>    </a:t>
+            </a:r>
+            <a:r>
+              <a:rPr lang="en-US" altLang="ko-KR" sz="1100" dirty="0">
+                <a:solidFill>
+                  <a:srgbClr val="000000"/>
+                </a:solidFill>
+                <a:latin typeface="Consolas" panose="020B0609020204030204" pitchFamily="49" charset="0"/>
+              </a:rPr>
+              <a:t>}</a:t>
+            </a:r>
+            <a:endParaRPr lang="ko-KR" altLang="en-US" sz="1100" dirty="0"/>
+          </a:p>
+        </p:txBody>
+      </p:sp>
+      <p:sp>
+        <p:nvSpPr>
+          <p:cNvPr id="24" name="직사각형 23">
+            <a:extLst>
+              <a:ext uri="{FF2B5EF4-FFF2-40B4-BE49-F238E27FC236}">
+                <a16:creationId xmlns:a16="http://schemas.microsoft.com/office/drawing/2014/main" id="{509ED6D8-20C2-400C-9BD8-7663FE7D1A4E}"/>
+              </a:ext>
+            </a:extLst>
+          </p:cNvPr>
+          <p:cNvSpPr/>
+          <p:nvPr/>
+        </p:nvSpPr>
+        <p:spPr>
+          <a:xfrm>
+            <a:off x="249548" y="6414708"/>
+            <a:ext cx="3879991" cy="277542"/>
+          </a:xfrm>
+          <a:prstGeom prst="rect">
+            <a:avLst/>
+          </a:prstGeom>
+        </p:spPr>
+        <p:style>
+          <a:lnRef idx="2">
+            <a:schemeClr val="accent1">
+              <a:shade val="50000"/>
+            </a:schemeClr>
+          </a:lnRef>
+          <a:fillRef idx="1">
+            <a:schemeClr val="accent1"/>
+          </a:fillRef>
+          <a:effectRef idx="0">
+            <a:schemeClr val="accent1"/>
+          </a:effectRef>
+          <a:fontRef idx="minor">
+            <a:schemeClr val="lt1"/>
+          </a:fontRef>
+        </p:style>
+        <p:txBody>
+          <a:bodyPr rtlCol="0" anchor="ctr"/>
+          <a:lstStyle/>
+          <a:p>
+            <a:pPr algn="ctr"/>
+            <a:r>
+              <a:rPr lang="en-US" altLang="ko-KR" dirty="0"/>
+              <a:t>[Spring] BoardService.java</a:t>
+            </a:r>
+            <a:endParaRPr lang="ko-KR" altLang="en-US" dirty="0"/>
+          </a:p>
+        </p:txBody>
+      </p:sp>
+      <p:sp>
+        <p:nvSpPr>
+          <p:cNvPr id="25" name="직사각형 24">
+            <a:extLst>
+              <a:ext uri="{FF2B5EF4-FFF2-40B4-BE49-F238E27FC236}">
+                <a16:creationId xmlns:a16="http://schemas.microsoft.com/office/drawing/2014/main" id="{5A70823F-D45A-4AF4-98D0-6B5D5F240EE5}"/>
+              </a:ext>
+            </a:extLst>
+          </p:cNvPr>
+          <p:cNvSpPr/>
+          <p:nvPr/>
+        </p:nvSpPr>
+        <p:spPr>
+          <a:xfrm>
+            <a:off x="4206435" y="6383045"/>
+            <a:ext cx="4068345" cy="319002"/>
+          </a:xfrm>
+          <a:prstGeom prst="rect">
+            <a:avLst/>
+          </a:prstGeom>
+        </p:spPr>
+        <p:style>
+          <a:lnRef idx="2">
+            <a:schemeClr val="accent1">
+              <a:shade val="50000"/>
+            </a:schemeClr>
+          </a:lnRef>
+          <a:fillRef idx="1">
+            <a:schemeClr val="accent1"/>
+          </a:fillRef>
+          <a:effectRef idx="0">
+            <a:schemeClr val="accent1"/>
+          </a:effectRef>
+          <a:fontRef idx="minor">
+            <a:schemeClr val="lt1"/>
+          </a:fontRef>
+        </p:style>
+        <p:txBody>
+          <a:bodyPr rtlCol="0" anchor="ctr"/>
+          <a:lstStyle/>
+          <a:p>
+            <a:pPr algn="ctr"/>
+            <a:r>
+              <a:rPr lang="en-US" altLang="ko-KR" dirty="0"/>
+              <a:t>[Spring] BoardController.java</a:t>
+            </a:r>
+            <a:endParaRPr lang="ko-KR" altLang="en-US" dirty="0"/>
+          </a:p>
+        </p:txBody>
+      </p:sp>
+    </p:spTree>
+    <p:extLst>
+      <p:ext uri="{BB962C8B-B14F-4D97-AF65-F5344CB8AC3E}">
+        <p14:creationId xmlns:p14="http://schemas.microsoft.com/office/powerpoint/2010/main" val="1190130383"/>
+      </p:ext>
+    </p:extLst>
+  </p:cSld>
+  <p:clrMapOvr>
+    <a:masterClrMapping/>
+  </p:clrMapOvr>
+</p:sld>
+</file>
+
+<file path=ppt/slides/slide11.xml><?xml version="1.0" encoding="utf-8"?>
+<p:sld xmlns:a="http://schemas.openxmlformats.org/drawingml/2006/main" xmlns:r="http://schemas.openxmlformats.org/officeDocument/2006/relationships" xmlns:p="http://schemas.openxmlformats.org/presentationml/2006/main">
+  <p:cSld>
+    <p:spTree>
+      <p:nvGrpSpPr>
+        <p:cNvPr id="1" name=""/>
+        <p:cNvGrpSpPr/>
+        <p:nvPr/>
+      </p:nvGrpSpPr>
+      <p:grpSpPr>
+        <a:xfrm>
+          <a:off x="0" y="0"/>
+          <a:ext cx="0" cy="0"/>
+          <a:chOff x="0" y="0"/>
+          <a:chExt cx="0" cy="0"/>
+        </a:xfrm>
+      </p:grpSpPr>
+      <p:sp>
+        <p:nvSpPr>
+          <p:cNvPr id="4" name="직사각형 3"/>
+          <p:cNvSpPr/>
+          <p:nvPr/>
+        </p:nvSpPr>
+        <p:spPr>
+          <a:xfrm>
+            <a:off x="35496" y="44624"/>
+            <a:ext cx="3312368" cy="504056"/>
+          </a:xfrm>
+          <a:prstGeom prst="rect">
+            <a:avLst/>
+          </a:prstGeom>
+          <a:noFill/>
+        </p:spPr>
+        <p:style>
+          <a:lnRef idx="2">
+            <a:schemeClr val="accent1">
+              <a:shade val="50000"/>
+            </a:schemeClr>
+          </a:lnRef>
+          <a:fillRef idx="1">
+            <a:schemeClr val="accent1"/>
+          </a:fillRef>
+          <a:effectRef idx="0">
+            <a:schemeClr val="accent1"/>
+          </a:effectRef>
+          <a:fontRef idx="minor">
+            <a:schemeClr val="lt1"/>
+          </a:fontRef>
+        </p:style>
+        <p:txBody>
+          <a:bodyPr rtlCol="0" anchor="b"/>
+          <a:lstStyle/>
+          <a:p>
+            <a:pPr algn="ctr">
+              <a:lnSpc>
+                <a:spcPct val="150000"/>
+              </a:lnSpc>
+            </a:pPr>
+            <a:r>
+              <a:rPr lang="ko-KR" altLang="en-US" sz="2000" b="1" dirty="0">
+                <a:solidFill>
+                  <a:schemeClr val="tx1"/>
+                </a:solidFill>
+              </a:rPr>
+              <a:t>주요 소스 </a:t>
+            </a:r>
+            <a:r>
+              <a:rPr lang="en-US" altLang="ko-KR" sz="2000" b="1" dirty="0">
+                <a:solidFill>
+                  <a:schemeClr val="tx1"/>
+                </a:solidFill>
+              </a:rPr>
+              <a:t>[Code Review]</a:t>
+            </a:r>
+            <a:endParaRPr lang="ko-KR" altLang="en-US" sz="2000" b="1" dirty="0">
+              <a:solidFill>
+                <a:schemeClr val="tx1"/>
+              </a:solidFill>
+            </a:endParaRPr>
+          </a:p>
+        </p:txBody>
+      </p:sp>
+      <p:sp>
+        <p:nvSpPr>
+          <p:cNvPr id="5" name="직사각형 4"/>
+          <p:cNvSpPr/>
+          <p:nvPr/>
+        </p:nvSpPr>
+        <p:spPr>
+          <a:xfrm>
+            <a:off x="35496" y="620688"/>
+            <a:ext cx="3312368" cy="432048"/>
+          </a:xfrm>
+          <a:prstGeom prst="rect">
+            <a:avLst/>
+          </a:prstGeom>
+          <a:noFill/>
+        </p:spPr>
+        <p:style>
+          <a:lnRef idx="2">
+            <a:schemeClr val="accent1">
+              <a:shade val="50000"/>
+            </a:schemeClr>
+          </a:lnRef>
+          <a:fillRef idx="1">
+            <a:schemeClr val="accent1"/>
+          </a:fillRef>
+          <a:effectRef idx="0">
+            <a:schemeClr val="accent1"/>
+          </a:effectRef>
+          <a:fontRef idx="minor">
+            <a:schemeClr val="lt1"/>
+          </a:fontRef>
+        </p:style>
+        <p:txBody>
+          <a:bodyPr rtlCol="0" anchor="b"/>
+          <a:lstStyle/>
+          <a:p>
+            <a:pPr algn="ctr">
+              <a:lnSpc>
+                <a:spcPct val="150000"/>
+              </a:lnSpc>
+            </a:pPr>
+            <a:r>
+              <a:rPr lang="en-US" altLang="ko-KR" sz="2000" b="1" dirty="0">
+                <a:solidFill>
+                  <a:schemeClr val="tx1"/>
+                </a:solidFill>
+              </a:rPr>
+              <a:t>update </a:t>
+            </a:r>
+            <a:r>
+              <a:rPr lang="ko-KR" altLang="en-US" sz="2000" b="1" dirty="0">
+                <a:solidFill>
+                  <a:schemeClr val="tx1"/>
+                </a:solidFill>
+              </a:rPr>
+              <a:t>②</a:t>
+            </a:r>
+          </a:p>
+        </p:txBody>
+      </p:sp>
+      <p:cxnSp>
+        <p:nvCxnSpPr>
+          <p:cNvPr id="7" name="직선 연결선 6"/>
+          <p:cNvCxnSpPr/>
+          <p:nvPr/>
+        </p:nvCxnSpPr>
+        <p:spPr>
+          <a:xfrm>
+            <a:off x="3491880" y="1052736"/>
+            <a:ext cx="5544616" cy="0"/>
+          </a:xfrm>
+          <a:prstGeom prst="line">
+            <a:avLst/>
+          </a:prstGeom>
+          <a:ln w="28575"/>
+        </p:spPr>
+        <p:style>
+          <a:lnRef idx="1">
+            <a:schemeClr val="accent1"/>
+          </a:lnRef>
+          <a:fillRef idx="0">
+            <a:schemeClr val="accent1"/>
+          </a:fillRef>
+          <a:effectRef idx="0">
+            <a:schemeClr val="accent1"/>
+          </a:effectRef>
+          <a:fontRef idx="minor">
+            <a:schemeClr val="tx1"/>
+          </a:fontRef>
+        </p:style>
+      </p:cxnSp>
+      <p:sp>
+        <p:nvSpPr>
+          <p:cNvPr id="8" name="TextBox 7"/>
+          <p:cNvSpPr txBox="1"/>
+          <p:nvPr/>
+        </p:nvSpPr>
+        <p:spPr>
+          <a:xfrm>
+            <a:off x="3491880" y="620688"/>
+            <a:ext cx="3130922" cy="369332"/>
+          </a:xfrm>
+          <a:prstGeom prst="rect">
+            <a:avLst/>
+          </a:prstGeom>
+          <a:noFill/>
+        </p:spPr>
+        <p:txBody>
+          <a:bodyPr wrap="none" rtlCol="0">
+            <a:spAutoFit/>
+          </a:bodyPr>
+          <a:lstStyle/>
+          <a:p>
+            <a:r>
+              <a:rPr lang="en-US" altLang="ko-KR" sz="1800" dirty="0"/>
+              <a:t>Android studio, Spring boot</a:t>
+            </a:r>
+            <a:endParaRPr lang="ko-KR" altLang="en-US" sz="1800" dirty="0"/>
+          </a:p>
+        </p:txBody>
+      </p:sp>
+      <p:cxnSp>
+        <p:nvCxnSpPr>
+          <p:cNvPr id="11" name="직선 연결선 10"/>
+          <p:cNvCxnSpPr/>
+          <p:nvPr/>
+        </p:nvCxnSpPr>
+        <p:spPr>
+          <a:xfrm>
+            <a:off x="35496" y="1205136"/>
+            <a:ext cx="9001000" cy="0"/>
+          </a:xfrm>
+          <a:prstGeom prst="line">
+            <a:avLst/>
+          </a:prstGeom>
+          <a:ln w="28575"/>
+        </p:spPr>
+        <p:style>
+          <a:lnRef idx="1">
+            <a:schemeClr val="accent1"/>
+          </a:lnRef>
+          <a:fillRef idx="0">
+            <a:schemeClr val="accent1"/>
+          </a:fillRef>
+          <a:effectRef idx="0">
+            <a:schemeClr val="accent1"/>
+          </a:effectRef>
+          <a:fontRef idx="minor">
+            <a:schemeClr val="tx1"/>
+          </a:fontRef>
+        </p:style>
+      </p:cxnSp>
+      <p:cxnSp>
+        <p:nvCxnSpPr>
+          <p:cNvPr id="14" name="직선 연결선 13"/>
+          <p:cNvCxnSpPr/>
+          <p:nvPr/>
+        </p:nvCxnSpPr>
+        <p:spPr>
+          <a:xfrm>
+            <a:off x="35496" y="6741368"/>
+            <a:ext cx="9001000" cy="0"/>
+          </a:xfrm>
+          <a:prstGeom prst="line">
+            <a:avLst/>
+          </a:prstGeom>
+          <a:ln w="28575"/>
+        </p:spPr>
+        <p:style>
+          <a:lnRef idx="1">
+            <a:schemeClr val="accent1"/>
+          </a:lnRef>
+          <a:fillRef idx="0">
+            <a:schemeClr val="accent1"/>
+          </a:fillRef>
+          <a:effectRef idx="0">
+            <a:schemeClr val="accent1"/>
+          </a:effectRef>
+          <a:fontRef idx="minor">
+            <a:schemeClr val="tx1"/>
+          </a:fontRef>
+        </p:style>
+      </p:cxnSp>
+      <p:cxnSp>
+        <p:nvCxnSpPr>
+          <p:cNvPr id="15" name="직선 연결선 14"/>
+          <p:cNvCxnSpPr/>
+          <p:nvPr/>
+        </p:nvCxnSpPr>
+        <p:spPr>
+          <a:xfrm>
+            <a:off x="35496" y="1196752"/>
+            <a:ext cx="0" cy="5544616"/>
+          </a:xfrm>
+          <a:prstGeom prst="line">
+            <a:avLst/>
+          </a:prstGeom>
+          <a:ln w="28575"/>
+        </p:spPr>
+        <p:style>
+          <a:lnRef idx="1">
+            <a:schemeClr val="accent1"/>
+          </a:lnRef>
+          <a:fillRef idx="0">
+            <a:schemeClr val="accent1"/>
+          </a:fillRef>
+          <a:effectRef idx="0">
+            <a:schemeClr val="accent1"/>
+          </a:effectRef>
+          <a:fontRef idx="minor">
+            <a:schemeClr val="tx1"/>
+          </a:fontRef>
+        </p:style>
+      </p:cxnSp>
+      <p:cxnSp>
+        <p:nvCxnSpPr>
+          <p:cNvPr id="19" name="직선 연결선 18"/>
+          <p:cNvCxnSpPr/>
+          <p:nvPr/>
+        </p:nvCxnSpPr>
+        <p:spPr>
+          <a:xfrm>
+            <a:off x="9036496" y="1205136"/>
             <a:ext cx="0" cy="5544616"/>
           </a:xfrm>
           <a:prstGeom prst="line">
@@ -3963,37 +5634,6 @@
           </a:fontRef>
         </p:style>
       </p:cxnSp>
-      <p:cxnSp>
-        <p:nvCxnSpPr>
-          <p:cNvPr id="28" name="직선 연결선 27"/>
-          <p:cNvCxnSpPr/>
-          <p:nvPr/>
-        </p:nvCxnSpPr>
-        <p:spPr>
-          <a:xfrm>
-            <a:off x="4572000" y="4725144"/>
-            <a:ext cx="4464496" cy="0"/>
-          </a:xfrm>
-          <a:prstGeom prst="line">
-            <a:avLst/>
-          </a:prstGeom>
-          <a:ln w="28575"/>
-        </p:spPr>
-        <p:style>
-          <a:lnRef idx="1">
-            <a:schemeClr val="accent1"/>
-          </a:lnRef>
-          <a:fillRef idx="0">
-            <a:schemeClr val="accent1"/>
-          </a:fillRef>
-          <a:effectRef idx="0">
-            <a:schemeClr val="accent1"/>
-          </a:effectRef>
-          <a:fontRef idx="minor">
-            <a:schemeClr val="tx1"/>
-          </a:fontRef>
-        </p:style>
-      </p:cxnSp>
       <p:sp>
         <p:nvSpPr>
           <p:cNvPr id="31" name="직사각형 30"/>
@@ -4036,12 +5676,187 @@
               </a:lnSpc>
             </a:pPr>
             <a:r>
+              <a:rPr lang="en-US" altLang="ko-KR" sz="2000" b="1" dirty="0">
+                <a:solidFill>
+                  <a:schemeClr val="tx1"/>
+                </a:solidFill>
+              </a:rPr>
+              <a:t>6. </a:t>
+            </a:r>
+            <a:r>
               <a:rPr lang="ko-KR" altLang="en-US" sz="2000" b="1" dirty="0">
                 <a:solidFill>
                   <a:schemeClr val="tx1"/>
                 </a:solidFill>
               </a:rPr>
-              <a:t>예시</a:t>
+              <a:t>게시글 수정</a:t>
+            </a:r>
+          </a:p>
+        </p:txBody>
+      </p:sp>
+      <p:pic>
+        <p:nvPicPr>
+          <p:cNvPr id="6" name="그림 5">
+            <a:extLst>
+              <a:ext uri="{FF2B5EF4-FFF2-40B4-BE49-F238E27FC236}">
+                <a16:creationId xmlns:a16="http://schemas.microsoft.com/office/drawing/2014/main" id="{A3F5A315-18C3-4614-8F86-A1EB21784666}"/>
+              </a:ext>
+            </a:extLst>
+          </p:cNvPr>
+          <p:cNvPicPr>
+            <a:picLocks noChangeAspect="1"/>
+          </p:cNvPicPr>
+          <p:nvPr/>
+        </p:nvPicPr>
+        <p:blipFill>
+          <a:blip r:embed="rId2"/>
+          <a:stretch>
+            <a:fillRect/>
+          </a:stretch>
+        </p:blipFill>
+        <p:spPr>
+          <a:xfrm>
+            <a:off x="331517" y="1494076"/>
+            <a:ext cx="6464741" cy="4572233"/>
+          </a:xfrm>
+          <a:prstGeom prst="rect">
+            <a:avLst/>
+          </a:prstGeom>
+          <a:ln w="28575">
+            <a:solidFill>
+              <a:schemeClr val="accent1"/>
+            </a:solidFill>
+          </a:ln>
+        </p:spPr>
+      </p:pic>
+      <p:sp>
+        <p:nvSpPr>
+          <p:cNvPr id="16" name="직사각형 15">
+            <a:extLst>
+              <a:ext uri="{FF2B5EF4-FFF2-40B4-BE49-F238E27FC236}">
+                <a16:creationId xmlns:a16="http://schemas.microsoft.com/office/drawing/2014/main" id="{04443288-4340-4400-A92E-B26BCC71A55B}"/>
+              </a:ext>
+            </a:extLst>
+          </p:cNvPr>
+          <p:cNvSpPr/>
+          <p:nvPr/>
+        </p:nvSpPr>
+        <p:spPr>
+          <a:xfrm>
+            <a:off x="300842" y="6066309"/>
+            <a:ext cx="4320480" cy="241068"/>
+          </a:xfrm>
+          <a:prstGeom prst="rect">
+            <a:avLst/>
+          </a:prstGeom>
+        </p:spPr>
+        <p:style>
+          <a:lnRef idx="2">
+            <a:schemeClr val="accent1">
+              <a:shade val="50000"/>
+            </a:schemeClr>
+          </a:lnRef>
+          <a:fillRef idx="1">
+            <a:schemeClr val="accent1"/>
+          </a:fillRef>
+          <a:effectRef idx="0">
+            <a:schemeClr val="accent1"/>
+          </a:effectRef>
+          <a:fontRef idx="minor">
+            <a:schemeClr val="lt1"/>
+          </a:fontRef>
+        </p:style>
+        <p:txBody>
+          <a:bodyPr rtlCol="0" anchor="ctr"/>
+          <a:lstStyle/>
+          <a:p>
+            <a:pPr algn="ctr"/>
+            <a:r>
+              <a:rPr lang="en-US" altLang="ko-KR" dirty="0"/>
+              <a:t>[Android] BoardModifyFragment.java</a:t>
+            </a:r>
+            <a:endParaRPr lang="ko-KR" altLang="en-US" dirty="0"/>
+          </a:p>
+        </p:txBody>
+      </p:sp>
+    </p:spTree>
+    <p:extLst>
+      <p:ext uri="{BB962C8B-B14F-4D97-AF65-F5344CB8AC3E}">
+        <p14:creationId xmlns:p14="http://schemas.microsoft.com/office/powerpoint/2010/main" val="3862871890"/>
+      </p:ext>
+    </p:extLst>
+  </p:cSld>
+  <p:clrMapOvr>
+    <a:masterClrMapping/>
+  </p:clrMapOvr>
+</p:sld>
+</file>
+
+<file path=ppt/slides/slide12.xml><?xml version="1.0" encoding="utf-8"?>
+<p:sld xmlns:a="http://schemas.openxmlformats.org/drawingml/2006/main" xmlns:r="http://schemas.openxmlformats.org/officeDocument/2006/relationships" xmlns:p="http://schemas.openxmlformats.org/presentationml/2006/main">
+  <p:cSld>
+    <p:spTree>
+      <p:nvGrpSpPr>
+        <p:cNvPr id="1" name=""/>
+        <p:cNvGrpSpPr/>
+        <p:nvPr/>
+      </p:nvGrpSpPr>
+      <p:grpSpPr>
+        <a:xfrm>
+          <a:off x="0" y="0"/>
+          <a:ext cx="0" cy="0"/>
+          <a:chOff x="0" y="0"/>
+          <a:chExt cx="0" cy="0"/>
+        </a:xfrm>
+      </p:grpSpPr>
+      <p:sp>
+        <p:nvSpPr>
+          <p:cNvPr id="4" name="직사각형 3"/>
+          <p:cNvSpPr/>
+          <p:nvPr/>
+        </p:nvSpPr>
+        <p:spPr>
+          <a:xfrm>
+            <a:off x="35496" y="44624"/>
+            <a:ext cx="3312368" cy="504056"/>
+          </a:xfrm>
+          <a:prstGeom prst="rect">
+            <a:avLst/>
+          </a:prstGeom>
+          <a:noFill/>
+        </p:spPr>
+        <p:style>
+          <a:lnRef idx="2">
+            <a:schemeClr val="accent1">
+              <a:shade val="50000"/>
+            </a:schemeClr>
+          </a:lnRef>
+          <a:fillRef idx="1">
+            <a:schemeClr val="accent1"/>
+          </a:fillRef>
+          <a:effectRef idx="0">
+            <a:schemeClr val="accent1"/>
+          </a:effectRef>
+          <a:fontRef idx="minor">
+            <a:schemeClr val="lt1"/>
+          </a:fontRef>
+        </p:style>
+        <p:txBody>
+          <a:bodyPr rtlCol="0" anchor="b"/>
+          <a:lstStyle/>
+          <a:p>
+            <a:pPr algn="ctr">
+              <a:lnSpc>
+                <a:spcPct val="150000"/>
+              </a:lnSpc>
+            </a:pPr>
+            <a:r>
+              <a:rPr lang="ko-KR" altLang="en-US" sz="2000" b="1" dirty="0">
+                <a:solidFill>
+                  <a:schemeClr val="tx1"/>
+                </a:solidFill>
+              </a:rPr>
+              <a:t>주요 소스 </a:t>
             </a:r>
             <a:r>
               <a:rPr lang="en-US" altLang="ko-KR" sz="2000" b="1" dirty="0">
@@ -4049,7 +5864,64 @@
                   <a:schemeClr val="tx1"/>
                 </a:solidFill>
               </a:rPr>
-              <a:t>) </a:t>
+              <a:t>[Code Review]</a:t>
+            </a:r>
+            <a:endParaRPr lang="ko-KR" altLang="en-US" sz="2000" b="1" dirty="0">
+              <a:solidFill>
+                <a:schemeClr val="tx1"/>
+              </a:solidFill>
+            </a:endParaRPr>
+          </a:p>
+        </p:txBody>
+      </p:sp>
+      <p:sp>
+        <p:nvSpPr>
+          <p:cNvPr id="5" name="직사각형 4"/>
+          <p:cNvSpPr/>
+          <p:nvPr/>
+        </p:nvSpPr>
+        <p:spPr>
+          <a:xfrm>
+            <a:off x="35496" y="620688"/>
+            <a:ext cx="3312368" cy="432048"/>
+          </a:xfrm>
+          <a:prstGeom prst="rect">
+            <a:avLst/>
+          </a:prstGeom>
+          <a:noFill/>
+        </p:spPr>
+        <p:style>
+          <a:lnRef idx="2">
+            <a:schemeClr val="accent1">
+              <a:shade val="50000"/>
+            </a:schemeClr>
+          </a:lnRef>
+          <a:fillRef idx="1">
+            <a:schemeClr val="accent1"/>
+          </a:fillRef>
+          <a:effectRef idx="0">
+            <a:schemeClr val="accent1"/>
+          </a:effectRef>
+          <a:fontRef idx="minor">
+            <a:schemeClr val="lt1"/>
+          </a:fontRef>
+        </p:style>
+        <p:txBody>
+          <a:bodyPr rtlCol="0" anchor="b"/>
+          <a:lstStyle/>
+          <a:p>
+            <a:pPr algn="ctr">
+              <a:lnSpc>
+                <a:spcPct val="150000"/>
+              </a:lnSpc>
+            </a:pPr>
+            <a:r>
+              <a:rPr lang="en-US" altLang="ko-KR" sz="2000" b="1" dirty="0">
+                <a:solidFill>
+                  <a:schemeClr val="tx1"/>
+                </a:solidFill>
+              </a:rPr>
+              <a:t>update </a:t>
             </a:r>
             <a:r>
               <a:rPr lang="ko-KR" altLang="en-US" sz="2000" b="1" dirty="0">
@@ -4057,21 +5929,52 @@
                   <a:schemeClr val="tx1"/>
                 </a:solidFill>
               </a:rPr>
-              <a:t>관광 정보 확인</a:t>
-            </a:r>
-          </a:p>
-        </p:txBody>
-      </p:sp>
-      <p:sp>
-        <p:nvSpPr>
-          <p:cNvPr id="32" name="TextBox 31"/>
+              <a:t>③</a:t>
+            </a:r>
+          </a:p>
+        </p:txBody>
+      </p:sp>
+      <p:cxnSp>
+        <p:nvCxnSpPr>
+          <p:cNvPr id="7" name="직선 연결선 6"/>
+          <p:cNvCxnSpPr/>
+          <p:nvPr/>
+        </p:nvCxnSpPr>
+        <p:spPr>
+          <a:xfrm>
+            <a:off x="3491880" y="1052736"/>
+            <a:ext cx="5544616" cy="0"/>
+          </a:xfrm>
+          <a:prstGeom prst="line">
+            <a:avLst/>
+          </a:prstGeom>
+          <a:ln w="28575"/>
+        </p:spPr>
+        <p:style>
+          <a:lnRef idx="1">
+            <a:schemeClr val="accent1"/>
+          </a:lnRef>
+          <a:fillRef idx="0">
+            <a:schemeClr val="accent1"/>
+          </a:fillRef>
+          <a:effectRef idx="0">
+            <a:schemeClr val="accent1"/>
+          </a:effectRef>
+          <a:fontRef idx="minor">
+            <a:schemeClr val="tx1"/>
+          </a:fontRef>
+        </p:style>
+      </p:cxnSp>
+      <p:sp>
+        <p:nvSpPr>
+          <p:cNvPr id="8" name="TextBox 7"/>
           <p:cNvSpPr txBox="1"/>
           <p:nvPr/>
         </p:nvSpPr>
         <p:spPr>
           <a:xfrm>
-            <a:off x="4626704" y="4797152"/>
-            <a:ext cx="3720057" cy="369332"/>
+            <a:off x="3491880" y="620688"/>
+            <a:ext cx="3212674" cy="369332"/>
           </a:xfrm>
           <a:prstGeom prst="rect">
             <a:avLst/>
@@ -4085,23 +5988,496 @@
           <a:lstStyle/>
           <a:p>
             <a:r>
-              <a:rPr lang="en-US" altLang="ko-KR" dirty="0"/>
-              <a:t>Here : Function Description Insert</a:t>
-            </a:r>
-            <a:endParaRPr lang="ko-KR" altLang="en-US" dirty="0"/>
-          </a:p>
-        </p:txBody>
-      </p:sp>
-      <p:sp>
-        <p:nvSpPr>
-          <p:cNvPr id="33" name="TextBox 32"/>
+              <a:rPr lang="en-US" altLang="ko-KR" sz="1800" dirty="0"/>
+              <a:t>Android studio, Spring boot </a:t>
+            </a:r>
+            <a:endParaRPr lang="ko-KR" altLang="en-US" sz="1800" dirty="0"/>
+          </a:p>
+        </p:txBody>
+      </p:sp>
+      <p:cxnSp>
+        <p:nvCxnSpPr>
+          <p:cNvPr id="11" name="직선 연결선 10"/>
+          <p:cNvCxnSpPr/>
+          <p:nvPr/>
+        </p:nvCxnSpPr>
+        <p:spPr>
+          <a:xfrm>
+            <a:off x="35496" y="1205136"/>
+            <a:ext cx="9001000" cy="0"/>
+          </a:xfrm>
+          <a:prstGeom prst="line">
+            <a:avLst/>
+          </a:prstGeom>
+          <a:ln w="28575"/>
+        </p:spPr>
+        <p:style>
+          <a:lnRef idx="1">
+            <a:schemeClr val="accent1"/>
+          </a:lnRef>
+          <a:fillRef idx="0">
+            <a:schemeClr val="accent1"/>
+          </a:fillRef>
+          <a:effectRef idx="0">
+            <a:schemeClr val="accent1"/>
+          </a:effectRef>
+          <a:fontRef idx="minor">
+            <a:schemeClr val="tx1"/>
+          </a:fontRef>
+        </p:style>
+      </p:cxnSp>
+      <p:cxnSp>
+        <p:nvCxnSpPr>
+          <p:cNvPr id="14" name="직선 연결선 13"/>
+          <p:cNvCxnSpPr/>
+          <p:nvPr/>
+        </p:nvCxnSpPr>
+        <p:spPr>
+          <a:xfrm>
+            <a:off x="35496" y="6741368"/>
+            <a:ext cx="9001000" cy="0"/>
+          </a:xfrm>
+          <a:prstGeom prst="line">
+            <a:avLst/>
+          </a:prstGeom>
+          <a:ln w="28575"/>
+        </p:spPr>
+        <p:style>
+          <a:lnRef idx="1">
+            <a:schemeClr val="accent1"/>
+          </a:lnRef>
+          <a:fillRef idx="0">
+            <a:schemeClr val="accent1"/>
+          </a:fillRef>
+          <a:effectRef idx="0">
+            <a:schemeClr val="accent1"/>
+          </a:effectRef>
+          <a:fontRef idx="minor">
+            <a:schemeClr val="tx1"/>
+          </a:fontRef>
+        </p:style>
+      </p:cxnSp>
+      <p:cxnSp>
+        <p:nvCxnSpPr>
+          <p:cNvPr id="15" name="직선 연결선 14"/>
+          <p:cNvCxnSpPr/>
+          <p:nvPr/>
+        </p:nvCxnSpPr>
+        <p:spPr>
+          <a:xfrm>
+            <a:off x="35496" y="1196752"/>
+            <a:ext cx="0" cy="5544616"/>
+          </a:xfrm>
+          <a:prstGeom prst="line">
+            <a:avLst/>
+          </a:prstGeom>
+          <a:ln w="28575"/>
+        </p:spPr>
+        <p:style>
+          <a:lnRef idx="1">
+            <a:schemeClr val="accent1"/>
+          </a:lnRef>
+          <a:fillRef idx="0">
+            <a:schemeClr val="accent1"/>
+          </a:fillRef>
+          <a:effectRef idx="0">
+            <a:schemeClr val="accent1"/>
+          </a:effectRef>
+          <a:fontRef idx="minor">
+            <a:schemeClr val="tx1"/>
+          </a:fontRef>
+        </p:style>
+      </p:cxnSp>
+      <p:cxnSp>
+        <p:nvCxnSpPr>
+          <p:cNvPr id="19" name="직선 연결선 18"/>
+          <p:cNvCxnSpPr/>
+          <p:nvPr/>
+        </p:nvCxnSpPr>
+        <p:spPr>
+          <a:xfrm>
+            <a:off x="9036496" y="1205136"/>
+            <a:ext cx="0" cy="5544616"/>
+          </a:xfrm>
+          <a:prstGeom prst="line">
+            <a:avLst/>
+          </a:prstGeom>
+          <a:ln w="28575"/>
+        </p:spPr>
+        <p:style>
+          <a:lnRef idx="1">
+            <a:schemeClr val="accent1"/>
+          </a:lnRef>
+          <a:fillRef idx="0">
+            <a:schemeClr val="accent1"/>
+          </a:fillRef>
+          <a:effectRef idx="0">
+            <a:schemeClr val="accent1"/>
+          </a:effectRef>
+          <a:fontRef idx="minor">
+            <a:schemeClr val="tx1"/>
+          </a:fontRef>
+        </p:style>
+      </p:cxnSp>
+      <p:cxnSp>
+        <p:nvCxnSpPr>
+          <p:cNvPr id="21" name="직선 연결선 20"/>
+          <p:cNvCxnSpPr/>
+          <p:nvPr/>
+        </p:nvCxnSpPr>
+        <p:spPr>
+          <a:xfrm>
+            <a:off x="9036496" y="4869160"/>
+            <a:ext cx="0" cy="0"/>
+          </a:xfrm>
+          <a:prstGeom prst="line">
+            <a:avLst/>
+          </a:prstGeom>
+          <a:ln w="28575"/>
+        </p:spPr>
+        <p:style>
+          <a:lnRef idx="1">
+            <a:schemeClr val="accent1"/>
+          </a:lnRef>
+          <a:fillRef idx="0">
+            <a:schemeClr val="accent1"/>
+          </a:fillRef>
+          <a:effectRef idx="0">
+            <a:schemeClr val="accent1"/>
+          </a:effectRef>
+          <a:fontRef idx="minor">
+            <a:schemeClr val="tx1"/>
+          </a:fontRef>
+        </p:style>
+      </p:cxnSp>
+      <p:sp>
+        <p:nvSpPr>
+          <p:cNvPr id="31" name="직사각형 30"/>
+          <p:cNvSpPr/>
+          <p:nvPr/>
+        </p:nvSpPr>
+        <p:spPr>
+          <a:xfrm>
+            <a:off x="3563888" y="44624"/>
+            <a:ext cx="2808312" cy="504056"/>
+          </a:xfrm>
+          <a:prstGeom prst="rect">
+            <a:avLst/>
+          </a:prstGeom>
+          <a:noFill/>
+        </p:spPr>
+        <p:style>
+          <a:lnRef idx="2">
+            <a:schemeClr val="accent1">
+              <a:shade val="50000"/>
+            </a:schemeClr>
+          </a:lnRef>
+          <a:fillRef idx="1">
+            <a:schemeClr val="accent1"/>
+          </a:fillRef>
+          <a:effectRef idx="0">
+            <a:schemeClr val="accent1"/>
+          </a:effectRef>
+          <a:fontRef idx="minor">
+            <a:schemeClr val="lt1"/>
+          </a:fontRef>
+        </p:style>
+        <p:txBody>
+          <a:bodyPr rtlCol="0" anchor="ctr"/>
+          <a:lstStyle/>
+          <a:p>
+            <a:pPr algn="ctr">
+              <a:lnSpc>
+                <a:spcPct val="150000"/>
+              </a:lnSpc>
+            </a:pPr>
+            <a:r>
+              <a:rPr lang="en-US" altLang="ko-KR" sz="2000" b="1" dirty="0">
+                <a:solidFill>
+                  <a:schemeClr val="tx1"/>
+                </a:solidFill>
+              </a:rPr>
+              <a:t>6. </a:t>
+            </a:r>
+            <a:r>
+              <a:rPr lang="ko-KR" altLang="en-US" sz="2000" b="1" dirty="0">
+                <a:solidFill>
+                  <a:schemeClr val="tx1"/>
+                </a:solidFill>
+              </a:rPr>
+              <a:t>게시글 수정</a:t>
+            </a:r>
+          </a:p>
+        </p:txBody>
+      </p:sp>
+      <p:pic>
+        <p:nvPicPr>
+          <p:cNvPr id="3" name="그림 2">
+            <a:extLst>
+              <a:ext uri="{FF2B5EF4-FFF2-40B4-BE49-F238E27FC236}">
+                <a16:creationId xmlns:a16="http://schemas.microsoft.com/office/drawing/2014/main" id="{5D80D697-8B0D-40DC-82ED-AF69183D8617}"/>
+              </a:ext>
+            </a:extLst>
+          </p:cNvPr>
+          <p:cNvPicPr>
+            <a:picLocks noChangeAspect="1"/>
+          </p:cNvPicPr>
+          <p:nvPr/>
+        </p:nvPicPr>
+        <p:blipFill>
+          <a:blip r:embed="rId2">
+            <a:extLst>
+              <a:ext uri="{28A0092B-C50C-407E-A947-70E740481C1C}">
+                <a14:useLocalDpi xmlns:a14="http://schemas.microsoft.com/office/drawing/2010/main" val="0"/>
+              </a:ext>
+            </a:extLst>
+          </a:blip>
+          <a:stretch>
+            <a:fillRect/>
+          </a:stretch>
+        </p:blipFill>
+        <p:spPr>
+          <a:xfrm>
+            <a:off x="1115616" y="1296095"/>
+            <a:ext cx="2664298" cy="4788816"/>
+          </a:xfrm>
+          <a:prstGeom prst="rect">
+            <a:avLst/>
+          </a:prstGeom>
+        </p:spPr>
+      </p:pic>
+      <p:pic>
+        <p:nvPicPr>
+          <p:cNvPr id="10" name="그림 9">
+            <a:extLst>
+              <a:ext uri="{FF2B5EF4-FFF2-40B4-BE49-F238E27FC236}">
+                <a16:creationId xmlns:a16="http://schemas.microsoft.com/office/drawing/2014/main" id="{E5843754-4D7A-4014-B05F-E5D4F2CEB0DA}"/>
+              </a:ext>
+            </a:extLst>
+          </p:cNvPr>
+          <p:cNvPicPr>
+            <a:picLocks noChangeAspect="1"/>
+          </p:cNvPicPr>
+          <p:nvPr/>
+        </p:nvPicPr>
+        <p:blipFill>
+          <a:blip r:embed="rId3">
+            <a:extLst>
+              <a:ext uri="{28A0092B-C50C-407E-A947-70E740481C1C}">
+                <a14:useLocalDpi xmlns:a14="http://schemas.microsoft.com/office/drawing/2010/main" val="0"/>
+              </a:ext>
+            </a:extLst>
+          </a:blip>
+          <a:stretch>
+            <a:fillRect/>
+          </a:stretch>
+        </p:blipFill>
+        <p:spPr>
+          <a:xfrm>
+            <a:off x="4716015" y="1341578"/>
+            <a:ext cx="2439385" cy="4697326"/>
+          </a:xfrm>
+          <a:prstGeom prst="rect">
+            <a:avLst/>
+          </a:prstGeom>
+        </p:spPr>
+      </p:pic>
+    </p:spTree>
+    <p:extLst>
+      <p:ext uri="{BB962C8B-B14F-4D97-AF65-F5344CB8AC3E}">
+        <p14:creationId xmlns:p14="http://schemas.microsoft.com/office/powerpoint/2010/main" val="669464056"/>
+      </p:ext>
+    </p:extLst>
+  </p:cSld>
+  <p:clrMapOvr>
+    <a:masterClrMapping/>
+  </p:clrMapOvr>
+</p:sld>
+</file>
+
+<file path=ppt/slides/slide13.xml><?xml version="1.0" encoding="utf-8"?>
+<p:sld xmlns:a="http://schemas.openxmlformats.org/drawingml/2006/main" xmlns:r="http://schemas.openxmlformats.org/officeDocument/2006/relationships" xmlns:p="http://schemas.openxmlformats.org/presentationml/2006/main">
+  <p:cSld>
+    <p:spTree>
+      <p:nvGrpSpPr>
+        <p:cNvPr id="1" name=""/>
+        <p:cNvGrpSpPr/>
+        <p:nvPr/>
+      </p:nvGrpSpPr>
+      <p:grpSpPr>
+        <a:xfrm>
+          <a:off x="0" y="0"/>
+          <a:ext cx="0" cy="0"/>
+          <a:chOff x="0" y="0"/>
+          <a:chExt cx="0" cy="0"/>
+        </a:xfrm>
+      </p:grpSpPr>
+      <p:sp>
+        <p:nvSpPr>
+          <p:cNvPr id="4" name="직사각형 3"/>
+          <p:cNvSpPr/>
+          <p:nvPr/>
+        </p:nvSpPr>
+        <p:spPr>
+          <a:xfrm>
+            <a:off x="35496" y="44624"/>
+            <a:ext cx="3312368" cy="504056"/>
+          </a:xfrm>
+          <a:prstGeom prst="rect">
+            <a:avLst/>
+          </a:prstGeom>
+          <a:noFill/>
+        </p:spPr>
+        <p:style>
+          <a:lnRef idx="2">
+            <a:schemeClr val="accent1">
+              <a:shade val="50000"/>
+            </a:schemeClr>
+          </a:lnRef>
+          <a:fillRef idx="1">
+            <a:schemeClr val="accent1"/>
+          </a:fillRef>
+          <a:effectRef idx="0">
+            <a:schemeClr val="accent1"/>
+          </a:effectRef>
+          <a:fontRef idx="minor">
+            <a:schemeClr val="lt1"/>
+          </a:fontRef>
+        </p:style>
+        <p:txBody>
+          <a:bodyPr rtlCol="0" anchor="b"/>
+          <a:lstStyle/>
+          <a:p>
+            <a:pPr algn="ctr">
+              <a:lnSpc>
+                <a:spcPct val="150000"/>
+              </a:lnSpc>
+            </a:pPr>
+            <a:r>
+              <a:rPr lang="ko-KR" altLang="en-US" sz="2000" b="1" dirty="0">
+                <a:solidFill>
+                  <a:schemeClr val="tx1"/>
+                </a:solidFill>
+              </a:rPr>
+              <a:t>주요 소스 </a:t>
+            </a:r>
+            <a:r>
+              <a:rPr lang="en-US" altLang="ko-KR" sz="2000" b="1" dirty="0">
+                <a:solidFill>
+                  <a:schemeClr val="tx1"/>
+                </a:solidFill>
+              </a:rPr>
+              <a:t>[Code Review]</a:t>
+            </a:r>
+            <a:endParaRPr lang="ko-KR" altLang="en-US" sz="2000" b="1" dirty="0">
+              <a:solidFill>
+                <a:schemeClr val="tx1"/>
+              </a:solidFill>
+            </a:endParaRPr>
+          </a:p>
+        </p:txBody>
+      </p:sp>
+      <p:sp>
+        <p:nvSpPr>
+          <p:cNvPr id="5" name="직사각형 4"/>
+          <p:cNvSpPr/>
+          <p:nvPr/>
+        </p:nvSpPr>
+        <p:spPr>
+          <a:xfrm>
+            <a:off x="35496" y="620688"/>
+            <a:ext cx="3312368" cy="432048"/>
+          </a:xfrm>
+          <a:prstGeom prst="rect">
+            <a:avLst/>
+          </a:prstGeom>
+          <a:noFill/>
+        </p:spPr>
+        <p:style>
+          <a:lnRef idx="2">
+            <a:schemeClr val="accent1">
+              <a:shade val="50000"/>
+            </a:schemeClr>
+          </a:lnRef>
+          <a:fillRef idx="1">
+            <a:schemeClr val="accent1"/>
+          </a:fillRef>
+          <a:effectRef idx="0">
+            <a:schemeClr val="accent1"/>
+          </a:effectRef>
+          <a:fontRef idx="minor">
+            <a:schemeClr val="lt1"/>
+          </a:fontRef>
+        </p:style>
+        <p:txBody>
+          <a:bodyPr rtlCol="0" anchor="b"/>
+          <a:lstStyle/>
+          <a:p>
+            <a:pPr algn="ctr">
+              <a:lnSpc>
+                <a:spcPct val="150000"/>
+              </a:lnSpc>
+            </a:pPr>
+            <a:r>
+              <a:rPr lang="en-US" altLang="ko-KR" sz="2000" b="1" dirty="0">
+                <a:solidFill>
+                  <a:schemeClr val="tx1"/>
+                </a:solidFill>
+              </a:rPr>
+              <a:t>delete </a:t>
+            </a:r>
+            <a:r>
+              <a:rPr lang="ko-KR" altLang="en-US" sz="2000" b="1" dirty="0">
+                <a:solidFill>
+                  <a:schemeClr val="tx1"/>
+                </a:solidFill>
+              </a:rPr>
+              <a:t>①</a:t>
+            </a:r>
+          </a:p>
+        </p:txBody>
+      </p:sp>
+      <p:cxnSp>
+        <p:nvCxnSpPr>
+          <p:cNvPr id="7" name="직선 연결선 6"/>
+          <p:cNvCxnSpPr/>
+          <p:nvPr/>
+        </p:nvCxnSpPr>
+        <p:spPr>
+          <a:xfrm>
+            <a:off x="3491880" y="1052736"/>
+            <a:ext cx="5544616" cy="0"/>
+          </a:xfrm>
+          <a:prstGeom prst="line">
+            <a:avLst/>
+          </a:prstGeom>
+          <a:ln w="28575"/>
+        </p:spPr>
+        <p:style>
+          <a:lnRef idx="1">
+            <a:schemeClr val="accent1"/>
+          </a:lnRef>
+          <a:fillRef idx="0">
+            <a:schemeClr val="accent1"/>
+          </a:fillRef>
+          <a:effectRef idx="0">
+            <a:schemeClr val="accent1"/>
+          </a:effectRef>
+          <a:fontRef idx="minor">
+            <a:schemeClr val="tx1"/>
+          </a:fontRef>
+        </p:style>
+      </p:cxnSp>
+      <p:sp>
+        <p:nvSpPr>
+          <p:cNvPr id="8" name="TextBox 7"/>
           <p:cNvSpPr txBox="1"/>
           <p:nvPr/>
         </p:nvSpPr>
         <p:spPr>
           <a:xfrm>
-            <a:off x="4606350" y="1331476"/>
-            <a:ext cx="2917978" cy="369332"/>
+            <a:off x="3491880" y="620688"/>
+            <a:ext cx="3130922" cy="369332"/>
           </a:xfrm>
           <a:prstGeom prst="rect">
             <a:avLst/>
@@ -4115,23 +6491,509 @@
           <a:lstStyle/>
           <a:p>
             <a:r>
+              <a:rPr lang="en-US" altLang="ko-KR" sz="1800" dirty="0"/>
+              <a:t>Android studio, Spring boot</a:t>
+            </a:r>
+            <a:endParaRPr lang="ko-KR" altLang="en-US" sz="1800" dirty="0"/>
+          </a:p>
+        </p:txBody>
+      </p:sp>
+      <p:cxnSp>
+        <p:nvCxnSpPr>
+          <p:cNvPr id="11" name="직선 연결선 10"/>
+          <p:cNvCxnSpPr/>
+          <p:nvPr/>
+        </p:nvCxnSpPr>
+        <p:spPr>
+          <a:xfrm>
+            <a:off x="35496" y="1205136"/>
+            <a:ext cx="9001000" cy="0"/>
+          </a:xfrm>
+          <a:prstGeom prst="line">
+            <a:avLst/>
+          </a:prstGeom>
+          <a:ln w="28575"/>
+        </p:spPr>
+        <p:style>
+          <a:lnRef idx="1">
+            <a:schemeClr val="accent1"/>
+          </a:lnRef>
+          <a:fillRef idx="0">
+            <a:schemeClr val="accent1"/>
+          </a:fillRef>
+          <a:effectRef idx="0">
+            <a:schemeClr val="accent1"/>
+          </a:effectRef>
+          <a:fontRef idx="minor">
+            <a:schemeClr val="tx1"/>
+          </a:fontRef>
+        </p:style>
+      </p:cxnSp>
+      <p:cxnSp>
+        <p:nvCxnSpPr>
+          <p:cNvPr id="14" name="직선 연결선 13"/>
+          <p:cNvCxnSpPr/>
+          <p:nvPr/>
+        </p:nvCxnSpPr>
+        <p:spPr>
+          <a:xfrm>
+            <a:off x="35496" y="6741368"/>
+            <a:ext cx="9001000" cy="0"/>
+          </a:xfrm>
+          <a:prstGeom prst="line">
+            <a:avLst/>
+          </a:prstGeom>
+          <a:ln w="28575"/>
+        </p:spPr>
+        <p:style>
+          <a:lnRef idx="1">
+            <a:schemeClr val="accent1"/>
+          </a:lnRef>
+          <a:fillRef idx="0">
+            <a:schemeClr val="accent1"/>
+          </a:fillRef>
+          <a:effectRef idx="0">
+            <a:schemeClr val="accent1"/>
+          </a:effectRef>
+          <a:fontRef idx="minor">
+            <a:schemeClr val="tx1"/>
+          </a:fontRef>
+        </p:style>
+      </p:cxnSp>
+      <p:cxnSp>
+        <p:nvCxnSpPr>
+          <p:cNvPr id="15" name="직선 연결선 14"/>
+          <p:cNvCxnSpPr/>
+          <p:nvPr/>
+        </p:nvCxnSpPr>
+        <p:spPr>
+          <a:xfrm>
+            <a:off x="35496" y="1196752"/>
+            <a:ext cx="0" cy="5544616"/>
+          </a:xfrm>
+          <a:prstGeom prst="line">
+            <a:avLst/>
+          </a:prstGeom>
+          <a:ln w="28575"/>
+        </p:spPr>
+        <p:style>
+          <a:lnRef idx="1">
+            <a:schemeClr val="accent1"/>
+          </a:lnRef>
+          <a:fillRef idx="0">
+            <a:schemeClr val="accent1"/>
+          </a:fillRef>
+          <a:effectRef idx="0">
+            <a:schemeClr val="accent1"/>
+          </a:effectRef>
+          <a:fontRef idx="minor">
+            <a:schemeClr val="tx1"/>
+          </a:fontRef>
+        </p:style>
+      </p:cxnSp>
+      <p:cxnSp>
+        <p:nvCxnSpPr>
+          <p:cNvPr id="19" name="직선 연결선 18"/>
+          <p:cNvCxnSpPr/>
+          <p:nvPr/>
+        </p:nvCxnSpPr>
+        <p:spPr>
+          <a:xfrm>
+            <a:off x="9036496" y="1205136"/>
+            <a:ext cx="0" cy="5544616"/>
+          </a:xfrm>
+          <a:prstGeom prst="line">
+            <a:avLst/>
+          </a:prstGeom>
+          <a:ln w="28575"/>
+        </p:spPr>
+        <p:style>
+          <a:lnRef idx="1">
+            <a:schemeClr val="accent1"/>
+          </a:lnRef>
+          <a:fillRef idx="0">
+            <a:schemeClr val="accent1"/>
+          </a:fillRef>
+          <a:effectRef idx="0">
+            <a:schemeClr val="accent1"/>
+          </a:effectRef>
+          <a:fontRef idx="minor">
+            <a:schemeClr val="tx1"/>
+          </a:fontRef>
+        </p:style>
+      </p:cxnSp>
+      <p:cxnSp>
+        <p:nvCxnSpPr>
+          <p:cNvPr id="21" name="직선 연결선 20"/>
+          <p:cNvCxnSpPr/>
+          <p:nvPr/>
+        </p:nvCxnSpPr>
+        <p:spPr>
+          <a:xfrm>
+            <a:off x="9036496" y="4869160"/>
+            <a:ext cx="0" cy="0"/>
+          </a:xfrm>
+          <a:prstGeom prst="line">
+            <a:avLst/>
+          </a:prstGeom>
+          <a:ln w="28575"/>
+        </p:spPr>
+        <p:style>
+          <a:lnRef idx="1">
+            <a:schemeClr val="accent1"/>
+          </a:lnRef>
+          <a:fillRef idx="0">
+            <a:schemeClr val="accent1"/>
+          </a:fillRef>
+          <a:effectRef idx="0">
+            <a:schemeClr val="accent1"/>
+          </a:effectRef>
+          <a:fontRef idx="minor">
+            <a:schemeClr val="tx1"/>
+          </a:fontRef>
+        </p:style>
+      </p:cxnSp>
+      <p:sp>
+        <p:nvSpPr>
+          <p:cNvPr id="31" name="직사각형 30"/>
+          <p:cNvSpPr/>
+          <p:nvPr/>
+        </p:nvSpPr>
+        <p:spPr>
+          <a:xfrm>
+            <a:off x="3563888" y="44624"/>
+            <a:ext cx="2808312" cy="504056"/>
+          </a:xfrm>
+          <a:prstGeom prst="rect">
+            <a:avLst/>
+          </a:prstGeom>
+          <a:noFill/>
+        </p:spPr>
+        <p:style>
+          <a:lnRef idx="2">
+            <a:schemeClr val="accent1">
+              <a:shade val="50000"/>
+            </a:schemeClr>
+          </a:lnRef>
+          <a:fillRef idx="1">
+            <a:schemeClr val="accent1"/>
+          </a:fillRef>
+          <a:effectRef idx="0">
+            <a:schemeClr val="accent1"/>
+          </a:effectRef>
+          <a:fontRef idx="minor">
+            <a:schemeClr val="lt1"/>
+          </a:fontRef>
+        </p:style>
+        <p:txBody>
+          <a:bodyPr rtlCol="0" anchor="ctr"/>
+          <a:lstStyle/>
+          <a:p>
+            <a:pPr algn="ctr">
+              <a:lnSpc>
+                <a:spcPct val="150000"/>
+              </a:lnSpc>
+            </a:pPr>
+            <a:r>
+              <a:rPr lang="en-US" altLang="ko-KR" sz="2000" b="1" dirty="0">
+                <a:solidFill>
+                  <a:schemeClr val="tx1"/>
+                </a:solidFill>
+              </a:rPr>
+              <a:t>7. </a:t>
+            </a:r>
+            <a:r>
+              <a:rPr lang="ko-KR" altLang="en-US" sz="2000" b="1" dirty="0">
+                <a:solidFill>
+                  <a:schemeClr val="tx1"/>
+                </a:solidFill>
+              </a:rPr>
+              <a:t>게시글 삭제</a:t>
+            </a:r>
+          </a:p>
+        </p:txBody>
+      </p:sp>
+      <p:pic>
+        <p:nvPicPr>
+          <p:cNvPr id="17" name="그림 16">
+            <a:extLst>
+              <a:ext uri="{FF2B5EF4-FFF2-40B4-BE49-F238E27FC236}">
+                <a16:creationId xmlns:a16="http://schemas.microsoft.com/office/drawing/2014/main" id="{F3B54AFF-A3D8-42B5-A3C0-16D1928B46D9}"/>
+              </a:ext>
+            </a:extLst>
+          </p:cNvPr>
+          <p:cNvPicPr>
+            <a:picLocks noChangeAspect="1"/>
+          </p:cNvPicPr>
+          <p:nvPr/>
+        </p:nvPicPr>
+        <p:blipFill>
+          <a:blip r:embed="rId2"/>
+          <a:stretch>
+            <a:fillRect/>
+          </a:stretch>
+        </p:blipFill>
+        <p:spPr>
+          <a:xfrm>
+            <a:off x="373786" y="1591591"/>
+            <a:ext cx="7985320" cy="4493320"/>
+          </a:xfrm>
+          <a:prstGeom prst="rect">
+            <a:avLst/>
+          </a:prstGeom>
+          <a:ln w="28575">
+            <a:solidFill>
+              <a:schemeClr val="tx2"/>
+            </a:solidFill>
+          </a:ln>
+        </p:spPr>
+      </p:pic>
+      <p:sp>
+        <p:nvSpPr>
+          <p:cNvPr id="22" name="직사각형 21">
+            <a:extLst>
+              <a:ext uri="{FF2B5EF4-FFF2-40B4-BE49-F238E27FC236}">
+                <a16:creationId xmlns:a16="http://schemas.microsoft.com/office/drawing/2014/main" id="{053FDAE4-7355-47B9-AB62-221902B2AA93}"/>
+              </a:ext>
+            </a:extLst>
+          </p:cNvPr>
+          <p:cNvSpPr/>
+          <p:nvPr/>
+        </p:nvSpPr>
+        <p:spPr>
+          <a:xfrm>
+            <a:off x="4038626" y="5843843"/>
+            <a:ext cx="4320480" cy="241068"/>
+          </a:xfrm>
+          <a:prstGeom prst="rect">
+            <a:avLst/>
+          </a:prstGeom>
+        </p:spPr>
+        <p:style>
+          <a:lnRef idx="2">
+            <a:schemeClr val="accent1">
+              <a:shade val="50000"/>
+            </a:schemeClr>
+          </a:lnRef>
+          <a:fillRef idx="1">
+            <a:schemeClr val="accent1"/>
+          </a:fillRef>
+          <a:effectRef idx="0">
+            <a:schemeClr val="accent1"/>
+          </a:effectRef>
+          <a:fontRef idx="minor">
+            <a:schemeClr val="lt1"/>
+          </a:fontRef>
+        </p:style>
+        <p:txBody>
+          <a:bodyPr rtlCol="0" anchor="ctr"/>
+          <a:lstStyle/>
+          <a:p>
+            <a:pPr algn="ctr"/>
+            <a:r>
               <a:rPr lang="en-US" altLang="ko-KR" dirty="0"/>
-              <a:t>Here : Result Image Insert</a:t>
+              <a:t>[Android] BoardListFragment.java</a:t>
             </a:r>
             <a:endParaRPr lang="ko-KR" altLang="en-US" dirty="0"/>
           </a:p>
         </p:txBody>
       </p:sp>
-      <p:sp>
-        <p:nvSpPr>
-          <p:cNvPr id="34" name="TextBox 33"/>
+    </p:spTree>
+    <p:extLst>
+      <p:ext uri="{BB962C8B-B14F-4D97-AF65-F5344CB8AC3E}">
+        <p14:creationId xmlns:p14="http://schemas.microsoft.com/office/powerpoint/2010/main" val="36534237"/>
+      </p:ext>
+    </p:extLst>
+  </p:cSld>
+  <p:clrMapOvr>
+    <a:masterClrMapping/>
+  </p:clrMapOvr>
+</p:sld>
+</file>
+
+<file path=ppt/slides/slide14.xml><?xml version="1.0" encoding="utf-8"?>
+<p:sld xmlns:a="http://schemas.openxmlformats.org/drawingml/2006/main" xmlns:r="http://schemas.openxmlformats.org/officeDocument/2006/relationships" xmlns:p="http://schemas.openxmlformats.org/presentationml/2006/main">
+  <p:cSld>
+    <p:spTree>
+      <p:nvGrpSpPr>
+        <p:cNvPr id="1" name=""/>
+        <p:cNvGrpSpPr/>
+        <p:nvPr/>
+      </p:nvGrpSpPr>
+      <p:grpSpPr>
+        <a:xfrm>
+          <a:off x="0" y="0"/>
+          <a:ext cx="0" cy="0"/>
+          <a:chOff x="0" y="0"/>
+          <a:chExt cx="0" cy="0"/>
+        </a:xfrm>
+      </p:grpSpPr>
+      <p:sp>
+        <p:nvSpPr>
+          <p:cNvPr id="4" name="직사각형 3"/>
+          <p:cNvSpPr/>
+          <p:nvPr/>
+        </p:nvSpPr>
+        <p:spPr>
+          <a:xfrm>
+            <a:off x="35496" y="44624"/>
+            <a:ext cx="3312368" cy="504056"/>
+          </a:xfrm>
+          <a:prstGeom prst="rect">
+            <a:avLst/>
+          </a:prstGeom>
+          <a:noFill/>
+        </p:spPr>
+        <p:style>
+          <a:lnRef idx="2">
+            <a:schemeClr val="accent1">
+              <a:shade val="50000"/>
+            </a:schemeClr>
+          </a:lnRef>
+          <a:fillRef idx="1">
+            <a:schemeClr val="accent1"/>
+          </a:fillRef>
+          <a:effectRef idx="0">
+            <a:schemeClr val="accent1"/>
+          </a:effectRef>
+          <a:fontRef idx="minor">
+            <a:schemeClr val="lt1"/>
+          </a:fontRef>
+        </p:style>
+        <p:txBody>
+          <a:bodyPr rtlCol="0" anchor="b"/>
+          <a:lstStyle/>
+          <a:p>
+            <a:pPr algn="ctr">
+              <a:lnSpc>
+                <a:spcPct val="150000"/>
+              </a:lnSpc>
+            </a:pPr>
+            <a:r>
+              <a:rPr lang="ko-KR" altLang="en-US" sz="2000" b="1" dirty="0">
+                <a:solidFill>
+                  <a:schemeClr val="tx1"/>
+                </a:solidFill>
+              </a:rPr>
+              <a:t>주요 소스 </a:t>
+            </a:r>
+            <a:r>
+              <a:rPr lang="en-US" altLang="ko-KR" sz="2000" b="1" dirty="0">
+                <a:solidFill>
+                  <a:schemeClr val="tx1"/>
+                </a:solidFill>
+              </a:rPr>
+              <a:t>[Code Review]</a:t>
+            </a:r>
+            <a:endParaRPr lang="ko-KR" altLang="en-US" sz="2000" b="1" dirty="0">
+              <a:solidFill>
+                <a:schemeClr val="tx1"/>
+              </a:solidFill>
+            </a:endParaRPr>
+          </a:p>
+        </p:txBody>
+      </p:sp>
+      <p:sp>
+        <p:nvSpPr>
+          <p:cNvPr id="5" name="직사각형 4"/>
+          <p:cNvSpPr/>
+          <p:nvPr/>
+        </p:nvSpPr>
+        <p:spPr>
+          <a:xfrm>
+            <a:off x="35496" y="620688"/>
+            <a:ext cx="3312368" cy="432048"/>
+          </a:xfrm>
+          <a:prstGeom prst="rect">
+            <a:avLst/>
+          </a:prstGeom>
+          <a:noFill/>
+        </p:spPr>
+        <p:style>
+          <a:lnRef idx="2">
+            <a:schemeClr val="accent1">
+              <a:shade val="50000"/>
+            </a:schemeClr>
+          </a:lnRef>
+          <a:fillRef idx="1">
+            <a:schemeClr val="accent1"/>
+          </a:fillRef>
+          <a:effectRef idx="0">
+            <a:schemeClr val="accent1"/>
+          </a:effectRef>
+          <a:fontRef idx="minor">
+            <a:schemeClr val="lt1"/>
+          </a:fontRef>
+        </p:style>
+        <p:txBody>
+          <a:bodyPr rtlCol="0" anchor="b"/>
+          <a:lstStyle/>
+          <a:p>
+            <a:pPr algn="ctr">
+              <a:lnSpc>
+                <a:spcPct val="150000"/>
+              </a:lnSpc>
+            </a:pPr>
+            <a:r>
+              <a:rPr lang="en-US" altLang="ko-KR" sz="2000" b="1" dirty="0">
+                <a:solidFill>
+                  <a:schemeClr val="tx1"/>
+                </a:solidFill>
+              </a:rPr>
+              <a:t>delete </a:t>
+            </a:r>
+            <a:r>
+              <a:rPr lang="ko-KR" altLang="en-US" sz="2000" b="1" dirty="0">
+                <a:solidFill>
+                  <a:schemeClr val="tx1"/>
+                </a:solidFill>
+              </a:rPr>
+              <a:t>②</a:t>
+            </a:r>
+          </a:p>
+        </p:txBody>
+      </p:sp>
+      <p:cxnSp>
+        <p:nvCxnSpPr>
+          <p:cNvPr id="7" name="직선 연결선 6"/>
+          <p:cNvCxnSpPr/>
+          <p:nvPr/>
+        </p:nvCxnSpPr>
+        <p:spPr>
+          <a:xfrm>
+            <a:off x="3491880" y="1052736"/>
+            <a:ext cx="5544616" cy="0"/>
+          </a:xfrm>
+          <a:prstGeom prst="line">
+            <a:avLst/>
+          </a:prstGeom>
+          <a:ln w="28575"/>
+        </p:spPr>
+        <p:style>
+          <a:lnRef idx="1">
+            <a:schemeClr val="accent1"/>
+          </a:lnRef>
+          <a:fillRef idx="0">
+            <a:schemeClr val="accent1"/>
+          </a:fillRef>
+          <a:effectRef idx="0">
+            <a:schemeClr val="accent1"/>
+          </a:effectRef>
+          <a:fontRef idx="minor">
+            <a:schemeClr val="tx1"/>
+          </a:fontRef>
+        </p:style>
+      </p:cxnSp>
+      <p:sp>
+        <p:nvSpPr>
+          <p:cNvPr id="8" name="TextBox 7"/>
           <p:cNvSpPr txBox="1"/>
           <p:nvPr/>
         </p:nvSpPr>
         <p:spPr>
           <a:xfrm>
-            <a:off x="149848" y="1308502"/>
-            <a:ext cx="4417171" cy="369332"/>
+            <a:off x="3491880" y="620688"/>
+            <a:ext cx="3130922" cy="369332"/>
           </a:xfrm>
           <a:prstGeom prst="rect">
             <a:avLst/>
@@ -4145,17 +7007,303 @@
           <a:lstStyle/>
           <a:p>
             <a:r>
-              <a:rPr lang="en-US" altLang="ko-KR" dirty="0"/>
-              <a:t>Here : Core Source(Text or Image) Insert</a:t>
-            </a:r>
-            <a:endParaRPr lang="ko-KR" altLang="en-US" dirty="0"/>
-          </a:p>
-        </p:txBody>
-      </p:sp>
+              <a:rPr lang="en-US" altLang="ko-KR" sz="1800" dirty="0"/>
+              <a:t>Android studio, Spring boot</a:t>
+            </a:r>
+            <a:endParaRPr lang="ko-KR" altLang="en-US" sz="1800" dirty="0"/>
+          </a:p>
+        </p:txBody>
+      </p:sp>
+      <p:cxnSp>
+        <p:nvCxnSpPr>
+          <p:cNvPr id="11" name="직선 연결선 10"/>
+          <p:cNvCxnSpPr/>
+          <p:nvPr/>
+        </p:nvCxnSpPr>
+        <p:spPr>
+          <a:xfrm>
+            <a:off x="35496" y="1205136"/>
+            <a:ext cx="9001000" cy="0"/>
+          </a:xfrm>
+          <a:prstGeom prst="line">
+            <a:avLst/>
+          </a:prstGeom>
+          <a:ln w="28575"/>
+        </p:spPr>
+        <p:style>
+          <a:lnRef idx="1">
+            <a:schemeClr val="accent1"/>
+          </a:lnRef>
+          <a:fillRef idx="0">
+            <a:schemeClr val="accent1"/>
+          </a:fillRef>
+          <a:effectRef idx="0">
+            <a:schemeClr val="accent1"/>
+          </a:effectRef>
+          <a:fontRef idx="minor">
+            <a:schemeClr val="tx1"/>
+          </a:fontRef>
+        </p:style>
+      </p:cxnSp>
+      <p:cxnSp>
+        <p:nvCxnSpPr>
+          <p:cNvPr id="14" name="직선 연결선 13"/>
+          <p:cNvCxnSpPr/>
+          <p:nvPr/>
+        </p:nvCxnSpPr>
+        <p:spPr>
+          <a:xfrm>
+            <a:off x="35496" y="6741368"/>
+            <a:ext cx="9001000" cy="0"/>
+          </a:xfrm>
+          <a:prstGeom prst="line">
+            <a:avLst/>
+          </a:prstGeom>
+          <a:ln w="28575"/>
+        </p:spPr>
+        <p:style>
+          <a:lnRef idx="1">
+            <a:schemeClr val="accent1"/>
+          </a:lnRef>
+          <a:fillRef idx="0">
+            <a:schemeClr val="accent1"/>
+          </a:fillRef>
+          <a:effectRef idx="0">
+            <a:schemeClr val="accent1"/>
+          </a:effectRef>
+          <a:fontRef idx="minor">
+            <a:schemeClr val="tx1"/>
+          </a:fontRef>
+        </p:style>
+      </p:cxnSp>
+      <p:cxnSp>
+        <p:nvCxnSpPr>
+          <p:cNvPr id="15" name="직선 연결선 14"/>
+          <p:cNvCxnSpPr/>
+          <p:nvPr/>
+        </p:nvCxnSpPr>
+        <p:spPr>
+          <a:xfrm>
+            <a:off x="35496" y="1196752"/>
+            <a:ext cx="0" cy="5544616"/>
+          </a:xfrm>
+          <a:prstGeom prst="line">
+            <a:avLst/>
+          </a:prstGeom>
+          <a:ln w="28575"/>
+        </p:spPr>
+        <p:style>
+          <a:lnRef idx="1">
+            <a:schemeClr val="accent1"/>
+          </a:lnRef>
+          <a:fillRef idx="0">
+            <a:schemeClr val="accent1"/>
+          </a:fillRef>
+          <a:effectRef idx="0">
+            <a:schemeClr val="accent1"/>
+          </a:effectRef>
+          <a:fontRef idx="minor">
+            <a:schemeClr val="tx1"/>
+          </a:fontRef>
+        </p:style>
+      </p:cxnSp>
+      <p:cxnSp>
+        <p:nvCxnSpPr>
+          <p:cNvPr id="19" name="직선 연결선 18"/>
+          <p:cNvCxnSpPr/>
+          <p:nvPr/>
+        </p:nvCxnSpPr>
+        <p:spPr>
+          <a:xfrm>
+            <a:off x="9036496" y="1205136"/>
+            <a:ext cx="0" cy="5544616"/>
+          </a:xfrm>
+          <a:prstGeom prst="line">
+            <a:avLst/>
+          </a:prstGeom>
+          <a:ln w="28575"/>
+        </p:spPr>
+        <p:style>
+          <a:lnRef idx="1">
+            <a:schemeClr val="accent1"/>
+          </a:lnRef>
+          <a:fillRef idx="0">
+            <a:schemeClr val="accent1"/>
+          </a:fillRef>
+          <a:effectRef idx="0">
+            <a:schemeClr val="accent1"/>
+          </a:effectRef>
+          <a:fontRef idx="minor">
+            <a:schemeClr val="tx1"/>
+          </a:fontRef>
+        </p:style>
+      </p:cxnSp>
+      <p:cxnSp>
+        <p:nvCxnSpPr>
+          <p:cNvPr id="21" name="직선 연결선 20"/>
+          <p:cNvCxnSpPr/>
+          <p:nvPr/>
+        </p:nvCxnSpPr>
+        <p:spPr>
+          <a:xfrm>
+            <a:off x="9036496" y="4869160"/>
+            <a:ext cx="0" cy="0"/>
+          </a:xfrm>
+          <a:prstGeom prst="line">
+            <a:avLst/>
+          </a:prstGeom>
+          <a:ln w="28575"/>
+        </p:spPr>
+        <p:style>
+          <a:lnRef idx="1">
+            <a:schemeClr val="accent1"/>
+          </a:lnRef>
+          <a:fillRef idx="0">
+            <a:schemeClr val="accent1"/>
+          </a:fillRef>
+          <a:effectRef idx="0">
+            <a:schemeClr val="accent1"/>
+          </a:effectRef>
+          <a:fontRef idx="minor">
+            <a:schemeClr val="tx1"/>
+          </a:fontRef>
+        </p:style>
+      </p:cxnSp>
+      <p:sp>
+        <p:nvSpPr>
+          <p:cNvPr id="31" name="직사각형 30"/>
+          <p:cNvSpPr/>
+          <p:nvPr/>
+        </p:nvSpPr>
+        <p:spPr>
+          <a:xfrm>
+            <a:off x="3563888" y="44624"/>
+            <a:ext cx="2808312" cy="504056"/>
+          </a:xfrm>
+          <a:prstGeom prst="rect">
+            <a:avLst/>
+          </a:prstGeom>
+          <a:noFill/>
+        </p:spPr>
+        <p:style>
+          <a:lnRef idx="2">
+            <a:schemeClr val="accent1">
+              <a:shade val="50000"/>
+            </a:schemeClr>
+          </a:lnRef>
+          <a:fillRef idx="1">
+            <a:schemeClr val="accent1"/>
+          </a:fillRef>
+          <a:effectRef idx="0">
+            <a:schemeClr val="accent1"/>
+          </a:effectRef>
+          <a:fontRef idx="minor">
+            <a:schemeClr val="lt1"/>
+          </a:fontRef>
+        </p:style>
+        <p:txBody>
+          <a:bodyPr rtlCol="0" anchor="ctr"/>
+          <a:lstStyle/>
+          <a:p>
+            <a:pPr algn="ctr">
+              <a:lnSpc>
+                <a:spcPct val="150000"/>
+              </a:lnSpc>
+            </a:pPr>
+            <a:r>
+              <a:rPr lang="en-US" altLang="ko-KR" sz="2000" b="1" dirty="0">
+                <a:solidFill>
+                  <a:schemeClr val="tx1"/>
+                </a:solidFill>
+              </a:rPr>
+              <a:t>7. </a:t>
+            </a:r>
+            <a:r>
+              <a:rPr lang="ko-KR" altLang="en-US" sz="2000" b="1" dirty="0">
+                <a:solidFill>
+                  <a:schemeClr val="tx1"/>
+                </a:solidFill>
+              </a:rPr>
+              <a:t>게시글 삭제</a:t>
+            </a:r>
+          </a:p>
+        </p:txBody>
+      </p:sp>
+      <p:pic>
+        <p:nvPicPr>
+          <p:cNvPr id="16" name="그림 15">
+            <a:extLst>
+              <a:ext uri="{FF2B5EF4-FFF2-40B4-BE49-F238E27FC236}">
+                <a16:creationId xmlns:a16="http://schemas.microsoft.com/office/drawing/2014/main" id="{BF69FA94-5B1D-4A10-AB33-5A9DFC88DD16}"/>
+              </a:ext>
+            </a:extLst>
+          </p:cNvPr>
+          <p:cNvPicPr>
+            <a:picLocks noChangeAspect="1"/>
+          </p:cNvPicPr>
+          <p:nvPr/>
+        </p:nvPicPr>
+        <p:blipFill>
+          <a:blip r:embed="rId2">
+            <a:extLst>
+              <a:ext uri="{28A0092B-C50C-407E-A947-70E740481C1C}">
+                <a14:useLocalDpi xmlns:a14="http://schemas.microsoft.com/office/drawing/2010/main" val="0"/>
+              </a:ext>
+            </a:extLst>
+          </a:blip>
+          <a:stretch>
+            <a:fillRect/>
+          </a:stretch>
+        </p:blipFill>
+        <p:spPr>
+          <a:xfrm>
+            <a:off x="1619672" y="1638374"/>
+            <a:ext cx="2714819" cy="4589522"/>
+          </a:xfrm>
+          <a:prstGeom prst="rect">
+            <a:avLst/>
+          </a:prstGeom>
+        </p:spPr>
+      </p:pic>
+      <p:pic>
+        <p:nvPicPr>
+          <p:cNvPr id="17" name="그림 16">
+            <a:extLst>
+              <a:ext uri="{FF2B5EF4-FFF2-40B4-BE49-F238E27FC236}">
+                <a16:creationId xmlns:a16="http://schemas.microsoft.com/office/drawing/2014/main" id="{66CBA30F-9DC9-430B-96B5-FB64662A1C71}"/>
+              </a:ext>
+            </a:extLst>
+          </p:cNvPr>
+          <p:cNvPicPr>
+            <a:picLocks noChangeAspect="1"/>
+          </p:cNvPicPr>
+          <p:nvPr/>
+        </p:nvPicPr>
+        <p:blipFill rotWithShape="1">
+          <a:blip r:embed="rId3">
+            <a:extLst>
+              <a:ext uri="{28A0092B-C50C-407E-A947-70E740481C1C}">
+                <a14:useLocalDpi xmlns:a14="http://schemas.microsoft.com/office/drawing/2010/main" val="0"/>
+              </a:ext>
+            </a:extLst>
+          </a:blip>
+          <a:srcRect l="4909"/>
+          <a:stretch/>
+        </p:blipFill>
+        <p:spPr>
+          <a:xfrm>
+            <a:off x="4788024" y="1646476"/>
+            <a:ext cx="2736304" cy="4679663"/>
+          </a:xfrm>
+          <a:prstGeom prst="rect">
+            <a:avLst/>
+          </a:prstGeom>
+        </p:spPr>
+      </p:pic>
     </p:spTree>
     <p:extLst>
       <p:ext uri="{BB962C8B-B14F-4D97-AF65-F5344CB8AC3E}">
-        <p14:creationId xmlns:p14="http://schemas.microsoft.com/office/powerpoint/2010/main" val="2989050781"/>
+        <p14:creationId xmlns:p14="http://schemas.microsoft.com/office/powerpoint/2010/main" val="1719494444"/>
       </p:ext>
     </p:extLst>
   </p:cSld>
@@ -4294,7 +7442,7 @@
                   <a:schemeClr val="tx1"/>
                 </a:solidFill>
               </a:rPr>
-              <a:t>Form.js</a:t>
+              <a:t>sign-up</a:t>
             </a:r>
             <a:endParaRPr lang="ko-KR" altLang="en-US" sz="2000" b="1" dirty="0">
               <a:solidFill>
@@ -4344,7 +7492,7 @@
         <p:spPr>
           <a:xfrm>
             <a:off x="3491880" y="620688"/>
-            <a:ext cx="2331023" cy="369332"/>
+            <a:ext cx="3960440" cy="369332"/>
           </a:xfrm>
           <a:prstGeom prst="rect">
             <a:avLst/>
@@ -4352,32 +7500,16 @@
           <a:noFill/>
         </p:spPr>
         <p:txBody>
-          <a:bodyPr wrap="none" rtlCol="0">
+          <a:bodyPr wrap="square" rtlCol="0">
             <a:spAutoFit/>
           </a:bodyPr>
           <a:lstStyle/>
           <a:p>
             <a:r>
-              <a:rPr lang="en-US" altLang="ko-KR" dirty="0"/>
-              <a:t>react,</a:t>
-            </a:r>
-            <a:r>
-              <a:rPr lang="ko-KR" altLang="en-US" dirty="0"/>
-              <a:t> </a:t>
-            </a:r>
-            <a:r>
-              <a:rPr lang="en-US" altLang="ko-KR" dirty="0"/>
-              <a:t>node.js,</a:t>
-            </a:r>
-            <a:r>
-              <a:rPr lang="ko-KR" altLang="en-US" dirty="0"/>
-              <a:t> </a:t>
-            </a:r>
-            <a:r>
-              <a:rPr lang="en-US" altLang="ko-KR" dirty="0"/>
-              <a:t>oracle</a:t>
-            </a:r>
-            <a:endParaRPr lang="ko-KR" altLang="en-US" dirty="0"/>
+              <a:rPr lang="en-US" altLang="ko-KR" sz="1800" dirty="0"/>
+              <a:t>Android studio, Spring boot</a:t>
+            </a:r>
+            <a:endParaRPr lang="ko-KR" altLang="en-US" sz="1800" dirty="0"/>
           </a:p>
         </p:txBody>
       </p:sp>
@@ -4578,18 +7710,21 @@
               </a:lnSpc>
             </a:pPr>
             <a:r>
-              <a:rPr lang="ko-KR" altLang="en-US" sz="2000" b="1" dirty="0" err="1">
+              <a:rPr lang="en-US" altLang="ko-KR" sz="2000" b="1" dirty="0">
                 <a:solidFill>
                   <a:schemeClr val="tx1"/>
                 </a:solidFill>
               </a:rPr>
-              <a:t>게시글쓰기</a:t>
-            </a:r>
-            <a:endParaRPr lang="ko-KR" altLang="en-US" sz="2000" b="1" dirty="0">
-              <a:solidFill>
-                <a:schemeClr val="tx1"/>
-              </a:solidFill>
-            </a:endParaRPr>
+              <a:t>1. </a:t>
+            </a:r>
+            <a:r>
+              <a:rPr lang="ko-KR" altLang="en-US" sz="2000" b="1" dirty="0">
+                <a:solidFill>
+                  <a:schemeClr val="tx1"/>
+                </a:solidFill>
+              </a:rPr>
+              <a:t>회원 가입</a:t>
+            </a:r>
           </a:p>
         </p:txBody>
       </p:sp>
@@ -4607,8 +7742,8 @@
         </p:nvSpPr>
         <p:spPr>
           <a:xfrm>
-            <a:off x="69083" y="4289200"/>
-            <a:ext cx="4209307" cy="2310715"/>
+            <a:off x="2867623" y="1339354"/>
+            <a:ext cx="2394095" cy="3937724"/>
           </a:xfrm>
           <a:prstGeom prst="rect">
             <a:avLst/>
@@ -4633,76 +7768,30 @@
           <a:lstStyle/>
           <a:p>
             <a:r>
+              <a:rPr lang="en-US" altLang="ko-KR" dirty="0"/>
+              <a:t>app : title -&gt; “</a:t>
+            </a:r>
+            <a:r>
               <a:rPr lang="ko-KR" altLang="en-US" dirty="0"/>
-              <a:t>해당 </a:t>
+              <a:t>제목</a:t>
             </a:r>
             <a:r>
               <a:rPr lang="en-US" altLang="ko-KR" dirty="0"/>
-              <a:t>Layout </a:t>
+              <a:t>”</a:t>
+            </a:r>
+          </a:p>
+          <a:p>
+            <a:r>
+              <a:rPr lang="en-US" altLang="ko-KR" dirty="0"/>
+              <a:t>android : hint -&gt; </a:t>
             </a:r>
             <a:r>
               <a:rPr lang="ko-KR" altLang="en-US" dirty="0"/>
-              <a:t>값 설정</a:t>
+              <a:t>해당 값에 안내 멘트</a:t>
             </a:r>
             <a:endParaRPr lang="en-US" altLang="ko-KR" dirty="0"/>
           </a:p>
-        </p:txBody>
-      </p:sp>
-      <p:sp>
-        <p:nvSpPr>
-          <p:cNvPr id="27" name="직사각형 26">
-            <a:extLst>
-              <a:ext uri="{FF2B5EF4-FFF2-40B4-BE49-F238E27FC236}">
-                <a16:creationId xmlns:a16="http://schemas.microsoft.com/office/drawing/2014/main" id="{49BAE2A7-571D-46D0-A867-DE4C412E411F}"/>
-              </a:ext>
-            </a:extLst>
-          </p:cNvPr>
-          <p:cNvSpPr/>
-          <p:nvPr/>
-        </p:nvSpPr>
-        <p:spPr>
-          <a:xfrm>
-            <a:off x="4120673" y="3261202"/>
-            <a:ext cx="4209309" cy="836184"/>
-          </a:xfrm>
-          <a:prstGeom prst="rect">
-            <a:avLst/>
-          </a:prstGeom>
-        </p:spPr>
-        <p:style>
-          <a:lnRef idx="2">
-            <a:schemeClr val="accent6"/>
-          </a:lnRef>
-          <a:fillRef idx="1">
-            <a:schemeClr val="lt1"/>
-          </a:fillRef>
-          <a:effectRef idx="0">
-            <a:schemeClr val="accent6"/>
-          </a:effectRef>
-          <a:fontRef idx="minor">
-            <a:schemeClr val="dk1"/>
-          </a:fontRef>
-        </p:style>
-        <p:txBody>
-          <a:bodyPr rtlCol="0" anchor="ctr"/>
-          <a:lstStyle/>
-          <a:p>
-            <a:r>
-              <a:rPr lang="en-US" altLang="ko-KR" dirty="0"/>
-              <a:t>&lt;data/&gt;</a:t>
-            </a:r>
-            <a:r>
-              <a:rPr lang="ko-KR" altLang="en-US" dirty="0"/>
-              <a:t>설정으로 해당 경로로 값을 얻어와 </a:t>
-            </a:r>
-            <a:r>
-              <a:rPr lang="en-US" altLang="ko-KR" dirty="0" err="1"/>
-              <a:t>boardList</a:t>
-            </a:r>
-            <a:r>
-              <a:rPr lang="ko-KR" altLang="en-US" dirty="0"/>
-              <a:t>에 값 표시 </a:t>
-            </a:r>
+          <a:p>
             <a:endParaRPr lang="en-US" altLang="ko-KR" dirty="0"/>
           </a:p>
         </p:txBody>
@@ -4712,7 +7801,7 @@
           <p:cNvPr id="6" name="그림 5">
             <a:extLst>
               <a:ext uri="{FF2B5EF4-FFF2-40B4-BE49-F238E27FC236}">
-                <a16:creationId xmlns:a16="http://schemas.microsoft.com/office/drawing/2014/main" id="{D93D8DE0-6E1D-4830-BFA8-E36A8659E579}"/>
+                <a16:creationId xmlns:a16="http://schemas.microsoft.com/office/drawing/2014/main" id="{BDCAF9B1-55AF-4346-AC0E-975AC5B3A8F0}"/>
               </a:ext>
             </a:extLst>
           </p:cNvPr>
@@ -4729,8 +7818,8 @@
         </p:blipFill>
         <p:spPr>
           <a:xfrm>
-            <a:off x="213728" y="1494076"/>
-            <a:ext cx="3457575" cy="781050"/>
+            <a:off x="308584" y="1302092"/>
+            <a:ext cx="2394098" cy="3974985"/>
           </a:xfrm>
           <a:prstGeom prst="rect">
             <a:avLst/>
@@ -4742,7 +7831,7 @@
           <p:cNvPr id="16" name="그림 15">
             <a:extLst>
               <a:ext uri="{FF2B5EF4-FFF2-40B4-BE49-F238E27FC236}">
-                <a16:creationId xmlns:a16="http://schemas.microsoft.com/office/drawing/2014/main" id="{2A57ED53-768E-49D8-8CFA-6180D8DC3AB8}"/>
+                <a16:creationId xmlns:a16="http://schemas.microsoft.com/office/drawing/2014/main" id="{6A14F052-9A22-433D-A5A8-2256F3D53238}"/>
               </a:ext>
             </a:extLst>
           </p:cNvPr>
@@ -4759,8 +7848,8 @@
         </p:blipFill>
         <p:spPr>
           <a:xfrm>
-            <a:off x="213728" y="2395371"/>
-            <a:ext cx="3646211" cy="797290"/>
+            <a:off x="5463705" y="1301446"/>
+            <a:ext cx="2510878" cy="1209738"/>
           </a:xfrm>
           <a:prstGeom prst="rect">
             <a:avLst/>
@@ -4769,10 +7858,10 @@
       </p:pic>
       <p:pic>
         <p:nvPicPr>
-          <p:cNvPr id="18" name="그림 17">
+          <p:cNvPr id="20" name="그림 19">
             <a:extLst>
               <a:ext uri="{FF2B5EF4-FFF2-40B4-BE49-F238E27FC236}">
-                <a16:creationId xmlns:a16="http://schemas.microsoft.com/office/drawing/2014/main" id="{412AC385-550E-4E3C-B1E5-FB1C64C77E30}"/>
+                <a16:creationId xmlns:a16="http://schemas.microsoft.com/office/drawing/2014/main" id="{FE804C1A-5DDA-40F1-A026-86F328684462}"/>
               </a:ext>
             </a:extLst>
           </p:cNvPr>
@@ -4789,59 +7878,20 @@
         </p:blipFill>
         <p:spPr>
           <a:xfrm>
-            <a:off x="4145877" y="1649152"/>
-            <a:ext cx="4572000" cy="1447800"/>
+            <a:off x="5463705" y="2607494"/>
+            <a:ext cx="2699061" cy="1220492"/>
           </a:xfrm>
           <a:prstGeom prst="rect">
             <a:avLst/>
           </a:prstGeom>
         </p:spPr>
       </p:pic>
-      <p:cxnSp>
-        <p:nvCxnSpPr>
-          <p:cNvPr id="22" name="직선 화살표 연결선 21">
+      <p:pic>
+        <p:nvPicPr>
+          <p:cNvPr id="23" name="그림 22">
             <a:extLst>
               <a:ext uri="{FF2B5EF4-FFF2-40B4-BE49-F238E27FC236}">
-                <a16:creationId xmlns:a16="http://schemas.microsoft.com/office/drawing/2014/main" id="{72A581A6-689B-4F4F-BCB9-4646643A8AFB}"/>
-              </a:ext>
-            </a:extLst>
-          </p:cNvPr>
-          <p:cNvCxnSpPr/>
-          <p:nvPr/>
-        </p:nvCxnSpPr>
-        <p:spPr>
-          <a:xfrm>
-            <a:off x="2339752" y="2023024"/>
-            <a:ext cx="2196244" cy="372347"/>
-          </a:xfrm>
-          <a:prstGeom prst="straightConnector1">
-            <a:avLst/>
-          </a:prstGeom>
-          <a:ln w="28575">
-            <a:tailEnd type="triangle"/>
-          </a:ln>
-        </p:spPr>
-        <p:style>
-          <a:lnRef idx="1">
-            <a:schemeClr val="accent1"/>
-          </a:lnRef>
-          <a:fillRef idx="0">
-            <a:schemeClr val="accent1"/>
-          </a:fillRef>
-          <a:effectRef idx="0">
-            <a:schemeClr val="accent1"/>
-          </a:effectRef>
-          <a:fontRef idx="minor">
-            <a:schemeClr val="tx1"/>
-          </a:fontRef>
-        </p:style>
-      </p:cxnSp>
-      <p:pic>
-        <p:nvPicPr>
-          <p:cNvPr id="25" name="그림 24">
-            <a:extLst>
-              <a:ext uri="{FF2B5EF4-FFF2-40B4-BE49-F238E27FC236}">
-                <a16:creationId xmlns:a16="http://schemas.microsoft.com/office/drawing/2014/main" id="{AE097232-E2E3-45E3-8FD8-D4159EA74B2D}"/>
+                <a16:creationId xmlns:a16="http://schemas.microsoft.com/office/drawing/2014/main" id="{18D0B6D5-75CC-4F4B-BE45-569ABF3AB680}"/>
               </a:ext>
             </a:extLst>
           </p:cNvPr>
@@ -4858,8 +7908,38 @@
         </p:blipFill>
         <p:spPr>
           <a:xfrm>
-            <a:off x="69083" y="3029164"/>
-            <a:ext cx="3933825" cy="1209675"/>
+            <a:off x="5463705" y="3930783"/>
+            <a:ext cx="2810503" cy="1676525"/>
+          </a:xfrm>
+          <a:prstGeom prst="rect">
+            <a:avLst/>
+          </a:prstGeom>
+        </p:spPr>
+      </p:pic>
+      <p:pic>
+        <p:nvPicPr>
+          <p:cNvPr id="25" name="그림 24">
+            <a:extLst>
+              <a:ext uri="{FF2B5EF4-FFF2-40B4-BE49-F238E27FC236}">
+                <a16:creationId xmlns:a16="http://schemas.microsoft.com/office/drawing/2014/main" id="{C2B08F7A-33FB-43F1-B075-FD7664BD35B3}"/>
+              </a:ext>
+            </a:extLst>
+          </p:cNvPr>
+          <p:cNvPicPr>
+            <a:picLocks noChangeAspect="1"/>
+          </p:cNvPicPr>
+          <p:nvPr/>
+        </p:nvPicPr>
+        <p:blipFill>
+          <a:blip r:embed="rId6"/>
+          <a:stretch>
+            <a:fillRect/>
+          </a:stretch>
+        </p:blipFill>
+        <p:spPr>
+          <a:xfrm>
+            <a:off x="611560" y="5731103"/>
+            <a:ext cx="7334250" cy="909205"/>
           </a:xfrm>
           <a:prstGeom prst="rect">
             <a:avLst/>
@@ -4869,7 +7949,7 @@
     </p:spTree>
     <p:extLst>
       <p:ext uri="{BB962C8B-B14F-4D97-AF65-F5344CB8AC3E}">
-        <p14:creationId xmlns:p14="http://schemas.microsoft.com/office/powerpoint/2010/main" val="4222649924"/>
+        <p14:creationId xmlns:p14="http://schemas.microsoft.com/office/powerpoint/2010/main" val="389777628"/>
       </p:ext>
     </p:extLst>
   </p:cSld>
@@ -5003,12 +8083,12 @@
               </a:lnSpc>
             </a:pPr>
             <a:r>
-              <a:rPr lang="en-US" altLang="ko-KR" sz="2000" b="1" dirty="0" err="1">
+              <a:rPr lang="en-US" altLang="ko-KR" sz="2000" b="1" dirty="0">
                 <a:solidFill>
                   <a:schemeClr val="tx1"/>
                 </a:solidFill>
               </a:rPr>
-              <a:t>BoardList</a:t>
+              <a:t>login</a:t>
             </a:r>
             <a:endParaRPr lang="ko-KR" altLang="en-US" sz="2000" b="1" dirty="0">
               <a:solidFill>
@@ -5058,7 +8138,7 @@
         <p:spPr>
           <a:xfrm>
             <a:off x="3491880" y="620688"/>
-            <a:ext cx="1749133" cy="369332"/>
+            <a:ext cx="3130922" cy="369332"/>
           </a:xfrm>
           <a:prstGeom prst="rect">
             <a:avLst/>
@@ -5073,7 +8153,7 @@
           <a:p>
             <a:r>
               <a:rPr lang="en-US" altLang="ko-KR" sz="1800" dirty="0"/>
-              <a:t>Android studio</a:t>
+              <a:t>Android studio, Spring boot</a:t>
             </a:r>
             <a:endParaRPr lang="ko-KR" altLang="en-US" sz="1800" dirty="0"/>
           </a:p>
@@ -5276,22 +8356,119 @@
               </a:lnSpc>
             </a:pPr>
             <a:r>
+              <a:rPr lang="en-US" altLang="ko-KR" sz="2000" b="1" dirty="0">
+                <a:solidFill>
+                  <a:schemeClr val="tx1"/>
+                </a:solidFill>
+              </a:rPr>
+              <a:t>2. </a:t>
+            </a:r>
+            <a:r>
               <a:rPr lang="ko-KR" altLang="en-US" sz="2000" b="1" dirty="0">
                 <a:solidFill>
                   <a:schemeClr val="tx1"/>
                 </a:solidFill>
               </a:rPr>
-              <a:t>게시판 리스트</a:t>
-            </a:r>
+              <a:t>로그인</a:t>
+            </a:r>
+          </a:p>
+        </p:txBody>
+      </p:sp>
+      <p:sp>
+        <p:nvSpPr>
+          <p:cNvPr id="12" name="직사각형 11">
+            <a:extLst>
+              <a:ext uri="{FF2B5EF4-FFF2-40B4-BE49-F238E27FC236}">
+                <a16:creationId xmlns:a16="http://schemas.microsoft.com/office/drawing/2014/main" id="{647F39AA-5D76-4BA4-9FBC-ED597A6820E8}"/>
+              </a:ext>
+            </a:extLst>
+          </p:cNvPr>
+          <p:cNvSpPr/>
+          <p:nvPr/>
+        </p:nvSpPr>
+        <p:spPr>
+          <a:xfrm>
+            <a:off x="5257219" y="1763191"/>
+            <a:ext cx="3522078" cy="1239185"/>
+          </a:xfrm>
+          <a:prstGeom prst="rect">
+            <a:avLst/>
+          </a:prstGeom>
+        </p:spPr>
+        <p:style>
+          <a:lnRef idx="2">
+            <a:schemeClr val="accent6"/>
+          </a:lnRef>
+          <a:fillRef idx="1">
+            <a:schemeClr val="lt1"/>
+          </a:fillRef>
+          <a:effectRef idx="0">
+            <a:schemeClr val="accent6"/>
+          </a:effectRef>
+          <a:fontRef idx="minor">
+            <a:schemeClr val="dk1"/>
+          </a:fontRef>
+        </p:style>
+        <p:txBody>
+          <a:bodyPr rtlCol="0" anchor="ctr"/>
+          <a:lstStyle/>
+          <a:p>
+            <a:r>
+              <a:rPr lang="en-US" altLang="ko-KR" dirty="0"/>
+              <a:t>Spring(</a:t>
+            </a:r>
+            <a:r>
+              <a:rPr lang="ko-KR" altLang="en-US" dirty="0"/>
+              <a:t>백</a:t>
+            </a:r>
+            <a:r>
+              <a:rPr lang="en-US" altLang="ko-KR" dirty="0"/>
+              <a:t>)</a:t>
+            </a:r>
+            <a:r>
+              <a:rPr lang="ko-KR" altLang="en-US" dirty="0"/>
+              <a:t>에서 해당 메소드 처리</a:t>
+            </a:r>
+            <a:endParaRPr lang="en-US" altLang="ko-KR" dirty="0"/>
           </a:p>
         </p:txBody>
       </p:sp>
       <p:pic>
         <p:nvPicPr>
-          <p:cNvPr id="16" name="그림 15">
+          <p:cNvPr id="6" name="그림 5">
             <a:extLst>
               <a:ext uri="{FF2B5EF4-FFF2-40B4-BE49-F238E27FC236}">
-                <a16:creationId xmlns:a16="http://schemas.microsoft.com/office/drawing/2014/main" id="{9D805255-2077-4250-8BEB-63771CC678E0}"/>
+                <a16:creationId xmlns:a16="http://schemas.microsoft.com/office/drawing/2014/main" id="{455DBF49-C405-492F-8E9B-48129B310A3C}"/>
+              </a:ext>
+            </a:extLst>
+          </p:cNvPr>
+          <p:cNvPicPr>
+            <a:picLocks noChangeAspect="1"/>
+          </p:cNvPicPr>
+          <p:nvPr/>
+        </p:nvPicPr>
+        <p:blipFill>
+          <a:blip r:embed="rId2"/>
+          <a:stretch>
+            <a:fillRect/>
+          </a:stretch>
+        </p:blipFill>
+        <p:spPr>
+          <a:xfrm>
+            <a:off x="1540169" y="1267852"/>
+            <a:ext cx="1951711" cy="3199086"/>
+          </a:xfrm>
+          <a:prstGeom prst="rect">
+            <a:avLst/>
+          </a:prstGeom>
+        </p:spPr>
+      </p:pic>
+      <p:pic>
+        <p:nvPicPr>
+          <p:cNvPr id="13" name="그림 12">
+            <a:extLst>
+              <a:ext uri="{FF2B5EF4-FFF2-40B4-BE49-F238E27FC236}">
+                <a16:creationId xmlns:a16="http://schemas.microsoft.com/office/drawing/2014/main" id="{380B653B-C10E-4AD6-9882-A28311930830}"/>
               </a:ext>
             </a:extLst>
           </p:cNvPr>
@@ -5308,8 +8485,8 @@
         </p:blipFill>
         <p:spPr>
           <a:xfrm>
-            <a:off x="755576" y="1362691"/>
-            <a:ext cx="3017798" cy="4991600"/>
+            <a:off x="277680" y="2912789"/>
+            <a:ext cx="4644422" cy="818677"/>
           </a:xfrm>
           <a:prstGeom prst="rect">
             <a:avLst/>
@@ -5318,10 +8495,10 @@
       </p:pic>
       <p:sp>
         <p:nvSpPr>
-          <p:cNvPr id="17" name="직사각형 16">
+          <p:cNvPr id="20" name="직사각형 19">
             <a:extLst>
               <a:ext uri="{FF2B5EF4-FFF2-40B4-BE49-F238E27FC236}">
-                <a16:creationId xmlns:a16="http://schemas.microsoft.com/office/drawing/2014/main" id="{1E5674D1-0677-462C-B604-C2C3351650D1}"/>
+                <a16:creationId xmlns:a16="http://schemas.microsoft.com/office/drawing/2014/main" id="{6632B4A7-08DB-44B9-B390-25977955236D}"/>
               </a:ext>
             </a:extLst>
           </p:cNvPr>
@@ -5330,8 +8507,8 @@
         </p:nvSpPr>
         <p:spPr>
           <a:xfrm>
-            <a:off x="1005153" y="2983789"/>
-            <a:ext cx="2592288" cy="1749404"/>
+            <a:off x="4996552" y="3232782"/>
+            <a:ext cx="3782745" cy="2572481"/>
           </a:xfrm>
           <a:prstGeom prst="rect">
             <a:avLst/>
@@ -5356,143 +8533,58 @@
           <a:lstStyle/>
           <a:p>
             <a:r>
-              <a:rPr lang="en-US" altLang="ko-KR" sz="825" dirty="0"/>
-              <a:t>android : id</a:t>
-            </a:r>
-            <a:r>
-              <a:rPr lang="ko-KR" altLang="en-US" sz="825" dirty="0"/>
-              <a:t> </a:t>
-            </a:r>
-            <a:r>
-              <a:rPr lang="en-US" altLang="ko-KR" sz="825" dirty="0"/>
-              <a:t>/</a:t>
-            </a:r>
-            <a:r>
-              <a:rPr lang="ko-KR" altLang="en-US" sz="825" dirty="0"/>
-              <a:t> 식별 값</a:t>
-            </a:r>
-            <a:endParaRPr lang="en-US" altLang="ko-KR" sz="825" dirty="0"/>
-          </a:p>
-          <a:p>
-            <a:r>
-              <a:rPr lang="en-US" altLang="ko-KR" sz="825" dirty="0"/>
-              <a:t>android : text</a:t>
-            </a:r>
-            <a:r>
-              <a:rPr lang="ko-KR" altLang="en-US" sz="825" dirty="0"/>
-              <a:t> </a:t>
-            </a:r>
-            <a:r>
-              <a:rPr lang="en-US" altLang="ko-KR" sz="825" dirty="0"/>
-              <a:t>=</a:t>
-            </a:r>
-            <a:r>
-              <a:rPr lang="ko-KR" altLang="en-US" sz="825" dirty="0"/>
-              <a:t> </a:t>
-            </a:r>
-            <a:r>
-              <a:rPr lang="en-US" altLang="ko-KR" sz="825" dirty="0"/>
-              <a:t>“@{}” / </a:t>
-            </a:r>
-            <a:r>
-              <a:rPr lang="ko-KR" altLang="en-US" sz="825" dirty="0"/>
-              <a:t>해당 </a:t>
-            </a:r>
-            <a:r>
-              <a:rPr lang="en-US" altLang="ko-KR" sz="825" dirty="0"/>
-              <a:t>value </a:t>
-            </a:r>
-            <a:r>
-              <a:rPr lang="ko-KR" altLang="en-US" sz="825" dirty="0"/>
-              <a:t>값을 가져옴</a:t>
-            </a:r>
-            <a:endParaRPr lang="en-US" altLang="ko-KR" sz="825" dirty="0"/>
-          </a:p>
-          <a:p>
-            <a:r>
-              <a:rPr lang="en-US" altLang="ko-KR" sz="825" dirty="0"/>
-              <a:t>tools : text / “ </a:t>
-            </a:r>
-            <a:r>
-              <a:rPr lang="ko-KR" altLang="en-US" sz="825" dirty="0"/>
-              <a:t>안내 멘트 </a:t>
-            </a:r>
-            <a:r>
-              <a:rPr lang="en-US" altLang="ko-KR" sz="825" dirty="0"/>
-              <a:t>“</a:t>
-            </a:r>
-          </a:p>
-        </p:txBody>
-      </p:sp>
-      <p:sp>
-        <p:nvSpPr>
-          <p:cNvPr id="18" name="직사각형 17">
+              <a:rPr lang="en-US" altLang="ko-KR" dirty="0"/>
+              <a:t>Android</a:t>
+            </a:r>
+            <a:r>
+              <a:rPr lang="ko-KR" altLang="en-US" dirty="0"/>
+              <a:t>에 </a:t>
+            </a:r>
+            <a:r>
+              <a:rPr lang="en-US" altLang="ko-KR" dirty="0"/>
+              <a:t>repository</a:t>
+            </a:r>
+            <a:r>
+              <a:rPr lang="ko-KR" altLang="en-US" dirty="0"/>
+              <a:t>에 값을 저장</a:t>
+            </a:r>
+            <a:endParaRPr lang="en-US" altLang="ko-KR" dirty="0"/>
+          </a:p>
+          <a:p>
+            <a:endParaRPr lang="en-US" altLang="ko-KR" dirty="0"/>
+          </a:p>
+          <a:p>
+            <a:r>
+              <a:rPr lang="ko-KR" altLang="en-US" dirty="0"/>
+              <a:t>로그인 요청 처리</a:t>
+            </a:r>
+            <a:br>
+              <a:rPr lang="en-US" altLang="ko-KR" dirty="0"/>
+            </a:br>
+            <a:r>
+              <a:rPr lang="en-US" altLang="ko-KR" dirty="0" err="1"/>
+              <a:t>getValue</a:t>
+            </a:r>
+            <a:r>
+              <a:rPr lang="ko-KR" altLang="en-US" dirty="0"/>
+              <a:t>로 값을 가져온 후</a:t>
+            </a:r>
+            <a:br>
+              <a:rPr lang="en-US" altLang="ko-KR" dirty="0"/>
+            </a:br>
+            <a:r>
+              <a:rPr lang="en-US" altLang="ko-KR" dirty="0"/>
+              <a:t>callback</a:t>
+            </a:r>
+          </a:p>
+        </p:txBody>
+      </p:sp>
+      <p:pic>
+        <p:nvPicPr>
+          <p:cNvPr id="17" name="그림 16">
             <a:extLst>
               <a:ext uri="{FF2B5EF4-FFF2-40B4-BE49-F238E27FC236}">
-                <a16:creationId xmlns:a16="http://schemas.microsoft.com/office/drawing/2014/main" id="{A45172E9-EAD1-4C64-ACED-6D25268AA2EE}"/>
-              </a:ext>
-            </a:extLst>
-          </p:cNvPr>
-          <p:cNvSpPr/>
-          <p:nvPr/>
-        </p:nvSpPr>
-        <p:spPr>
-          <a:xfrm>
-            <a:off x="4067944" y="1518941"/>
-            <a:ext cx="4464496" cy="380503"/>
-          </a:xfrm>
-          <a:prstGeom prst="rect">
-            <a:avLst/>
-          </a:prstGeom>
-        </p:spPr>
-        <p:style>
-          <a:lnRef idx="2">
-            <a:schemeClr val="accent6"/>
-          </a:lnRef>
-          <a:fillRef idx="1">
-            <a:schemeClr val="lt1"/>
-          </a:fillRef>
-          <a:effectRef idx="0">
-            <a:schemeClr val="accent6"/>
-          </a:effectRef>
-          <a:fontRef idx="minor">
-            <a:schemeClr val="dk1"/>
-          </a:fontRef>
-        </p:style>
-        <p:txBody>
-          <a:bodyPr rtlCol="0" anchor="ctr"/>
-          <a:lstStyle/>
-          <a:p>
-            <a:r>
-              <a:rPr lang="ko-KR" altLang="en-US" sz="1350" dirty="0"/>
-              <a:t>입력된 제목</a:t>
-            </a:r>
-            <a:r>
-              <a:rPr lang="en-US" altLang="ko-KR" sz="1350" dirty="0"/>
-              <a:t>, </a:t>
-            </a:r>
-            <a:r>
-              <a:rPr lang="ko-KR" altLang="en-US" sz="1350" dirty="0"/>
-              <a:t>작성자</a:t>
-            </a:r>
-            <a:r>
-              <a:rPr lang="en-US" altLang="ko-KR" sz="1350" dirty="0"/>
-              <a:t> </a:t>
-            </a:r>
-            <a:r>
-              <a:rPr lang="ko-KR" altLang="en-US" sz="1350" dirty="0"/>
-              <a:t>등을 보여주는 게시판 리스트</a:t>
-            </a:r>
-            <a:endParaRPr lang="en-US" altLang="ko-KR" sz="1350" dirty="0"/>
-          </a:p>
-        </p:txBody>
-      </p:sp>
-      <p:pic>
-        <p:nvPicPr>
-          <p:cNvPr id="20" name="그림 19">
-            <a:extLst>
-              <a:ext uri="{FF2B5EF4-FFF2-40B4-BE49-F238E27FC236}">
-                <a16:creationId xmlns:a16="http://schemas.microsoft.com/office/drawing/2014/main" id="{992AB1B8-B4DF-4755-B898-811B586900F9}"/>
+                <a16:creationId xmlns:a16="http://schemas.microsoft.com/office/drawing/2014/main" id="{813F84DA-FAC3-47D5-AA3F-DF098CA82798}"/>
               </a:ext>
             </a:extLst>
           </p:cNvPr>
@@ -5509,8 +8601,8 @@
         </p:blipFill>
         <p:spPr>
           <a:xfrm>
-            <a:off x="3999434" y="2350775"/>
-            <a:ext cx="2402898" cy="1470077"/>
+            <a:off x="303735" y="5579218"/>
+            <a:ext cx="4446459" cy="1134466"/>
           </a:xfrm>
           <a:prstGeom prst="rect">
             <a:avLst/>
@@ -5522,7 +8614,7 @@
           <p:cNvPr id="22" name="그림 21">
             <a:extLst>
               <a:ext uri="{FF2B5EF4-FFF2-40B4-BE49-F238E27FC236}">
-                <a16:creationId xmlns:a16="http://schemas.microsoft.com/office/drawing/2014/main" id="{2898345E-2082-4D8C-9A8E-B567ADB53243}"/>
+                <a16:creationId xmlns:a16="http://schemas.microsoft.com/office/drawing/2014/main" id="{DA01561A-FA87-4A20-9B3A-D3D3DEA03958}"/>
               </a:ext>
             </a:extLst>
           </p:cNvPr>
@@ -5539,98 +8631,8 @@
         </p:blipFill>
         <p:spPr>
           <a:xfrm>
-            <a:off x="6566078" y="2430746"/>
-            <a:ext cx="2211288" cy="1390106"/>
-          </a:xfrm>
-          <a:prstGeom prst="rect">
-            <a:avLst/>
-          </a:prstGeom>
-        </p:spPr>
-      </p:pic>
-      <p:pic>
-        <p:nvPicPr>
-          <p:cNvPr id="23" name="그림 22">
-            <a:extLst>
-              <a:ext uri="{FF2B5EF4-FFF2-40B4-BE49-F238E27FC236}">
-                <a16:creationId xmlns:a16="http://schemas.microsoft.com/office/drawing/2014/main" id="{F95E1F4A-F70A-4280-90AF-01AF41E8E9E9}"/>
-              </a:ext>
-            </a:extLst>
-          </p:cNvPr>
-          <p:cNvPicPr>
-            <a:picLocks noChangeAspect="1"/>
-          </p:cNvPicPr>
-          <p:nvPr/>
-        </p:nvPicPr>
-        <p:blipFill>
-          <a:blip r:embed="rId6"/>
-          <a:stretch>
-            <a:fillRect/>
-          </a:stretch>
-        </p:blipFill>
-        <p:spPr>
-          <a:xfrm>
-            <a:off x="6634400" y="3907723"/>
-            <a:ext cx="1800898" cy="1131106"/>
-          </a:xfrm>
-          <a:prstGeom prst="rect">
-            <a:avLst/>
-          </a:prstGeom>
-        </p:spPr>
-      </p:pic>
-      <p:pic>
-        <p:nvPicPr>
-          <p:cNvPr id="24" name="그림 23">
-            <a:extLst>
-              <a:ext uri="{FF2B5EF4-FFF2-40B4-BE49-F238E27FC236}">
-                <a16:creationId xmlns:a16="http://schemas.microsoft.com/office/drawing/2014/main" id="{7AEC7B83-D6F2-4EB4-A9F1-A12FEDC52505}"/>
-              </a:ext>
-            </a:extLst>
-          </p:cNvPr>
-          <p:cNvPicPr>
-            <a:picLocks noChangeAspect="1"/>
-          </p:cNvPicPr>
-          <p:nvPr/>
-        </p:nvPicPr>
-        <p:blipFill>
-          <a:blip r:embed="rId7"/>
-          <a:stretch>
-            <a:fillRect/>
-          </a:stretch>
-        </p:blipFill>
-        <p:spPr>
-          <a:xfrm>
-            <a:off x="4250963" y="5360403"/>
-            <a:ext cx="4182343" cy="889722"/>
-          </a:xfrm>
-          <a:prstGeom prst="rect">
-            <a:avLst/>
-          </a:prstGeom>
-        </p:spPr>
-      </p:pic>
-      <p:pic>
-        <p:nvPicPr>
-          <p:cNvPr id="25" name="그림 24">
-            <a:extLst>
-              <a:ext uri="{FF2B5EF4-FFF2-40B4-BE49-F238E27FC236}">
-                <a16:creationId xmlns:a16="http://schemas.microsoft.com/office/drawing/2014/main" id="{31C8E352-B3DE-4877-9E73-9FC34EA878D9}"/>
-              </a:ext>
-            </a:extLst>
-          </p:cNvPr>
-          <p:cNvPicPr>
-            <a:picLocks noChangeAspect="1"/>
-          </p:cNvPicPr>
-          <p:nvPr/>
-        </p:nvPicPr>
-        <p:blipFill>
-          <a:blip r:embed="rId8"/>
-          <a:stretch>
-            <a:fillRect/>
-          </a:stretch>
-        </p:blipFill>
-        <p:spPr>
-          <a:xfrm>
-            <a:off x="4251863" y="3938874"/>
-            <a:ext cx="1898040" cy="1175907"/>
+            <a:off x="683568" y="3786315"/>
+            <a:ext cx="3369955" cy="1711001"/>
           </a:xfrm>
           <a:prstGeom prst="rect">
             <a:avLst/>
@@ -5640,7 +8642,7 @@
     </p:spTree>
     <p:extLst>
       <p:ext uri="{BB962C8B-B14F-4D97-AF65-F5344CB8AC3E}">
-        <p14:creationId xmlns:p14="http://schemas.microsoft.com/office/powerpoint/2010/main" val="1828884938"/>
+        <p14:creationId xmlns:p14="http://schemas.microsoft.com/office/powerpoint/2010/main" val="3649974917"/>
       </p:ext>
     </p:extLst>
   </p:cSld>
@@ -5779,7 +8781,7 @@
                   <a:schemeClr val="tx1"/>
                 </a:solidFill>
               </a:rPr>
-              <a:t>login</a:t>
+              <a:t>logout</a:t>
             </a:r>
             <a:endParaRPr lang="ko-KR" altLang="en-US" sz="2000" b="1" dirty="0">
               <a:solidFill>
@@ -5829,7 +8831,7 @@
         <p:spPr>
           <a:xfrm>
             <a:off x="3491880" y="620688"/>
-            <a:ext cx="1749133" cy="369332"/>
+            <a:ext cx="3130922" cy="646331"/>
           </a:xfrm>
           <a:prstGeom prst="rect">
             <a:avLst/>
@@ -5844,8 +8846,11 @@
           <a:p>
             <a:r>
               <a:rPr lang="en-US" altLang="ko-KR" sz="1800" dirty="0"/>
-              <a:t>Android studio</a:t>
-            </a:r>
+              <a:t>Android studio, Spring boot</a:t>
+            </a:r>
+            <a:endParaRPr lang="ko-KR" altLang="en-US" sz="1800" dirty="0"/>
+          </a:p>
+          <a:p>
             <a:endParaRPr lang="ko-KR" altLang="en-US" sz="1800" dirty="0"/>
           </a:p>
         </p:txBody>
@@ -6047,12 +9052,20 @@
               </a:lnSpc>
             </a:pPr>
             <a:r>
+              <a:rPr lang="en-US" altLang="ko-KR" sz="2000" b="1" dirty="0">
+                <a:solidFill>
+                  <a:schemeClr val="tx1"/>
+                </a:solidFill>
+              </a:rPr>
+              <a:t>3. </a:t>
+            </a:r>
+            <a:r>
               <a:rPr lang="ko-KR" altLang="en-US" sz="2000" b="1" dirty="0">
                 <a:solidFill>
                   <a:schemeClr val="tx1"/>
                 </a:solidFill>
               </a:rPr>
-              <a:t>로그인</a:t>
+              <a:t>로그아웃</a:t>
             </a:r>
           </a:p>
         </p:txBody>
@@ -6071,8 +9084,8 @@
         </p:nvSpPr>
         <p:spPr>
           <a:xfrm>
-            <a:off x="5257219" y="1763191"/>
-            <a:ext cx="3522078" cy="1239185"/>
+            <a:off x="237443" y="4863138"/>
+            <a:ext cx="8597106" cy="868111"/>
           </a:xfrm>
           <a:prstGeom prst="rect">
             <a:avLst/>
@@ -6096,21 +9109,34 @@
           <a:bodyPr rtlCol="0" anchor="ctr"/>
           <a:lstStyle/>
           <a:p>
+            <a:pPr algn="ctr"/>
+            <a:r>
+              <a:rPr lang="ko-KR" altLang="en-US" dirty="0"/>
+              <a:t>로그아웃 버튼이</a:t>
+            </a:r>
             <a:r>
               <a:rPr lang="en-US" altLang="ko-KR" dirty="0"/>
-              <a:t>Spring(</a:t>
+              <a:t> </a:t>
             </a:r>
             <a:r>
               <a:rPr lang="ko-KR" altLang="en-US" dirty="0"/>
-              <a:t>백</a:t>
+              <a:t>게시판 목록 화면에 있으므로</a:t>
             </a:r>
             <a:r>
               <a:rPr lang="en-US" altLang="ko-KR" dirty="0"/>
-              <a:t>)</a:t>
+              <a:t>, </a:t>
             </a:r>
             <a:r>
               <a:rPr lang="ko-KR" altLang="en-US" dirty="0"/>
-              <a:t>에서 해당 메소드 처리</a:t>
+              <a:t>해당 기능은 </a:t>
+            </a:r>
+            <a:r>
+              <a:rPr lang="en-US" altLang="ko-KR" dirty="0"/>
+              <a:t>BoardListFragment.java</a:t>
+            </a:r>
+            <a:r>
+              <a:rPr lang="ko-KR" altLang="en-US" dirty="0"/>
+              <a:t>에서 구현</a:t>
             </a:r>
             <a:endParaRPr lang="en-US" altLang="ko-KR" dirty="0"/>
           </a:p>
@@ -6121,7 +9147,7 @@
           <p:cNvPr id="6" name="그림 5">
             <a:extLst>
               <a:ext uri="{FF2B5EF4-FFF2-40B4-BE49-F238E27FC236}">
-                <a16:creationId xmlns:a16="http://schemas.microsoft.com/office/drawing/2014/main" id="{455DBF49-C405-492F-8E9B-48129B310A3C}"/>
+                <a16:creationId xmlns:a16="http://schemas.microsoft.com/office/drawing/2014/main" id="{9585BC0F-8260-46AB-90A5-47C5898F513C}"/>
               </a:ext>
             </a:extLst>
           </p:cNvPr>
@@ -6131,15 +9157,21 @@
           <p:nvPr/>
         </p:nvPicPr>
         <p:blipFill>
-          <a:blip r:embed="rId2"/>
+          <a:blip r:embed="rId2">
+            <a:extLst>
+              <a:ext uri="{28A0092B-C50C-407E-A947-70E740481C1C}">
+                <a14:useLocalDpi xmlns:a14="http://schemas.microsoft.com/office/drawing/2010/main" val="0"/>
+              </a:ext>
+            </a:extLst>
+          </a:blip>
           <a:stretch>
             <a:fillRect/>
           </a:stretch>
         </p:blipFill>
         <p:spPr>
           <a:xfrm>
-            <a:off x="1540169" y="1267852"/>
-            <a:ext cx="1951711" cy="3199086"/>
+            <a:off x="385489" y="1560806"/>
+            <a:ext cx="1728191" cy="2921583"/>
           </a:xfrm>
           <a:prstGeom prst="rect">
             <a:avLst/>
@@ -6148,10 +9180,10 @@
       </p:pic>
       <p:pic>
         <p:nvPicPr>
-          <p:cNvPr id="13" name="그림 12">
+          <p:cNvPr id="3" name="그림 2">
             <a:extLst>
               <a:ext uri="{FF2B5EF4-FFF2-40B4-BE49-F238E27FC236}">
-                <a16:creationId xmlns:a16="http://schemas.microsoft.com/office/drawing/2014/main" id="{380B653B-C10E-4AD6-9882-A28311930830}"/>
+                <a16:creationId xmlns:a16="http://schemas.microsoft.com/office/drawing/2014/main" id="{8A7F60D8-7E7F-4CA7-AC7C-A6A4D285FA5B}"/>
               </a:ext>
             </a:extLst>
           </p:cNvPr>
@@ -6161,113 +9193,33 @@
           <p:nvPr/>
         </p:nvPicPr>
         <p:blipFill>
-          <a:blip r:embed="rId3"/>
+          <a:blip r:embed="rId3">
+            <a:extLst>
+              <a:ext uri="{28A0092B-C50C-407E-A947-70E740481C1C}">
+                <a14:useLocalDpi xmlns:a14="http://schemas.microsoft.com/office/drawing/2010/main" val="0"/>
+              </a:ext>
+            </a:extLst>
+          </a:blip>
           <a:stretch>
             <a:fillRect/>
           </a:stretch>
         </p:blipFill>
         <p:spPr>
           <a:xfrm>
-            <a:off x="277680" y="2912789"/>
-            <a:ext cx="4644422" cy="818677"/>
+            <a:off x="2294224" y="1568634"/>
+            <a:ext cx="1692150" cy="2913755"/>
           </a:xfrm>
           <a:prstGeom prst="rect">
             <a:avLst/>
           </a:prstGeom>
         </p:spPr>
       </p:pic>
-      <p:sp>
-        <p:nvSpPr>
-          <p:cNvPr id="20" name="직사각형 19">
+      <p:pic>
+        <p:nvPicPr>
+          <p:cNvPr id="10" name="그림 9">
             <a:extLst>
               <a:ext uri="{FF2B5EF4-FFF2-40B4-BE49-F238E27FC236}">
-                <a16:creationId xmlns:a16="http://schemas.microsoft.com/office/drawing/2014/main" id="{6632B4A7-08DB-44B9-B390-25977955236D}"/>
-              </a:ext>
-            </a:extLst>
-          </p:cNvPr>
-          <p:cNvSpPr/>
-          <p:nvPr/>
-        </p:nvSpPr>
-        <p:spPr>
-          <a:xfrm>
-            <a:off x="4996552" y="3232782"/>
-            <a:ext cx="3782745" cy="2572481"/>
-          </a:xfrm>
-          <a:prstGeom prst="rect">
-            <a:avLst/>
-          </a:prstGeom>
-        </p:spPr>
-        <p:style>
-          <a:lnRef idx="2">
-            <a:schemeClr val="accent6"/>
-          </a:lnRef>
-          <a:fillRef idx="1">
-            <a:schemeClr val="lt1"/>
-          </a:fillRef>
-          <a:effectRef idx="0">
-            <a:schemeClr val="accent6"/>
-          </a:effectRef>
-          <a:fontRef idx="minor">
-            <a:schemeClr val="dk1"/>
-          </a:fontRef>
-        </p:style>
-        <p:txBody>
-          <a:bodyPr rtlCol="0" anchor="ctr"/>
-          <a:lstStyle/>
-          <a:p>
-            <a:r>
-              <a:rPr lang="en-US" altLang="ko-KR" dirty="0"/>
-              <a:t>Android</a:t>
-            </a:r>
-            <a:r>
-              <a:rPr lang="ko-KR" altLang="en-US" dirty="0"/>
-              <a:t>에 </a:t>
-            </a:r>
-            <a:r>
-              <a:rPr lang="en-US" altLang="ko-KR" dirty="0"/>
-              <a:t>repository</a:t>
-            </a:r>
-            <a:r>
-              <a:rPr lang="ko-KR" altLang="en-US" dirty="0"/>
-              <a:t>에 값을 저장</a:t>
-            </a:r>
-            <a:endParaRPr lang="en-US" altLang="ko-KR" dirty="0"/>
-          </a:p>
-          <a:p>
-            <a:endParaRPr lang="en-US" altLang="ko-KR" dirty="0"/>
-          </a:p>
-          <a:p>
-            <a:r>
-              <a:rPr lang="ko-KR" altLang="en-US" dirty="0"/>
-              <a:t>로그인 요청 처리</a:t>
-            </a:r>
-            <a:br>
-              <a:rPr lang="en-US" altLang="ko-KR" dirty="0"/>
-            </a:br>
-            <a:r>
-              <a:rPr lang="en-US" altLang="ko-KR" dirty="0" err="1"/>
-              <a:t>getValue</a:t>
-            </a:r>
-            <a:r>
-              <a:rPr lang="ko-KR" altLang="en-US" dirty="0"/>
-              <a:t>로 값을 가져온 후</a:t>
-            </a:r>
-            <a:br>
-              <a:rPr lang="en-US" altLang="ko-KR" dirty="0"/>
-            </a:br>
-            <a:r>
-              <a:rPr lang="en-US" altLang="ko-KR" dirty="0"/>
-              <a:t>callback</a:t>
-            </a:r>
-          </a:p>
-        </p:txBody>
-      </p:sp>
-      <p:pic>
-        <p:nvPicPr>
-          <p:cNvPr id="17" name="그림 16">
-            <a:extLst>
-              <a:ext uri="{FF2B5EF4-FFF2-40B4-BE49-F238E27FC236}">
-                <a16:creationId xmlns:a16="http://schemas.microsoft.com/office/drawing/2014/main" id="{813F84DA-FAC3-47D5-AA3F-DF098CA82798}"/>
+                <a16:creationId xmlns:a16="http://schemas.microsoft.com/office/drawing/2014/main" id="{3EF7ED23-36AF-4A49-90EE-09E5A729E353}"/>
               </a:ext>
             </a:extLst>
           </p:cNvPr>
@@ -6284,48 +9236,73 @@
         </p:blipFill>
         <p:spPr>
           <a:xfrm>
-            <a:off x="303735" y="5579218"/>
-            <a:ext cx="4446459" cy="1134466"/>
+            <a:off x="4551129" y="1640788"/>
+            <a:ext cx="4225490" cy="2755157"/>
           </a:xfrm>
           <a:prstGeom prst="rect">
             <a:avLst/>
           </a:prstGeom>
+          <a:ln w="28575">
+            <a:solidFill>
+              <a:schemeClr val="tx2"/>
+            </a:solidFill>
+          </a:ln>
         </p:spPr>
       </p:pic>
-      <p:pic>
-        <p:nvPicPr>
-          <p:cNvPr id="22" name="그림 21">
+      <p:sp>
+        <p:nvSpPr>
+          <p:cNvPr id="17" name="직사각형 16">
             <a:extLst>
               <a:ext uri="{FF2B5EF4-FFF2-40B4-BE49-F238E27FC236}">
-                <a16:creationId xmlns:a16="http://schemas.microsoft.com/office/drawing/2014/main" id="{DA01561A-FA87-4A20-9B3A-D3D3DEA03958}"/>
+                <a16:creationId xmlns:a16="http://schemas.microsoft.com/office/drawing/2014/main" id="{63FA2CFB-3208-4A0A-9684-AE6FA2FBE305}"/>
               </a:ext>
             </a:extLst>
           </p:cNvPr>
-          <p:cNvPicPr>
-            <a:picLocks noChangeAspect="1"/>
-          </p:cNvPicPr>
-          <p:nvPr/>
-        </p:nvPicPr>
-        <p:blipFill>
-          <a:blip r:embed="rId5"/>
-          <a:stretch>
-            <a:fillRect/>
-          </a:stretch>
-        </p:blipFill>
-        <p:spPr>
-          <a:xfrm>
-            <a:off x="683568" y="3786315"/>
-            <a:ext cx="3369955" cy="1711001"/>
+          <p:cNvSpPr/>
+          <p:nvPr/>
+        </p:nvSpPr>
+        <p:spPr>
+          <a:xfrm>
+            <a:off x="4971686" y="4166492"/>
+            <a:ext cx="3816422" cy="241068"/>
           </a:xfrm>
           <a:prstGeom prst="rect">
             <a:avLst/>
           </a:prstGeom>
         </p:spPr>
-      </p:pic>
+        <p:style>
+          <a:lnRef idx="2">
+            <a:schemeClr val="accent1">
+              <a:shade val="50000"/>
+            </a:schemeClr>
+          </a:lnRef>
+          <a:fillRef idx="1">
+            <a:schemeClr val="accent1"/>
+          </a:fillRef>
+          <a:effectRef idx="0">
+            <a:schemeClr val="accent1"/>
+          </a:effectRef>
+          <a:fontRef idx="minor">
+            <a:schemeClr val="lt1"/>
+          </a:fontRef>
+        </p:style>
+        <p:txBody>
+          <a:bodyPr rtlCol="0" anchor="ctr"/>
+          <a:lstStyle/>
+          <a:p>
+            <a:pPr algn="ctr"/>
+            <a:r>
+              <a:rPr lang="en-US" altLang="ko-KR" dirty="0"/>
+              <a:t>[Android] BoardListFragment.java</a:t>
+            </a:r>
+            <a:endParaRPr lang="ko-KR" altLang="en-US" dirty="0"/>
+          </a:p>
+        </p:txBody>
+      </p:sp>
     </p:spTree>
     <p:extLst>
       <p:ext uri="{BB962C8B-B14F-4D97-AF65-F5344CB8AC3E}">
-        <p14:creationId xmlns:p14="http://schemas.microsoft.com/office/powerpoint/2010/main" val="3649974917"/>
+        <p14:creationId xmlns:p14="http://schemas.microsoft.com/office/powerpoint/2010/main" val="1752473330"/>
       </p:ext>
     </p:extLst>
   </p:cSld>
@@ -6459,12 +9436,12 @@
               </a:lnSpc>
             </a:pPr>
             <a:r>
-              <a:rPr lang="en-US" altLang="ko-KR" sz="2000" b="1" dirty="0">
+              <a:rPr lang="en-US" altLang="ko-KR" sz="2000" b="1" dirty="0" err="1">
                 <a:solidFill>
                   <a:schemeClr val="tx1"/>
                 </a:solidFill>
               </a:rPr>
-              <a:t>sign-up</a:t>
+              <a:t>BoardList</a:t>
             </a:r>
             <a:endParaRPr lang="ko-KR" altLang="en-US" sz="2000" b="1" dirty="0">
               <a:solidFill>
@@ -6514,7 +9491,7 @@
         <p:spPr>
           <a:xfrm>
             <a:off x="3491880" y="620688"/>
-            <a:ext cx="1749133" cy="369332"/>
+            <a:ext cx="3130922" cy="646331"/>
           </a:xfrm>
           <a:prstGeom prst="rect">
             <a:avLst/>
@@ -6529,8 +9506,11 @@
           <a:p>
             <a:r>
               <a:rPr lang="en-US" altLang="ko-KR" sz="1800" dirty="0"/>
-              <a:t>Android studio</a:t>
-            </a:r>
+              <a:t>Android studio, Spring boot</a:t>
+            </a:r>
+            <a:endParaRPr lang="ko-KR" altLang="en-US" sz="1800" dirty="0"/>
+          </a:p>
+          <a:p>
             <a:endParaRPr lang="ko-KR" altLang="en-US" sz="1800" dirty="0"/>
           </a:p>
         </p:txBody>
@@ -6732,22 +9712,60 @@
               </a:lnSpc>
             </a:pPr>
             <a:r>
+              <a:rPr lang="en-US" altLang="ko-KR" sz="2000" b="1" dirty="0">
+                <a:solidFill>
+                  <a:schemeClr val="tx1"/>
+                </a:solidFill>
+              </a:rPr>
+              <a:t>4. </a:t>
+            </a:r>
+            <a:r>
               <a:rPr lang="ko-KR" altLang="en-US" sz="2000" b="1" dirty="0">
                 <a:solidFill>
                   <a:schemeClr val="tx1"/>
                 </a:solidFill>
               </a:rPr>
-              <a:t>회원 가입</a:t>
-            </a:r>
-          </a:p>
-        </p:txBody>
-      </p:sp>
-      <p:sp>
-        <p:nvSpPr>
-          <p:cNvPr id="12" name="직사각형 11">
+              <a:t>게시판 리스트</a:t>
+            </a:r>
+          </a:p>
+        </p:txBody>
+      </p:sp>
+      <p:pic>
+        <p:nvPicPr>
+          <p:cNvPr id="16" name="그림 15">
             <a:extLst>
               <a:ext uri="{FF2B5EF4-FFF2-40B4-BE49-F238E27FC236}">
-                <a16:creationId xmlns:a16="http://schemas.microsoft.com/office/drawing/2014/main" id="{647F39AA-5D76-4BA4-9FBC-ED597A6820E8}"/>
+                <a16:creationId xmlns:a16="http://schemas.microsoft.com/office/drawing/2014/main" id="{9D805255-2077-4250-8BEB-63771CC678E0}"/>
+              </a:ext>
+            </a:extLst>
+          </p:cNvPr>
+          <p:cNvPicPr>
+            <a:picLocks noChangeAspect="1"/>
+          </p:cNvPicPr>
+          <p:nvPr/>
+        </p:nvPicPr>
+        <p:blipFill>
+          <a:blip r:embed="rId3"/>
+          <a:stretch>
+            <a:fillRect/>
+          </a:stretch>
+        </p:blipFill>
+        <p:spPr>
+          <a:xfrm>
+            <a:off x="755576" y="1362691"/>
+            <a:ext cx="3017798" cy="4991600"/>
+          </a:xfrm>
+          <a:prstGeom prst="rect">
+            <a:avLst/>
+          </a:prstGeom>
+        </p:spPr>
+      </p:pic>
+      <p:sp>
+        <p:nvSpPr>
+          <p:cNvPr id="17" name="직사각형 16">
+            <a:extLst>
+              <a:ext uri="{FF2B5EF4-FFF2-40B4-BE49-F238E27FC236}">
+                <a16:creationId xmlns:a16="http://schemas.microsoft.com/office/drawing/2014/main" id="{1E5674D1-0677-462C-B604-C2C3351650D1}"/>
               </a:ext>
             </a:extLst>
           </p:cNvPr>
@@ -6756,8 +9774,8 @@
         </p:nvSpPr>
         <p:spPr>
           <a:xfrm>
-            <a:off x="2867623" y="1339354"/>
-            <a:ext cx="2394095" cy="3937724"/>
+            <a:off x="1005153" y="2983789"/>
+            <a:ext cx="2592288" cy="1749404"/>
           </a:xfrm>
           <a:prstGeom prst="rect">
             <a:avLst/>
@@ -6782,40 +9800,736 @@
           <a:lstStyle/>
           <a:p>
             <a:r>
-              <a:rPr lang="en-US" altLang="ko-KR" dirty="0"/>
-              <a:t>app : title -&gt; “</a:t>
-            </a:r>
-            <a:r>
-              <a:rPr lang="ko-KR" altLang="en-US" dirty="0"/>
-              <a:t>제목</a:t>
-            </a:r>
-            <a:r>
-              <a:rPr lang="en-US" altLang="ko-KR" dirty="0"/>
-              <a:t>”</a:t>
-            </a:r>
-          </a:p>
-          <a:p>
-            <a:r>
-              <a:rPr lang="en-US" altLang="ko-KR" dirty="0"/>
-              <a:t>android : hint -&gt; </a:t>
-            </a:r>
-            <a:r>
-              <a:rPr lang="ko-KR" altLang="en-US" dirty="0"/>
-              <a:t>해당 값에 안내 멘트</a:t>
-            </a:r>
-            <a:endParaRPr lang="en-US" altLang="ko-KR" dirty="0"/>
-          </a:p>
-          <a:p>
-            <a:endParaRPr lang="en-US" altLang="ko-KR" dirty="0"/>
+              <a:rPr lang="en-US" altLang="ko-KR" sz="825" dirty="0"/>
+              <a:t>android : id</a:t>
+            </a:r>
+            <a:r>
+              <a:rPr lang="ko-KR" altLang="en-US" sz="825" dirty="0"/>
+              <a:t> </a:t>
+            </a:r>
+            <a:r>
+              <a:rPr lang="en-US" altLang="ko-KR" sz="825" dirty="0"/>
+              <a:t>/</a:t>
+            </a:r>
+            <a:r>
+              <a:rPr lang="ko-KR" altLang="en-US" sz="825" dirty="0"/>
+              <a:t> 식별 값</a:t>
+            </a:r>
+            <a:endParaRPr lang="en-US" altLang="ko-KR" sz="825" dirty="0"/>
+          </a:p>
+          <a:p>
+            <a:r>
+              <a:rPr lang="en-US" altLang="ko-KR" sz="825" dirty="0"/>
+              <a:t>android : text</a:t>
+            </a:r>
+            <a:r>
+              <a:rPr lang="ko-KR" altLang="en-US" sz="825" dirty="0"/>
+              <a:t> </a:t>
+            </a:r>
+            <a:r>
+              <a:rPr lang="en-US" altLang="ko-KR" sz="825" dirty="0"/>
+              <a:t>=</a:t>
+            </a:r>
+            <a:r>
+              <a:rPr lang="ko-KR" altLang="en-US" sz="825" dirty="0"/>
+              <a:t> </a:t>
+            </a:r>
+            <a:r>
+              <a:rPr lang="en-US" altLang="ko-KR" sz="825" dirty="0"/>
+              <a:t>“@{}” / </a:t>
+            </a:r>
+            <a:r>
+              <a:rPr lang="ko-KR" altLang="en-US" sz="825" dirty="0"/>
+              <a:t>해당 </a:t>
+            </a:r>
+            <a:r>
+              <a:rPr lang="en-US" altLang="ko-KR" sz="825" dirty="0"/>
+              <a:t>value </a:t>
+            </a:r>
+            <a:r>
+              <a:rPr lang="ko-KR" altLang="en-US" sz="825" dirty="0"/>
+              <a:t>값을 가져옴</a:t>
+            </a:r>
+            <a:endParaRPr lang="en-US" altLang="ko-KR" sz="825" dirty="0"/>
+          </a:p>
+          <a:p>
+            <a:r>
+              <a:rPr lang="en-US" altLang="ko-KR" sz="825" dirty="0"/>
+              <a:t>tools : text / “ </a:t>
+            </a:r>
+            <a:r>
+              <a:rPr lang="ko-KR" altLang="en-US" sz="825" dirty="0"/>
+              <a:t>안내 멘트 </a:t>
+            </a:r>
+            <a:r>
+              <a:rPr lang="en-US" altLang="ko-KR" sz="825" dirty="0"/>
+              <a:t>“</a:t>
+            </a:r>
+          </a:p>
+        </p:txBody>
+      </p:sp>
+      <p:sp>
+        <p:nvSpPr>
+          <p:cNvPr id="18" name="직사각형 17">
+            <a:extLst>
+              <a:ext uri="{FF2B5EF4-FFF2-40B4-BE49-F238E27FC236}">
+                <a16:creationId xmlns:a16="http://schemas.microsoft.com/office/drawing/2014/main" id="{A45172E9-EAD1-4C64-ACED-6D25268AA2EE}"/>
+              </a:ext>
+            </a:extLst>
+          </p:cNvPr>
+          <p:cNvSpPr/>
+          <p:nvPr/>
+        </p:nvSpPr>
+        <p:spPr>
+          <a:xfrm>
+            <a:off x="4067944" y="1518941"/>
+            <a:ext cx="4464496" cy="380503"/>
+          </a:xfrm>
+          <a:prstGeom prst="rect">
+            <a:avLst/>
+          </a:prstGeom>
+        </p:spPr>
+        <p:style>
+          <a:lnRef idx="2">
+            <a:schemeClr val="accent6"/>
+          </a:lnRef>
+          <a:fillRef idx="1">
+            <a:schemeClr val="lt1"/>
+          </a:fillRef>
+          <a:effectRef idx="0">
+            <a:schemeClr val="accent6"/>
+          </a:effectRef>
+          <a:fontRef idx="minor">
+            <a:schemeClr val="dk1"/>
+          </a:fontRef>
+        </p:style>
+        <p:txBody>
+          <a:bodyPr rtlCol="0" anchor="ctr"/>
+          <a:lstStyle/>
+          <a:p>
+            <a:r>
+              <a:rPr lang="ko-KR" altLang="en-US" sz="1350" dirty="0"/>
+              <a:t>입력된 제목</a:t>
+            </a:r>
+            <a:r>
+              <a:rPr lang="en-US" altLang="ko-KR" sz="1350" dirty="0"/>
+              <a:t>, </a:t>
+            </a:r>
+            <a:r>
+              <a:rPr lang="ko-KR" altLang="en-US" sz="1350" dirty="0"/>
+              <a:t>작성자</a:t>
+            </a:r>
+            <a:r>
+              <a:rPr lang="en-US" altLang="ko-KR" sz="1350" dirty="0"/>
+              <a:t> </a:t>
+            </a:r>
+            <a:r>
+              <a:rPr lang="ko-KR" altLang="en-US" sz="1350" dirty="0"/>
+              <a:t>등을 보여주는 게시판 리스트</a:t>
+            </a:r>
+            <a:endParaRPr lang="en-US" altLang="ko-KR" sz="1350" dirty="0"/>
           </a:p>
         </p:txBody>
       </p:sp>
       <p:pic>
         <p:nvPicPr>
-          <p:cNvPr id="6" name="그림 5">
+          <p:cNvPr id="20" name="그림 19">
             <a:extLst>
               <a:ext uri="{FF2B5EF4-FFF2-40B4-BE49-F238E27FC236}">
-                <a16:creationId xmlns:a16="http://schemas.microsoft.com/office/drawing/2014/main" id="{BDCAF9B1-55AF-4346-AC0E-975AC5B3A8F0}"/>
+                <a16:creationId xmlns:a16="http://schemas.microsoft.com/office/drawing/2014/main" id="{992AB1B8-B4DF-4755-B898-811B586900F9}"/>
+              </a:ext>
+            </a:extLst>
+          </p:cNvPr>
+          <p:cNvPicPr>
+            <a:picLocks noChangeAspect="1"/>
+          </p:cNvPicPr>
+          <p:nvPr/>
+        </p:nvPicPr>
+        <p:blipFill>
+          <a:blip r:embed="rId4"/>
+          <a:stretch>
+            <a:fillRect/>
+          </a:stretch>
+        </p:blipFill>
+        <p:spPr>
+          <a:xfrm>
+            <a:off x="3999434" y="2350775"/>
+            <a:ext cx="2402898" cy="1470077"/>
+          </a:xfrm>
+          <a:prstGeom prst="rect">
+            <a:avLst/>
+          </a:prstGeom>
+        </p:spPr>
+      </p:pic>
+      <p:pic>
+        <p:nvPicPr>
+          <p:cNvPr id="22" name="그림 21">
+            <a:extLst>
+              <a:ext uri="{FF2B5EF4-FFF2-40B4-BE49-F238E27FC236}">
+                <a16:creationId xmlns:a16="http://schemas.microsoft.com/office/drawing/2014/main" id="{2898345E-2082-4D8C-9A8E-B567ADB53243}"/>
+              </a:ext>
+            </a:extLst>
+          </p:cNvPr>
+          <p:cNvPicPr>
+            <a:picLocks noChangeAspect="1"/>
+          </p:cNvPicPr>
+          <p:nvPr/>
+        </p:nvPicPr>
+        <p:blipFill>
+          <a:blip r:embed="rId5"/>
+          <a:stretch>
+            <a:fillRect/>
+          </a:stretch>
+        </p:blipFill>
+        <p:spPr>
+          <a:xfrm>
+            <a:off x="6566078" y="2430746"/>
+            <a:ext cx="2211288" cy="1390106"/>
+          </a:xfrm>
+          <a:prstGeom prst="rect">
+            <a:avLst/>
+          </a:prstGeom>
+        </p:spPr>
+      </p:pic>
+      <p:pic>
+        <p:nvPicPr>
+          <p:cNvPr id="23" name="그림 22">
+            <a:extLst>
+              <a:ext uri="{FF2B5EF4-FFF2-40B4-BE49-F238E27FC236}">
+                <a16:creationId xmlns:a16="http://schemas.microsoft.com/office/drawing/2014/main" id="{F95E1F4A-F70A-4280-90AF-01AF41E8E9E9}"/>
+              </a:ext>
+            </a:extLst>
+          </p:cNvPr>
+          <p:cNvPicPr>
+            <a:picLocks noChangeAspect="1"/>
+          </p:cNvPicPr>
+          <p:nvPr/>
+        </p:nvPicPr>
+        <p:blipFill>
+          <a:blip r:embed="rId6"/>
+          <a:stretch>
+            <a:fillRect/>
+          </a:stretch>
+        </p:blipFill>
+        <p:spPr>
+          <a:xfrm>
+            <a:off x="6634400" y="3907723"/>
+            <a:ext cx="1800898" cy="1131106"/>
+          </a:xfrm>
+          <a:prstGeom prst="rect">
+            <a:avLst/>
+          </a:prstGeom>
+        </p:spPr>
+      </p:pic>
+      <p:pic>
+        <p:nvPicPr>
+          <p:cNvPr id="24" name="그림 23">
+            <a:extLst>
+              <a:ext uri="{FF2B5EF4-FFF2-40B4-BE49-F238E27FC236}">
+                <a16:creationId xmlns:a16="http://schemas.microsoft.com/office/drawing/2014/main" id="{7AEC7B83-D6F2-4EB4-A9F1-A12FEDC52505}"/>
+              </a:ext>
+            </a:extLst>
+          </p:cNvPr>
+          <p:cNvPicPr>
+            <a:picLocks noChangeAspect="1"/>
+          </p:cNvPicPr>
+          <p:nvPr/>
+        </p:nvPicPr>
+        <p:blipFill>
+          <a:blip r:embed="rId7"/>
+          <a:stretch>
+            <a:fillRect/>
+          </a:stretch>
+        </p:blipFill>
+        <p:spPr>
+          <a:xfrm>
+            <a:off x="4250963" y="5360403"/>
+            <a:ext cx="4182343" cy="889722"/>
+          </a:xfrm>
+          <a:prstGeom prst="rect">
+            <a:avLst/>
+          </a:prstGeom>
+        </p:spPr>
+      </p:pic>
+      <p:pic>
+        <p:nvPicPr>
+          <p:cNvPr id="25" name="그림 24">
+            <a:extLst>
+              <a:ext uri="{FF2B5EF4-FFF2-40B4-BE49-F238E27FC236}">
+                <a16:creationId xmlns:a16="http://schemas.microsoft.com/office/drawing/2014/main" id="{31C8E352-B3DE-4877-9E73-9FC34EA878D9}"/>
+              </a:ext>
+            </a:extLst>
+          </p:cNvPr>
+          <p:cNvPicPr>
+            <a:picLocks noChangeAspect="1"/>
+          </p:cNvPicPr>
+          <p:nvPr/>
+        </p:nvPicPr>
+        <p:blipFill>
+          <a:blip r:embed="rId8"/>
+          <a:stretch>
+            <a:fillRect/>
+          </a:stretch>
+        </p:blipFill>
+        <p:spPr>
+          <a:xfrm>
+            <a:off x="4251863" y="3938874"/>
+            <a:ext cx="1898040" cy="1175907"/>
+          </a:xfrm>
+          <a:prstGeom prst="rect">
+            <a:avLst/>
+          </a:prstGeom>
+        </p:spPr>
+      </p:pic>
+    </p:spTree>
+    <p:extLst>
+      <p:ext uri="{BB962C8B-B14F-4D97-AF65-F5344CB8AC3E}">
+        <p14:creationId xmlns:p14="http://schemas.microsoft.com/office/powerpoint/2010/main" val="1828884938"/>
+      </p:ext>
+    </p:extLst>
+  </p:cSld>
+  <p:clrMapOvr>
+    <a:masterClrMapping/>
+  </p:clrMapOvr>
+</p:sld>
+</file>
+
+<file path=ppt/slides/slide6.xml><?xml version="1.0" encoding="utf-8"?>
+<p:sld xmlns:a="http://schemas.openxmlformats.org/drawingml/2006/main" xmlns:r="http://schemas.openxmlformats.org/officeDocument/2006/relationships" xmlns:p="http://schemas.openxmlformats.org/presentationml/2006/main">
+  <p:cSld>
+    <p:spTree>
+      <p:nvGrpSpPr>
+        <p:cNvPr id="1" name=""/>
+        <p:cNvGrpSpPr/>
+        <p:nvPr/>
+      </p:nvGrpSpPr>
+      <p:grpSpPr>
+        <a:xfrm>
+          <a:off x="0" y="0"/>
+          <a:ext cx="0" cy="0"/>
+          <a:chOff x="0" y="0"/>
+          <a:chExt cx="0" cy="0"/>
+        </a:xfrm>
+      </p:grpSpPr>
+      <p:sp>
+        <p:nvSpPr>
+          <p:cNvPr id="4" name="직사각형 3"/>
+          <p:cNvSpPr/>
+          <p:nvPr/>
+        </p:nvSpPr>
+        <p:spPr>
+          <a:xfrm>
+            <a:off x="35496" y="44624"/>
+            <a:ext cx="3312368" cy="504056"/>
+          </a:xfrm>
+          <a:prstGeom prst="rect">
+            <a:avLst/>
+          </a:prstGeom>
+          <a:noFill/>
+        </p:spPr>
+        <p:style>
+          <a:lnRef idx="2">
+            <a:schemeClr val="accent1">
+              <a:shade val="50000"/>
+            </a:schemeClr>
+          </a:lnRef>
+          <a:fillRef idx="1">
+            <a:schemeClr val="accent1"/>
+          </a:fillRef>
+          <a:effectRef idx="0">
+            <a:schemeClr val="accent1"/>
+          </a:effectRef>
+          <a:fontRef idx="minor">
+            <a:schemeClr val="lt1"/>
+          </a:fontRef>
+        </p:style>
+        <p:txBody>
+          <a:bodyPr rtlCol="0" anchor="b"/>
+          <a:lstStyle/>
+          <a:p>
+            <a:pPr algn="ctr">
+              <a:lnSpc>
+                <a:spcPct val="150000"/>
+              </a:lnSpc>
+            </a:pPr>
+            <a:r>
+              <a:rPr lang="ko-KR" altLang="en-US" sz="2000" b="1" dirty="0">
+                <a:solidFill>
+                  <a:schemeClr val="tx1"/>
+                </a:solidFill>
+              </a:rPr>
+              <a:t>주요 소스 </a:t>
+            </a:r>
+            <a:r>
+              <a:rPr lang="en-US" altLang="ko-KR" sz="2000" b="1" dirty="0">
+                <a:solidFill>
+                  <a:schemeClr val="tx1"/>
+                </a:solidFill>
+              </a:rPr>
+              <a:t>[Code Review]</a:t>
+            </a:r>
+            <a:endParaRPr lang="ko-KR" altLang="en-US" sz="2000" b="1" dirty="0">
+              <a:solidFill>
+                <a:schemeClr val="tx1"/>
+              </a:solidFill>
+            </a:endParaRPr>
+          </a:p>
+        </p:txBody>
+      </p:sp>
+      <p:sp>
+        <p:nvSpPr>
+          <p:cNvPr id="5" name="직사각형 4"/>
+          <p:cNvSpPr/>
+          <p:nvPr/>
+        </p:nvSpPr>
+        <p:spPr>
+          <a:xfrm>
+            <a:off x="35496" y="620688"/>
+            <a:ext cx="3312368" cy="432048"/>
+          </a:xfrm>
+          <a:prstGeom prst="rect">
+            <a:avLst/>
+          </a:prstGeom>
+          <a:noFill/>
+        </p:spPr>
+        <p:style>
+          <a:lnRef idx="2">
+            <a:schemeClr val="accent1">
+              <a:shade val="50000"/>
+            </a:schemeClr>
+          </a:lnRef>
+          <a:fillRef idx="1">
+            <a:schemeClr val="accent1"/>
+          </a:fillRef>
+          <a:effectRef idx="0">
+            <a:schemeClr val="accent1"/>
+          </a:effectRef>
+          <a:fontRef idx="minor">
+            <a:schemeClr val="lt1"/>
+          </a:fontRef>
+        </p:style>
+        <p:txBody>
+          <a:bodyPr rtlCol="0" anchor="b"/>
+          <a:lstStyle/>
+          <a:p>
+            <a:pPr algn="ctr">
+              <a:lnSpc>
+                <a:spcPct val="150000"/>
+              </a:lnSpc>
+            </a:pPr>
+            <a:r>
+              <a:rPr lang="en-US" altLang="ko-KR" sz="2000" b="1" dirty="0">
+                <a:solidFill>
+                  <a:schemeClr val="tx1"/>
+                </a:solidFill>
+              </a:rPr>
+              <a:t>insert </a:t>
+            </a:r>
+            <a:r>
+              <a:rPr lang="ko-KR" altLang="en-US" sz="2000" b="1" dirty="0">
+                <a:solidFill>
+                  <a:schemeClr val="tx1"/>
+                </a:solidFill>
+              </a:rPr>
+              <a:t>①</a:t>
+            </a:r>
+          </a:p>
+        </p:txBody>
+      </p:sp>
+      <p:cxnSp>
+        <p:nvCxnSpPr>
+          <p:cNvPr id="7" name="직선 연결선 6"/>
+          <p:cNvCxnSpPr/>
+          <p:nvPr/>
+        </p:nvCxnSpPr>
+        <p:spPr>
+          <a:xfrm>
+            <a:off x="3491880" y="1052736"/>
+            <a:ext cx="5544616" cy="0"/>
+          </a:xfrm>
+          <a:prstGeom prst="line">
+            <a:avLst/>
+          </a:prstGeom>
+          <a:ln w="28575"/>
+        </p:spPr>
+        <p:style>
+          <a:lnRef idx="1">
+            <a:schemeClr val="accent1"/>
+          </a:lnRef>
+          <a:fillRef idx="0">
+            <a:schemeClr val="accent1"/>
+          </a:fillRef>
+          <a:effectRef idx="0">
+            <a:schemeClr val="accent1"/>
+          </a:effectRef>
+          <a:fontRef idx="minor">
+            <a:schemeClr val="tx1"/>
+          </a:fontRef>
+        </p:style>
+      </p:cxnSp>
+      <p:sp>
+        <p:nvSpPr>
+          <p:cNvPr id="8" name="TextBox 7"/>
+          <p:cNvSpPr txBox="1"/>
+          <p:nvPr/>
+        </p:nvSpPr>
+        <p:spPr>
+          <a:xfrm>
+            <a:off x="3563888" y="667971"/>
+            <a:ext cx="2536207" cy="646331"/>
+          </a:xfrm>
+          <a:prstGeom prst="rect">
+            <a:avLst/>
+          </a:prstGeom>
+          <a:noFill/>
+        </p:spPr>
+        <p:txBody>
+          <a:bodyPr wrap="none" rtlCol="0">
+            <a:spAutoFit/>
+          </a:bodyPr>
+          <a:lstStyle/>
+          <a:p>
+            <a:r>
+              <a:rPr lang="en-US" altLang="ko-KR" dirty="0"/>
+              <a:t>Android, </a:t>
+            </a:r>
+            <a:r>
+              <a:rPr lang="en-US" altLang="ko-KR" sz="1800" dirty="0"/>
+              <a:t>, Spring boot</a:t>
+            </a:r>
+            <a:endParaRPr lang="ko-KR" altLang="en-US" sz="1800" dirty="0"/>
+          </a:p>
+          <a:p>
+            <a:endParaRPr lang="ko-KR" altLang="en-US" dirty="0"/>
+          </a:p>
+        </p:txBody>
+      </p:sp>
+      <p:cxnSp>
+        <p:nvCxnSpPr>
+          <p:cNvPr id="11" name="직선 연결선 10"/>
+          <p:cNvCxnSpPr/>
+          <p:nvPr/>
+        </p:nvCxnSpPr>
+        <p:spPr>
+          <a:xfrm>
+            <a:off x="35496" y="1205136"/>
+            <a:ext cx="9001000" cy="0"/>
+          </a:xfrm>
+          <a:prstGeom prst="line">
+            <a:avLst/>
+          </a:prstGeom>
+          <a:ln w="28575"/>
+        </p:spPr>
+        <p:style>
+          <a:lnRef idx="1">
+            <a:schemeClr val="accent1"/>
+          </a:lnRef>
+          <a:fillRef idx="0">
+            <a:schemeClr val="accent1"/>
+          </a:fillRef>
+          <a:effectRef idx="0">
+            <a:schemeClr val="accent1"/>
+          </a:effectRef>
+          <a:fontRef idx="minor">
+            <a:schemeClr val="tx1"/>
+          </a:fontRef>
+        </p:style>
+      </p:cxnSp>
+      <p:cxnSp>
+        <p:nvCxnSpPr>
+          <p:cNvPr id="14" name="직선 연결선 13"/>
+          <p:cNvCxnSpPr/>
+          <p:nvPr/>
+        </p:nvCxnSpPr>
+        <p:spPr>
+          <a:xfrm>
+            <a:off x="35496" y="6741368"/>
+            <a:ext cx="9001000" cy="0"/>
+          </a:xfrm>
+          <a:prstGeom prst="line">
+            <a:avLst/>
+          </a:prstGeom>
+          <a:ln w="28575"/>
+        </p:spPr>
+        <p:style>
+          <a:lnRef idx="1">
+            <a:schemeClr val="accent1"/>
+          </a:lnRef>
+          <a:fillRef idx="0">
+            <a:schemeClr val="accent1"/>
+          </a:fillRef>
+          <a:effectRef idx="0">
+            <a:schemeClr val="accent1"/>
+          </a:effectRef>
+          <a:fontRef idx="minor">
+            <a:schemeClr val="tx1"/>
+          </a:fontRef>
+        </p:style>
+      </p:cxnSp>
+      <p:cxnSp>
+        <p:nvCxnSpPr>
+          <p:cNvPr id="15" name="직선 연결선 14"/>
+          <p:cNvCxnSpPr/>
+          <p:nvPr/>
+        </p:nvCxnSpPr>
+        <p:spPr>
+          <a:xfrm>
+            <a:off x="35496" y="1196752"/>
+            <a:ext cx="0" cy="5544616"/>
+          </a:xfrm>
+          <a:prstGeom prst="line">
+            <a:avLst/>
+          </a:prstGeom>
+          <a:ln w="28575"/>
+        </p:spPr>
+        <p:style>
+          <a:lnRef idx="1">
+            <a:schemeClr val="accent1"/>
+          </a:lnRef>
+          <a:fillRef idx="0">
+            <a:schemeClr val="accent1"/>
+          </a:fillRef>
+          <a:effectRef idx="0">
+            <a:schemeClr val="accent1"/>
+          </a:effectRef>
+          <a:fontRef idx="minor">
+            <a:schemeClr val="tx1"/>
+          </a:fontRef>
+        </p:style>
+      </p:cxnSp>
+      <p:cxnSp>
+        <p:nvCxnSpPr>
+          <p:cNvPr id="19" name="직선 연결선 18"/>
+          <p:cNvCxnSpPr/>
+          <p:nvPr/>
+        </p:nvCxnSpPr>
+        <p:spPr>
+          <a:xfrm>
+            <a:off x="9036496" y="1205136"/>
+            <a:ext cx="0" cy="5544616"/>
+          </a:xfrm>
+          <a:prstGeom prst="line">
+            <a:avLst/>
+          </a:prstGeom>
+          <a:ln w="28575"/>
+        </p:spPr>
+        <p:style>
+          <a:lnRef idx="1">
+            <a:schemeClr val="accent1"/>
+          </a:lnRef>
+          <a:fillRef idx="0">
+            <a:schemeClr val="accent1"/>
+          </a:fillRef>
+          <a:effectRef idx="0">
+            <a:schemeClr val="accent1"/>
+          </a:effectRef>
+          <a:fontRef idx="minor">
+            <a:schemeClr val="tx1"/>
+          </a:fontRef>
+        </p:style>
+      </p:cxnSp>
+      <p:cxnSp>
+        <p:nvCxnSpPr>
+          <p:cNvPr id="21" name="직선 연결선 20"/>
+          <p:cNvCxnSpPr/>
+          <p:nvPr/>
+        </p:nvCxnSpPr>
+        <p:spPr>
+          <a:xfrm>
+            <a:off x="9036496" y="4869160"/>
+            <a:ext cx="0" cy="0"/>
+          </a:xfrm>
+          <a:prstGeom prst="line">
+            <a:avLst/>
+          </a:prstGeom>
+          <a:ln w="28575"/>
+        </p:spPr>
+        <p:style>
+          <a:lnRef idx="1">
+            <a:schemeClr val="accent1"/>
+          </a:lnRef>
+          <a:fillRef idx="0">
+            <a:schemeClr val="accent1"/>
+          </a:fillRef>
+          <a:effectRef idx="0">
+            <a:schemeClr val="accent1"/>
+          </a:effectRef>
+          <a:fontRef idx="minor">
+            <a:schemeClr val="tx1"/>
+          </a:fontRef>
+        </p:style>
+      </p:cxnSp>
+      <p:sp>
+        <p:nvSpPr>
+          <p:cNvPr id="31" name="직사각형 30"/>
+          <p:cNvSpPr/>
+          <p:nvPr/>
+        </p:nvSpPr>
+        <p:spPr>
+          <a:xfrm>
+            <a:off x="3563888" y="44624"/>
+            <a:ext cx="2808312" cy="504056"/>
+          </a:xfrm>
+          <a:prstGeom prst="rect">
+            <a:avLst/>
+          </a:prstGeom>
+          <a:noFill/>
+        </p:spPr>
+        <p:style>
+          <a:lnRef idx="2">
+            <a:schemeClr val="accent1">
+              <a:shade val="50000"/>
+            </a:schemeClr>
+          </a:lnRef>
+          <a:fillRef idx="1">
+            <a:schemeClr val="accent1"/>
+          </a:fillRef>
+          <a:effectRef idx="0">
+            <a:schemeClr val="accent1"/>
+          </a:effectRef>
+          <a:fontRef idx="minor">
+            <a:schemeClr val="lt1"/>
+          </a:fontRef>
+        </p:style>
+        <p:txBody>
+          <a:bodyPr rtlCol="0" anchor="ctr"/>
+          <a:lstStyle/>
+          <a:p>
+            <a:pPr algn="ctr">
+              <a:lnSpc>
+                <a:spcPct val="150000"/>
+              </a:lnSpc>
+            </a:pPr>
+            <a:r>
+              <a:rPr lang="en-US" altLang="ko-KR" sz="2000" b="1" dirty="0">
+                <a:solidFill>
+                  <a:schemeClr val="tx1"/>
+                </a:solidFill>
+              </a:rPr>
+              <a:t>5. </a:t>
+            </a:r>
+            <a:r>
+              <a:rPr lang="ko-KR" altLang="en-US" sz="2000" b="1" dirty="0" err="1">
+                <a:solidFill>
+                  <a:schemeClr val="tx1"/>
+                </a:solidFill>
+              </a:rPr>
+              <a:t>게시글쓰기</a:t>
+            </a:r>
+            <a:endParaRPr lang="ko-KR" altLang="en-US" sz="2000" b="1" dirty="0">
+              <a:solidFill>
+                <a:schemeClr val="tx1"/>
+              </a:solidFill>
+            </a:endParaRPr>
+          </a:p>
+        </p:txBody>
+      </p:sp>
+      <p:pic>
+        <p:nvPicPr>
+          <p:cNvPr id="17" name="그림 16">
+            <a:extLst>
+              <a:ext uri="{FF2B5EF4-FFF2-40B4-BE49-F238E27FC236}">
+                <a16:creationId xmlns:a16="http://schemas.microsoft.com/office/drawing/2014/main" id="{6D509A68-9A94-415A-8F6F-4C4349E639D7}"/>
               </a:ext>
             </a:extLst>
           </p:cNvPr>
@@ -6832,8 +10546,8 @@
         </p:blipFill>
         <p:spPr>
           <a:xfrm>
-            <a:off x="308584" y="1302092"/>
-            <a:ext cx="2394098" cy="3974985"/>
+            <a:off x="107503" y="1326029"/>
+            <a:ext cx="8751385" cy="2499542"/>
           </a:xfrm>
           <a:prstGeom prst="rect">
             <a:avLst/>
@@ -6842,10 +10556,10 @@
       </p:pic>
       <p:pic>
         <p:nvPicPr>
-          <p:cNvPr id="16" name="그림 15">
+          <p:cNvPr id="6" name="그림 5">
             <a:extLst>
               <a:ext uri="{FF2B5EF4-FFF2-40B4-BE49-F238E27FC236}">
-                <a16:creationId xmlns:a16="http://schemas.microsoft.com/office/drawing/2014/main" id="{6A14F052-9A22-433D-A5A8-2256F3D53238}"/>
+                <a16:creationId xmlns:a16="http://schemas.microsoft.com/office/drawing/2014/main" id="{B1FDCC32-DA62-4633-BC75-07F03DC862B6}"/>
               </a:ext>
             </a:extLst>
           </p:cNvPr>
@@ -6862,8 +10576,1133 @@
         </p:blipFill>
         <p:spPr>
           <a:xfrm>
-            <a:off x="5463705" y="1301446"/>
-            <a:ext cx="2510878" cy="1209738"/>
+            <a:off x="196675" y="3867367"/>
+            <a:ext cx="6315956" cy="2753109"/>
+          </a:xfrm>
+          <a:prstGeom prst="rect">
+            <a:avLst/>
+          </a:prstGeom>
+        </p:spPr>
+      </p:pic>
+      <p:sp>
+        <p:nvSpPr>
+          <p:cNvPr id="20" name="직사각형 19">
+            <a:extLst>
+              <a:ext uri="{FF2B5EF4-FFF2-40B4-BE49-F238E27FC236}">
+                <a16:creationId xmlns:a16="http://schemas.microsoft.com/office/drawing/2014/main" id="{2989E78D-E863-4F43-9094-852D59D812FB}"/>
+              </a:ext>
+            </a:extLst>
+          </p:cNvPr>
+          <p:cNvSpPr/>
+          <p:nvPr/>
+        </p:nvSpPr>
+        <p:spPr>
+          <a:xfrm>
+            <a:off x="4727114" y="1228590"/>
+            <a:ext cx="4320480" cy="241068"/>
+          </a:xfrm>
+          <a:prstGeom prst="rect">
+            <a:avLst/>
+          </a:prstGeom>
+        </p:spPr>
+        <p:style>
+          <a:lnRef idx="2">
+            <a:schemeClr val="accent1">
+              <a:shade val="50000"/>
+            </a:schemeClr>
+          </a:lnRef>
+          <a:fillRef idx="1">
+            <a:schemeClr val="accent1"/>
+          </a:fillRef>
+          <a:effectRef idx="0">
+            <a:schemeClr val="accent1"/>
+          </a:effectRef>
+          <a:fontRef idx="minor">
+            <a:schemeClr val="lt1"/>
+          </a:fontRef>
+        </p:style>
+        <p:txBody>
+          <a:bodyPr rtlCol="0" anchor="ctr"/>
+          <a:lstStyle/>
+          <a:p>
+            <a:pPr algn="ctr"/>
+            <a:r>
+              <a:rPr lang="en-US" altLang="ko-KR" dirty="0"/>
+              <a:t>[Android] BoardInsertFragment.java</a:t>
+            </a:r>
+            <a:endParaRPr lang="ko-KR" altLang="en-US" dirty="0"/>
+          </a:p>
+        </p:txBody>
+      </p:sp>
+    </p:spTree>
+    <p:extLst>
+      <p:ext uri="{BB962C8B-B14F-4D97-AF65-F5344CB8AC3E}">
+        <p14:creationId xmlns:p14="http://schemas.microsoft.com/office/powerpoint/2010/main" val="3349915575"/>
+      </p:ext>
+    </p:extLst>
+  </p:cSld>
+  <p:clrMapOvr>
+    <a:masterClrMapping/>
+  </p:clrMapOvr>
+</p:sld>
+</file>
+
+<file path=ppt/slides/slide7.xml><?xml version="1.0" encoding="utf-8"?>
+<p:sld xmlns:a="http://schemas.openxmlformats.org/drawingml/2006/main" xmlns:r="http://schemas.openxmlformats.org/officeDocument/2006/relationships" xmlns:p="http://schemas.openxmlformats.org/presentationml/2006/main">
+  <p:cSld>
+    <p:spTree>
+      <p:nvGrpSpPr>
+        <p:cNvPr id="1" name=""/>
+        <p:cNvGrpSpPr/>
+        <p:nvPr/>
+      </p:nvGrpSpPr>
+      <p:grpSpPr>
+        <a:xfrm>
+          <a:off x="0" y="0"/>
+          <a:ext cx="0" cy="0"/>
+          <a:chOff x="0" y="0"/>
+          <a:chExt cx="0" cy="0"/>
+        </a:xfrm>
+      </p:grpSpPr>
+      <p:pic>
+        <p:nvPicPr>
+          <p:cNvPr id="3" name="그림 2">
+            <a:extLst>
+              <a:ext uri="{FF2B5EF4-FFF2-40B4-BE49-F238E27FC236}">
+                <a16:creationId xmlns:a16="http://schemas.microsoft.com/office/drawing/2014/main" id="{8908FB89-004F-4E02-B935-5FC6F37E63ED}"/>
+              </a:ext>
+            </a:extLst>
+          </p:cNvPr>
+          <p:cNvPicPr>
+            <a:picLocks noChangeAspect="1"/>
+          </p:cNvPicPr>
+          <p:nvPr/>
+        </p:nvPicPr>
+        <p:blipFill>
+          <a:blip r:embed="rId2"/>
+          <a:stretch>
+            <a:fillRect/>
+          </a:stretch>
+        </p:blipFill>
+        <p:spPr>
+          <a:xfrm>
+            <a:off x="122296" y="1349124"/>
+            <a:ext cx="5801535" cy="5172797"/>
+          </a:xfrm>
+          <a:prstGeom prst="rect">
+            <a:avLst/>
+          </a:prstGeom>
+        </p:spPr>
+      </p:pic>
+      <p:sp>
+        <p:nvSpPr>
+          <p:cNvPr id="4" name="직사각형 3"/>
+          <p:cNvSpPr/>
+          <p:nvPr/>
+        </p:nvSpPr>
+        <p:spPr>
+          <a:xfrm>
+            <a:off x="35496" y="44624"/>
+            <a:ext cx="3312368" cy="504056"/>
+          </a:xfrm>
+          <a:prstGeom prst="rect">
+            <a:avLst/>
+          </a:prstGeom>
+          <a:noFill/>
+        </p:spPr>
+        <p:style>
+          <a:lnRef idx="2">
+            <a:schemeClr val="accent1">
+              <a:shade val="50000"/>
+            </a:schemeClr>
+          </a:lnRef>
+          <a:fillRef idx="1">
+            <a:schemeClr val="accent1"/>
+          </a:fillRef>
+          <a:effectRef idx="0">
+            <a:schemeClr val="accent1"/>
+          </a:effectRef>
+          <a:fontRef idx="minor">
+            <a:schemeClr val="lt1"/>
+          </a:fontRef>
+        </p:style>
+        <p:txBody>
+          <a:bodyPr rtlCol="0" anchor="b"/>
+          <a:lstStyle/>
+          <a:p>
+            <a:pPr algn="ctr">
+              <a:lnSpc>
+                <a:spcPct val="150000"/>
+              </a:lnSpc>
+            </a:pPr>
+            <a:r>
+              <a:rPr lang="ko-KR" altLang="en-US" sz="2000" b="1" dirty="0">
+                <a:solidFill>
+                  <a:schemeClr val="tx1"/>
+                </a:solidFill>
+              </a:rPr>
+              <a:t>주요 소스 </a:t>
+            </a:r>
+            <a:r>
+              <a:rPr lang="en-US" altLang="ko-KR" sz="2000" b="1" dirty="0">
+                <a:solidFill>
+                  <a:schemeClr val="tx1"/>
+                </a:solidFill>
+              </a:rPr>
+              <a:t>[Code Review]</a:t>
+            </a:r>
+            <a:endParaRPr lang="ko-KR" altLang="en-US" sz="2000" b="1" dirty="0">
+              <a:solidFill>
+                <a:schemeClr val="tx1"/>
+              </a:solidFill>
+            </a:endParaRPr>
+          </a:p>
+        </p:txBody>
+      </p:sp>
+      <p:sp>
+        <p:nvSpPr>
+          <p:cNvPr id="5" name="직사각형 4"/>
+          <p:cNvSpPr/>
+          <p:nvPr/>
+        </p:nvSpPr>
+        <p:spPr>
+          <a:xfrm>
+            <a:off x="35496" y="620688"/>
+            <a:ext cx="3312368" cy="432048"/>
+          </a:xfrm>
+          <a:prstGeom prst="rect">
+            <a:avLst/>
+          </a:prstGeom>
+          <a:noFill/>
+        </p:spPr>
+        <p:style>
+          <a:lnRef idx="2">
+            <a:schemeClr val="accent1">
+              <a:shade val="50000"/>
+            </a:schemeClr>
+          </a:lnRef>
+          <a:fillRef idx="1">
+            <a:schemeClr val="accent1"/>
+          </a:fillRef>
+          <a:effectRef idx="0">
+            <a:schemeClr val="accent1"/>
+          </a:effectRef>
+          <a:fontRef idx="minor">
+            <a:schemeClr val="lt1"/>
+          </a:fontRef>
+        </p:style>
+        <p:txBody>
+          <a:bodyPr rtlCol="0" anchor="b"/>
+          <a:lstStyle/>
+          <a:p>
+            <a:pPr algn="ctr">
+              <a:lnSpc>
+                <a:spcPct val="150000"/>
+              </a:lnSpc>
+            </a:pPr>
+            <a:r>
+              <a:rPr lang="en-US" altLang="ko-KR" sz="2000" b="1" dirty="0">
+                <a:solidFill>
+                  <a:schemeClr val="tx1"/>
+                </a:solidFill>
+              </a:rPr>
+              <a:t>insert </a:t>
+            </a:r>
+            <a:r>
+              <a:rPr lang="ko-KR" altLang="en-US" sz="2000" b="1" dirty="0">
+                <a:solidFill>
+                  <a:schemeClr val="tx1"/>
+                </a:solidFill>
+              </a:rPr>
+              <a:t>②</a:t>
+            </a:r>
+          </a:p>
+        </p:txBody>
+      </p:sp>
+      <p:cxnSp>
+        <p:nvCxnSpPr>
+          <p:cNvPr id="7" name="직선 연결선 6"/>
+          <p:cNvCxnSpPr/>
+          <p:nvPr/>
+        </p:nvCxnSpPr>
+        <p:spPr>
+          <a:xfrm>
+            <a:off x="3491880" y="1052736"/>
+            <a:ext cx="5544616" cy="0"/>
+          </a:xfrm>
+          <a:prstGeom prst="line">
+            <a:avLst/>
+          </a:prstGeom>
+          <a:ln w="28575"/>
+        </p:spPr>
+        <p:style>
+          <a:lnRef idx="1">
+            <a:schemeClr val="accent1"/>
+          </a:lnRef>
+          <a:fillRef idx="0">
+            <a:schemeClr val="accent1"/>
+          </a:fillRef>
+          <a:effectRef idx="0">
+            <a:schemeClr val="accent1"/>
+          </a:effectRef>
+          <a:fontRef idx="minor">
+            <a:schemeClr val="tx1"/>
+          </a:fontRef>
+        </p:style>
+      </p:cxnSp>
+      <p:sp>
+        <p:nvSpPr>
+          <p:cNvPr id="8" name="TextBox 7"/>
+          <p:cNvSpPr txBox="1"/>
+          <p:nvPr/>
+        </p:nvSpPr>
+        <p:spPr>
+          <a:xfrm>
+            <a:off x="3491880" y="620688"/>
+            <a:ext cx="2536207" cy="369332"/>
+          </a:xfrm>
+          <a:prstGeom prst="rect">
+            <a:avLst/>
+          </a:prstGeom>
+          <a:noFill/>
+        </p:spPr>
+        <p:txBody>
+          <a:bodyPr wrap="none" rtlCol="0">
+            <a:spAutoFit/>
+          </a:bodyPr>
+          <a:lstStyle/>
+          <a:p>
+            <a:r>
+              <a:rPr lang="en-US" altLang="ko-KR" dirty="0"/>
+              <a:t>Android, </a:t>
+            </a:r>
+            <a:r>
+              <a:rPr lang="en-US" altLang="ko-KR" sz="1800" dirty="0"/>
+              <a:t>, Spring boot</a:t>
+            </a:r>
+            <a:endParaRPr lang="ko-KR" altLang="en-US" sz="1800" dirty="0"/>
+          </a:p>
+        </p:txBody>
+      </p:sp>
+      <p:cxnSp>
+        <p:nvCxnSpPr>
+          <p:cNvPr id="11" name="직선 연결선 10"/>
+          <p:cNvCxnSpPr/>
+          <p:nvPr/>
+        </p:nvCxnSpPr>
+        <p:spPr>
+          <a:xfrm>
+            <a:off x="35496" y="1205136"/>
+            <a:ext cx="9001000" cy="0"/>
+          </a:xfrm>
+          <a:prstGeom prst="line">
+            <a:avLst/>
+          </a:prstGeom>
+          <a:ln w="28575"/>
+        </p:spPr>
+        <p:style>
+          <a:lnRef idx="1">
+            <a:schemeClr val="accent1"/>
+          </a:lnRef>
+          <a:fillRef idx="0">
+            <a:schemeClr val="accent1"/>
+          </a:fillRef>
+          <a:effectRef idx="0">
+            <a:schemeClr val="accent1"/>
+          </a:effectRef>
+          <a:fontRef idx="minor">
+            <a:schemeClr val="tx1"/>
+          </a:fontRef>
+        </p:style>
+      </p:cxnSp>
+      <p:cxnSp>
+        <p:nvCxnSpPr>
+          <p:cNvPr id="14" name="직선 연결선 13"/>
+          <p:cNvCxnSpPr/>
+          <p:nvPr/>
+        </p:nvCxnSpPr>
+        <p:spPr>
+          <a:xfrm>
+            <a:off x="35496" y="6741368"/>
+            <a:ext cx="9001000" cy="0"/>
+          </a:xfrm>
+          <a:prstGeom prst="line">
+            <a:avLst/>
+          </a:prstGeom>
+          <a:ln w="28575"/>
+        </p:spPr>
+        <p:style>
+          <a:lnRef idx="1">
+            <a:schemeClr val="accent1"/>
+          </a:lnRef>
+          <a:fillRef idx="0">
+            <a:schemeClr val="accent1"/>
+          </a:fillRef>
+          <a:effectRef idx="0">
+            <a:schemeClr val="accent1"/>
+          </a:effectRef>
+          <a:fontRef idx="minor">
+            <a:schemeClr val="tx1"/>
+          </a:fontRef>
+        </p:style>
+      </p:cxnSp>
+      <p:cxnSp>
+        <p:nvCxnSpPr>
+          <p:cNvPr id="15" name="직선 연결선 14"/>
+          <p:cNvCxnSpPr/>
+          <p:nvPr/>
+        </p:nvCxnSpPr>
+        <p:spPr>
+          <a:xfrm>
+            <a:off x="35496" y="1196752"/>
+            <a:ext cx="0" cy="5544616"/>
+          </a:xfrm>
+          <a:prstGeom prst="line">
+            <a:avLst/>
+          </a:prstGeom>
+          <a:ln w="28575"/>
+        </p:spPr>
+        <p:style>
+          <a:lnRef idx="1">
+            <a:schemeClr val="accent1"/>
+          </a:lnRef>
+          <a:fillRef idx="0">
+            <a:schemeClr val="accent1"/>
+          </a:fillRef>
+          <a:effectRef idx="0">
+            <a:schemeClr val="accent1"/>
+          </a:effectRef>
+          <a:fontRef idx="minor">
+            <a:schemeClr val="tx1"/>
+          </a:fontRef>
+        </p:style>
+      </p:cxnSp>
+      <p:cxnSp>
+        <p:nvCxnSpPr>
+          <p:cNvPr id="19" name="직선 연결선 18"/>
+          <p:cNvCxnSpPr/>
+          <p:nvPr/>
+        </p:nvCxnSpPr>
+        <p:spPr>
+          <a:xfrm>
+            <a:off x="9036496" y="1205136"/>
+            <a:ext cx="0" cy="5544616"/>
+          </a:xfrm>
+          <a:prstGeom prst="line">
+            <a:avLst/>
+          </a:prstGeom>
+          <a:ln w="28575"/>
+        </p:spPr>
+        <p:style>
+          <a:lnRef idx="1">
+            <a:schemeClr val="accent1"/>
+          </a:lnRef>
+          <a:fillRef idx="0">
+            <a:schemeClr val="accent1"/>
+          </a:fillRef>
+          <a:effectRef idx="0">
+            <a:schemeClr val="accent1"/>
+          </a:effectRef>
+          <a:fontRef idx="minor">
+            <a:schemeClr val="tx1"/>
+          </a:fontRef>
+        </p:style>
+      </p:cxnSp>
+      <p:cxnSp>
+        <p:nvCxnSpPr>
+          <p:cNvPr id="21" name="직선 연결선 20"/>
+          <p:cNvCxnSpPr/>
+          <p:nvPr/>
+        </p:nvCxnSpPr>
+        <p:spPr>
+          <a:xfrm>
+            <a:off x="9036496" y="4869160"/>
+            <a:ext cx="0" cy="0"/>
+          </a:xfrm>
+          <a:prstGeom prst="line">
+            <a:avLst/>
+          </a:prstGeom>
+          <a:ln w="28575"/>
+        </p:spPr>
+        <p:style>
+          <a:lnRef idx="1">
+            <a:schemeClr val="accent1"/>
+          </a:lnRef>
+          <a:fillRef idx="0">
+            <a:schemeClr val="accent1"/>
+          </a:fillRef>
+          <a:effectRef idx="0">
+            <a:schemeClr val="accent1"/>
+          </a:effectRef>
+          <a:fontRef idx="minor">
+            <a:schemeClr val="tx1"/>
+          </a:fontRef>
+        </p:style>
+      </p:cxnSp>
+      <p:sp>
+        <p:nvSpPr>
+          <p:cNvPr id="31" name="직사각형 30"/>
+          <p:cNvSpPr/>
+          <p:nvPr/>
+        </p:nvSpPr>
+        <p:spPr>
+          <a:xfrm>
+            <a:off x="3563888" y="44624"/>
+            <a:ext cx="2808312" cy="504056"/>
+          </a:xfrm>
+          <a:prstGeom prst="rect">
+            <a:avLst/>
+          </a:prstGeom>
+          <a:noFill/>
+        </p:spPr>
+        <p:style>
+          <a:lnRef idx="2">
+            <a:schemeClr val="accent1">
+              <a:shade val="50000"/>
+            </a:schemeClr>
+          </a:lnRef>
+          <a:fillRef idx="1">
+            <a:schemeClr val="accent1"/>
+          </a:fillRef>
+          <a:effectRef idx="0">
+            <a:schemeClr val="accent1"/>
+          </a:effectRef>
+          <a:fontRef idx="minor">
+            <a:schemeClr val="lt1"/>
+          </a:fontRef>
+        </p:style>
+        <p:txBody>
+          <a:bodyPr rtlCol="0" anchor="ctr"/>
+          <a:lstStyle/>
+          <a:p>
+            <a:pPr algn="ctr">
+              <a:lnSpc>
+                <a:spcPct val="150000"/>
+              </a:lnSpc>
+            </a:pPr>
+            <a:r>
+              <a:rPr lang="en-US" altLang="ko-KR" sz="2000" b="1" dirty="0">
+                <a:solidFill>
+                  <a:schemeClr val="tx1"/>
+                </a:solidFill>
+              </a:rPr>
+              <a:t>5. </a:t>
+            </a:r>
+            <a:r>
+              <a:rPr lang="ko-KR" altLang="en-US" sz="2000" b="1" dirty="0" err="1">
+                <a:solidFill>
+                  <a:schemeClr val="tx1"/>
+                </a:solidFill>
+              </a:rPr>
+              <a:t>게시글쓰기</a:t>
+            </a:r>
+            <a:endParaRPr lang="ko-KR" altLang="en-US" sz="2000" b="1" dirty="0">
+              <a:solidFill>
+                <a:schemeClr val="tx1"/>
+              </a:solidFill>
+            </a:endParaRPr>
+          </a:p>
+        </p:txBody>
+      </p:sp>
+      <p:sp>
+        <p:nvSpPr>
+          <p:cNvPr id="20" name="직사각형 19">
+            <a:extLst>
+              <a:ext uri="{FF2B5EF4-FFF2-40B4-BE49-F238E27FC236}">
+                <a16:creationId xmlns:a16="http://schemas.microsoft.com/office/drawing/2014/main" id="{2989E78D-E863-4F43-9094-852D59D812FB}"/>
+              </a:ext>
+            </a:extLst>
+          </p:cNvPr>
+          <p:cNvSpPr/>
+          <p:nvPr/>
+        </p:nvSpPr>
+        <p:spPr>
+          <a:xfrm>
+            <a:off x="4716016" y="1220207"/>
+            <a:ext cx="4320480" cy="241068"/>
+          </a:xfrm>
+          <a:prstGeom prst="rect">
+            <a:avLst/>
+          </a:prstGeom>
+        </p:spPr>
+        <p:style>
+          <a:lnRef idx="2">
+            <a:schemeClr val="accent1">
+              <a:shade val="50000"/>
+            </a:schemeClr>
+          </a:lnRef>
+          <a:fillRef idx="1">
+            <a:schemeClr val="accent1"/>
+          </a:fillRef>
+          <a:effectRef idx="0">
+            <a:schemeClr val="accent1"/>
+          </a:effectRef>
+          <a:fontRef idx="minor">
+            <a:schemeClr val="lt1"/>
+          </a:fontRef>
+        </p:style>
+        <p:txBody>
+          <a:bodyPr rtlCol="0" anchor="ctr"/>
+          <a:lstStyle/>
+          <a:p>
+            <a:pPr algn="ctr"/>
+            <a:r>
+              <a:rPr lang="en-US" altLang="ko-KR" dirty="0"/>
+              <a:t>[Android] BoardInsertViewModel.java</a:t>
+            </a:r>
+            <a:endParaRPr lang="ko-KR" altLang="en-US" dirty="0"/>
+          </a:p>
+        </p:txBody>
+      </p:sp>
+    </p:spTree>
+    <p:extLst>
+      <p:ext uri="{BB962C8B-B14F-4D97-AF65-F5344CB8AC3E}">
+        <p14:creationId xmlns:p14="http://schemas.microsoft.com/office/powerpoint/2010/main" val="34400493"/>
+      </p:ext>
+    </p:extLst>
+  </p:cSld>
+  <p:clrMapOvr>
+    <a:masterClrMapping/>
+  </p:clrMapOvr>
+</p:sld>
+</file>
+
+<file path=ppt/slides/slide8.xml><?xml version="1.0" encoding="utf-8"?>
+<p:sld xmlns:a="http://schemas.openxmlformats.org/drawingml/2006/main" xmlns:r="http://schemas.openxmlformats.org/officeDocument/2006/relationships" xmlns:p="http://schemas.openxmlformats.org/presentationml/2006/main">
+  <p:cSld>
+    <p:spTree>
+      <p:nvGrpSpPr>
+        <p:cNvPr id="1" name=""/>
+        <p:cNvGrpSpPr/>
+        <p:nvPr/>
+      </p:nvGrpSpPr>
+      <p:grpSpPr>
+        <a:xfrm>
+          <a:off x="0" y="0"/>
+          <a:ext cx="0" cy="0"/>
+          <a:chOff x="0" y="0"/>
+          <a:chExt cx="0" cy="0"/>
+        </a:xfrm>
+      </p:grpSpPr>
+      <p:pic>
+        <p:nvPicPr>
+          <p:cNvPr id="3" name="그림 2">
+            <a:extLst>
+              <a:ext uri="{FF2B5EF4-FFF2-40B4-BE49-F238E27FC236}">
+                <a16:creationId xmlns:a16="http://schemas.microsoft.com/office/drawing/2014/main" id="{8908FB89-004F-4E02-B935-5FC6F37E63ED}"/>
+              </a:ext>
+            </a:extLst>
+          </p:cNvPr>
+          <p:cNvPicPr>
+            <a:picLocks noChangeAspect="1"/>
+          </p:cNvPicPr>
+          <p:nvPr/>
+        </p:nvPicPr>
+        <p:blipFill>
+          <a:blip r:embed="rId2"/>
+          <a:stretch>
+            <a:fillRect/>
+          </a:stretch>
+        </p:blipFill>
+        <p:spPr>
+          <a:xfrm>
+            <a:off x="107503" y="1310567"/>
+            <a:ext cx="5801535" cy="5172797"/>
+          </a:xfrm>
+          <a:prstGeom prst="rect">
+            <a:avLst/>
+          </a:prstGeom>
+          <a:ln w="28575">
+            <a:solidFill>
+              <a:schemeClr val="tx2"/>
+            </a:solidFill>
+          </a:ln>
+        </p:spPr>
+      </p:pic>
+      <p:sp>
+        <p:nvSpPr>
+          <p:cNvPr id="4" name="직사각형 3"/>
+          <p:cNvSpPr/>
+          <p:nvPr/>
+        </p:nvSpPr>
+        <p:spPr>
+          <a:xfrm>
+            <a:off x="35496" y="44624"/>
+            <a:ext cx="3312368" cy="504056"/>
+          </a:xfrm>
+          <a:prstGeom prst="rect">
+            <a:avLst/>
+          </a:prstGeom>
+          <a:noFill/>
+        </p:spPr>
+        <p:style>
+          <a:lnRef idx="2">
+            <a:schemeClr val="accent1">
+              <a:shade val="50000"/>
+            </a:schemeClr>
+          </a:lnRef>
+          <a:fillRef idx="1">
+            <a:schemeClr val="accent1"/>
+          </a:fillRef>
+          <a:effectRef idx="0">
+            <a:schemeClr val="accent1"/>
+          </a:effectRef>
+          <a:fontRef idx="minor">
+            <a:schemeClr val="lt1"/>
+          </a:fontRef>
+        </p:style>
+        <p:txBody>
+          <a:bodyPr rtlCol="0" anchor="b"/>
+          <a:lstStyle/>
+          <a:p>
+            <a:pPr algn="ctr">
+              <a:lnSpc>
+                <a:spcPct val="150000"/>
+              </a:lnSpc>
+            </a:pPr>
+            <a:r>
+              <a:rPr lang="ko-KR" altLang="en-US" sz="2000" b="1" dirty="0">
+                <a:solidFill>
+                  <a:schemeClr val="tx1"/>
+                </a:solidFill>
+              </a:rPr>
+              <a:t>주요 소스 </a:t>
+            </a:r>
+            <a:r>
+              <a:rPr lang="en-US" altLang="ko-KR" sz="2000" b="1" dirty="0">
+                <a:solidFill>
+                  <a:schemeClr val="tx1"/>
+                </a:solidFill>
+              </a:rPr>
+              <a:t>[Code Review]</a:t>
+            </a:r>
+            <a:endParaRPr lang="ko-KR" altLang="en-US" sz="2000" b="1" dirty="0">
+              <a:solidFill>
+                <a:schemeClr val="tx1"/>
+              </a:solidFill>
+            </a:endParaRPr>
+          </a:p>
+        </p:txBody>
+      </p:sp>
+      <p:sp>
+        <p:nvSpPr>
+          <p:cNvPr id="5" name="직사각형 4"/>
+          <p:cNvSpPr/>
+          <p:nvPr/>
+        </p:nvSpPr>
+        <p:spPr>
+          <a:xfrm>
+            <a:off x="35496" y="620688"/>
+            <a:ext cx="3312368" cy="432048"/>
+          </a:xfrm>
+          <a:prstGeom prst="rect">
+            <a:avLst/>
+          </a:prstGeom>
+          <a:noFill/>
+        </p:spPr>
+        <p:style>
+          <a:lnRef idx="2">
+            <a:schemeClr val="accent1">
+              <a:shade val="50000"/>
+            </a:schemeClr>
+          </a:lnRef>
+          <a:fillRef idx="1">
+            <a:schemeClr val="accent1"/>
+          </a:fillRef>
+          <a:effectRef idx="0">
+            <a:schemeClr val="accent1"/>
+          </a:effectRef>
+          <a:fontRef idx="minor">
+            <a:schemeClr val="lt1"/>
+          </a:fontRef>
+        </p:style>
+        <p:txBody>
+          <a:bodyPr rtlCol="0" anchor="b"/>
+          <a:lstStyle/>
+          <a:p>
+            <a:pPr algn="ctr">
+              <a:lnSpc>
+                <a:spcPct val="150000"/>
+              </a:lnSpc>
+            </a:pPr>
+            <a:r>
+              <a:rPr lang="en-US" altLang="ko-KR" sz="2000" b="1" dirty="0">
+                <a:solidFill>
+                  <a:schemeClr val="tx1"/>
+                </a:solidFill>
+              </a:rPr>
+              <a:t>insert </a:t>
+            </a:r>
+            <a:r>
+              <a:rPr lang="ko-KR" altLang="en-US" sz="2000" b="1" dirty="0">
+                <a:solidFill>
+                  <a:schemeClr val="tx1"/>
+                </a:solidFill>
+              </a:rPr>
+              <a:t>③</a:t>
+            </a:r>
+          </a:p>
+        </p:txBody>
+      </p:sp>
+      <p:cxnSp>
+        <p:nvCxnSpPr>
+          <p:cNvPr id="7" name="직선 연결선 6"/>
+          <p:cNvCxnSpPr/>
+          <p:nvPr/>
+        </p:nvCxnSpPr>
+        <p:spPr>
+          <a:xfrm>
+            <a:off x="3491880" y="1052736"/>
+            <a:ext cx="5544616" cy="0"/>
+          </a:xfrm>
+          <a:prstGeom prst="line">
+            <a:avLst/>
+          </a:prstGeom>
+          <a:ln w="28575"/>
+        </p:spPr>
+        <p:style>
+          <a:lnRef idx="1">
+            <a:schemeClr val="accent1"/>
+          </a:lnRef>
+          <a:fillRef idx="0">
+            <a:schemeClr val="accent1"/>
+          </a:fillRef>
+          <a:effectRef idx="0">
+            <a:schemeClr val="accent1"/>
+          </a:effectRef>
+          <a:fontRef idx="minor">
+            <a:schemeClr val="tx1"/>
+          </a:fontRef>
+        </p:style>
+      </p:cxnSp>
+      <p:sp>
+        <p:nvSpPr>
+          <p:cNvPr id="8" name="TextBox 7"/>
+          <p:cNvSpPr txBox="1"/>
+          <p:nvPr/>
+        </p:nvSpPr>
+        <p:spPr>
+          <a:xfrm>
+            <a:off x="3491880" y="620688"/>
+            <a:ext cx="2536207" cy="369332"/>
+          </a:xfrm>
+          <a:prstGeom prst="rect">
+            <a:avLst/>
+          </a:prstGeom>
+          <a:noFill/>
+        </p:spPr>
+        <p:txBody>
+          <a:bodyPr wrap="none" rtlCol="0">
+            <a:spAutoFit/>
+          </a:bodyPr>
+          <a:lstStyle/>
+          <a:p>
+            <a:r>
+              <a:rPr lang="en-US" altLang="ko-KR" dirty="0"/>
+              <a:t>Android, </a:t>
+            </a:r>
+            <a:r>
+              <a:rPr lang="en-US" altLang="ko-KR" sz="1800" dirty="0"/>
+              <a:t>, Spring boot</a:t>
+            </a:r>
+            <a:endParaRPr lang="ko-KR" altLang="en-US" sz="1800" dirty="0"/>
+          </a:p>
+        </p:txBody>
+      </p:sp>
+      <p:cxnSp>
+        <p:nvCxnSpPr>
+          <p:cNvPr id="11" name="직선 연결선 10"/>
+          <p:cNvCxnSpPr/>
+          <p:nvPr/>
+        </p:nvCxnSpPr>
+        <p:spPr>
+          <a:xfrm>
+            <a:off x="35496" y="1205136"/>
+            <a:ext cx="9001000" cy="0"/>
+          </a:xfrm>
+          <a:prstGeom prst="line">
+            <a:avLst/>
+          </a:prstGeom>
+          <a:ln w="28575"/>
+        </p:spPr>
+        <p:style>
+          <a:lnRef idx="1">
+            <a:schemeClr val="accent1"/>
+          </a:lnRef>
+          <a:fillRef idx="0">
+            <a:schemeClr val="accent1"/>
+          </a:fillRef>
+          <a:effectRef idx="0">
+            <a:schemeClr val="accent1"/>
+          </a:effectRef>
+          <a:fontRef idx="minor">
+            <a:schemeClr val="tx1"/>
+          </a:fontRef>
+        </p:style>
+      </p:cxnSp>
+      <p:cxnSp>
+        <p:nvCxnSpPr>
+          <p:cNvPr id="14" name="직선 연결선 13"/>
+          <p:cNvCxnSpPr/>
+          <p:nvPr/>
+        </p:nvCxnSpPr>
+        <p:spPr>
+          <a:xfrm>
+            <a:off x="35496" y="6741368"/>
+            <a:ext cx="9001000" cy="0"/>
+          </a:xfrm>
+          <a:prstGeom prst="line">
+            <a:avLst/>
+          </a:prstGeom>
+          <a:ln w="28575"/>
+        </p:spPr>
+        <p:style>
+          <a:lnRef idx="1">
+            <a:schemeClr val="accent1"/>
+          </a:lnRef>
+          <a:fillRef idx="0">
+            <a:schemeClr val="accent1"/>
+          </a:fillRef>
+          <a:effectRef idx="0">
+            <a:schemeClr val="accent1"/>
+          </a:effectRef>
+          <a:fontRef idx="minor">
+            <a:schemeClr val="tx1"/>
+          </a:fontRef>
+        </p:style>
+      </p:cxnSp>
+      <p:cxnSp>
+        <p:nvCxnSpPr>
+          <p:cNvPr id="15" name="직선 연결선 14"/>
+          <p:cNvCxnSpPr/>
+          <p:nvPr/>
+        </p:nvCxnSpPr>
+        <p:spPr>
+          <a:xfrm>
+            <a:off x="35496" y="1196752"/>
+            <a:ext cx="0" cy="5544616"/>
+          </a:xfrm>
+          <a:prstGeom prst="line">
+            <a:avLst/>
+          </a:prstGeom>
+          <a:ln w="28575"/>
+        </p:spPr>
+        <p:style>
+          <a:lnRef idx="1">
+            <a:schemeClr val="accent1"/>
+          </a:lnRef>
+          <a:fillRef idx="0">
+            <a:schemeClr val="accent1"/>
+          </a:fillRef>
+          <a:effectRef idx="0">
+            <a:schemeClr val="accent1"/>
+          </a:effectRef>
+          <a:fontRef idx="minor">
+            <a:schemeClr val="tx1"/>
+          </a:fontRef>
+        </p:style>
+      </p:cxnSp>
+      <p:cxnSp>
+        <p:nvCxnSpPr>
+          <p:cNvPr id="19" name="직선 연결선 18"/>
+          <p:cNvCxnSpPr/>
+          <p:nvPr/>
+        </p:nvCxnSpPr>
+        <p:spPr>
+          <a:xfrm>
+            <a:off x="9036496" y="1205136"/>
+            <a:ext cx="0" cy="5544616"/>
+          </a:xfrm>
+          <a:prstGeom prst="line">
+            <a:avLst/>
+          </a:prstGeom>
+          <a:ln w="28575"/>
+        </p:spPr>
+        <p:style>
+          <a:lnRef idx="1">
+            <a:schemeClr val="accent1"/>
+          </a:lnRef>
+          <a:fillRef idx="0">
+            <a:schemeClr val="accent1"/>
+          </a:fillRef>
+          <a:effectRef idx="0">
+            <a:schemeClr val="accent1"/>
+          </a:effectRef>
+          <a:fontRef idx="minor">
+            <a:schemeClr val="tx1"/>
+          </a:fontRef>
+        </p:style>
+      </p:cxnSp>
+      <p:cxnSp>
+        <p:nvCxnSpPr>
+          <p:cNvPr id="21" name="직선 연결선 20"/>
+          <p:cNvCxnSpPr/>
+          <p:nvPr/>
+        </p:nvCxnSpPr>
+        <p:spPr>
+          <a:xfrm>
+            <a:off x="9036496" y="4869160"/>
+            <a:ext cx="0" cy="0"/>
+          </a:xfrm>
+          <a:prstGeom prst="line">
+            <a:avLst/>
+          </a:prstGeom>
+          <a:ln w="28575"/>
+        </p:spPr>
+        <p:style>
+          <a:lnRef idx="1">
+            <a:schemeClr val="accent1"/>
+          </a:lnRef>
+          <a:fillRef idx="0">
+            <a:schemeClr val="accent1"/>
+          </a:fillRef>
+          <a:effectRef idx="0">
+            <a:schemeClr val="accent1"/>
+          </a:effectRef>
+          <a:fontRef idx="minor">
+            <a:schemeClr val="tx1"/>
+          </a:fontRef>
+        </p:style>
+      </p:cxnSp>
+      <p:sp>
+        <p:nvSpPr>
+          <p:cNvPr id="31" name="직사각형 30"/>
+          <p:cNvSpPr/>
+          <p:nvPr/>
+        </p:nvSpPr>
+        <p:spPr>
+          <a:xfrm>
+            <a:off x="3563888" y="44624"/>
+            <a:ext cx="2808312" cy="504056"/>
+          </a:xfrm>
+          <a:prstGeom prst="rect">
+            <a:avLst/>
+          </a:prstGeom>
+          <a:noFill/>
+        </p:spPr>
+        <p:style>
+          <a:lnRef idx="2">
+            <a:schemeClr val="accent1">
+              <a:shade val="50000"/>
+            </a:schemeClr>
+          </a:lnRef>
+          <a:fillRef idx="1">
+            <a:schemeClr val="accent1"/>
+          </a:fillRef>
+          <a:effectRef idx="0">
+            <a:schemeClr val="accent1"/>
+          </a:effectRef>
+          <a:fontRef idx="minor">
+            <a:schemeClr val="lt1"/>
+          </a:fontRef>
+        </p:style>
+        <p:txBody>
+          <a:bodyPr rtlCol="0" anchor="ctr"/>
+          <a:lstStyle/>
+          <a:p>
+            <a:pPr algn="ctr">
+              <a:lnSpc>
+                <a:spcPct val="150000"/>
+              </a:lnSpc>
+            </a:pPr>
+            <a:r>
+              <a:rPr lang="en-US" altLang="ko-KR" sz="2000" b="1" dirty="0">
+                <a:solidFill>
+                  <a:schemeClr val="tx1"/>
+                </a:solidFill>
+              </a:rPr>
+              <a:t>5. </a:t>
+            </a:r>
+            <a:r>
+              <a:rPr lang="ko-KR" altLang="en-US" sz="2000" b="1" dirty="0" err="1">
+                <a:solidFill>
+                  <a:schemeClr val="tx1"/>
+                </a:solidFill>
+              </a:rPr>
+              <a:t>게시글쓰기</a:t>
+            </a:r>
+            <a:endParaRPr lang="ko-KR" altLang="en-US" sz="2000" b="1" dirty="0">
+              <a:solidFill>
+                <a:schemeClr val="tx1"/>
+              </a:solidFill>
+            </a:endParaRPr>
+          </a:p>
+        </p:txBody>
+      </p:sp>
+      <p:sp>
+        <p:nvSpPr>
+          <p:cNvPr id="20" name="직사각형 19">
+            <a:extLst>
+              <a:ext uri="{FF2B5EF4-FFF2-40B4-BE49-F238E27FC236}">
+                <a16:creationId xmlns:a16="http://schemas.microsoft.com/office/drawing/2014/main" id="{2989E78D-E863-4F43-9094-852D59D812FB}"/>
+              </a:ext>
+            </a:extLst>
+          </p:cNvPr>
+          <p:cNvSpPr/>
+          <p:nvPr/>
+        </p:nvSpPr>
+        <p:spPr>
+          <a:xfrm>
+            <a:off x="1588558" y="5964377"/>
+            <a:ext cx="4320480" cy="241068"/>
+          </a:xfrm>
+          <a:prstGeom prst="rect">
+            <a:avLst/>
+          </a:prstGeom>
+        </p:spPr>
+        <p:style>
+          <a:lnRef idx="2">
+            <a:schemeClr val="accent1">
+              <a:shade val="50000"/>
+            </a:schemeClr>
+          </a:lnRef>
+          <a:fillRef idx="1">
+            <a:schemeClr val="accent1"/>
+          </a:fillRef>
+          <a:effectRef idx="0">
+            <a:schemeClr val="accent1"/>
+          </a:effectRef>
+          <a:fontRef idx="minor">
+            <a:schemeClr val="lt1"/>
+          </a:fontRef>
+        </p:style>
+        <p:txBody>
+          <a:bodyPr rtlCol="0" anchor="ctr"/>
+          <a:lstStyle/>
+          <a:p>
+            <a:pPr algn="ctr"/>
+            <a:r>
+              <a:rPr lang="en-US" altLang="ko-KR" dirty="0"/>
+              <a:t>[Android] BoardInsertViewModel.java</a:t>
+            </a:r>
+            <a:endParaRPr lang="ko-KR" altLang="en-US" dirty="0"/>
+          </a:p>
+        </p:txBody>
+      </p:sp>
+      <p:pic>
+        <p:nvPicPr>
+          <p:cNvPr id="6" name="그림 5">
+            <a:extLst>
+              <a:ext uri="{FF2B5EF4-FFF2-40B4-BE49-F238E27FC236}">
+                <a16:creationId xmlns:a16="http://schemas.microsoft.com/office/drawing/2014/main" id="{BA776350-96F5-46D6-85D9-4525173FAFD6}"/>
+              </a:ext>
+            </a:extLst>
+          </p:cNvPr>
+          <p:cNvPicPr>
+            <a:picLocks noChangeAspect="1"/>
+          </p:cNvPicPr>
+          <p:nvPr/>
+        </p:nvPicPr>
+        <p:blipFill>
+          <a:blip r:embed="rId3"/>
+          <a:stretch>
+            <a:fillRect/>
+          </a:stretch>
+        </p:blipFill>
+        <p:spPr>
+          <a:xfrm>
+            <a:off x="2228478" y="2221130"/>
+            <a:ext cx="3040639" cy="944228"/>
           </a:xfrm>
           <a:prstGeom prst="rect">
             <a:avLst/>
@@ -6872,10 +11711,10 @@
       </p:pic>
       <p:pic>
         <p:nvPicPr>
-          <p:cNvPr id="20" name="그림 19">
+          <p:cNvPr id="10" name="그림 9">
             <a:extLst>
               <a:ext uri="{FF2B5EF4-FFF2-40B4-BE49-F238E27FC236}">
-                <a16:creationId xmlns:a16="http://schemas.microsoft.com/office/drawing/2014/main" id="{FE804C1A-5DDA-40F1-A026-86F328684462}"/>
+                <a16:creationId xmlns:a16="http://schemas.microsoft.com/office/drawing/2014/main" id="{8D971592-8D4A-40BD-BFFE-9D06CEF8F30A}"/>
               </a:ext>
             </a:extLst>
           </p:cNvPr>
@@ -6892,20 +11731,1139 @@
         </p:blipFill>
         <p:spPr>
           <a:xfrm>
-            <a:off x="5463705" y="2607494"/>
-            <a:ext cx="2699061" cy="1220492"/>
+            <a:off x="2399278" y="3499369"/>
+            <a:ext cx="2699037" cy="579339"/>
           </a:xfrm>
           <a:prstGeom prst="rect">
             <a:avLst/>
           </a:prstGeom>
         </p:spPr>
       </p:pic>
+      <p:sp>
+        <p:nvSpPr>
+          <p:cNvPr id="12" name="직사각형 11">
+            <a:extLst>
+              <a:ext uri="{FF2B5EF4-FFF2-40B4-BE49-F238E27FC236}">
+                <a16:creationId xmlns:a16="http://schemas.microsoft.com/office/drawing/2014/main" id="{BDBB1F4F-3681-4F91-AC44-0A07E7996D92}"/>
+              </a:ext>
+            </a:extLst>
+          </p:cNvPr>
+          <p:cNvSpPr/>
+          <p:nvPr/>
+        </p:nvSpPr>
+        <p:spPr>
+          <a:xfrm>
+            <a:off x="5981044" y="1298361"/>
+            <a:ext cx="2978553" cy="2334281"/>
+          </a:xfrm>
+          <a:prstGeom prst="rect">
+            <a:avLst/>
+          </a:prstGeom>
+          <a:noFill/>
+        </p:spPr>
+        <p:style>
+          <a:lnRef idx="2">
+            <a:schemeClr val="accent1">
+              <a:shade val="50000"/>
+            </a:schemeClr>
+          </a:lnRef>
+          <a:fillRef idx="1">
+            <a:schemeClr val="accent1"/>
+          </a:fillRef>
+          <a:effectRef idx="0">
+            <a:schemeClr val="accent1"/>
+          </a:effectRef>
+          <a:fontRef idx="minor">
+            <a:schemeClr val="lt1"/>
+          </a:fontRef>
+        </p:style>
+        <p:txBody>
+          <a:bodyPr rtlCol="0" anchor="ctr"/>
+          <a:lstStyle/>
+          <a:p>
+            <a:pPr algn="l"/>
+            <a:r>
+              <a:rPr lang="en-US" altLang="ko-KR" sz="1400" dirty="0">
+                <a:solidFill>
+                  <a:srgbClr val="3F7F5F"/>
+                </a:solidFill>
+                <a:latin typeface="Consolas" panose="020B0609020204030204" pitchFamily="49" charset="0"/>
+              </a:rPr>
+              <a:t>//</a:t>
+            </a:r>
+            <a:r>
+              <a:rPr lang="ko-KR" altLang="en-US" sz="1400" dirty="0">
+                <a:solidFill>
+                  <a:srgbClr val="3F7F5F"/>
+                </a:solidFill>
+                <a:latin typeface="Consolas" panose="020B0609020204030204" pitchFamily="49" charset="0"/>
+              </a:rPr>
+              <a:t>게시글 쓰기</a:t>
+            </a:r>
+          </a:p>
+          <a:p>
+            <a:pPr algn="l"/>
+            <a:r>
+              <a:rPr lang="en-US" altLang="ko-KR" sz="1400" dirty="0">
+                <a:solidFill>
+                  <a:srgbClr val="000000"/>
+                </a:solidFill>
+                <a:latin typeface="Consolas" panose="020B0609020204030204" pitchFamily="49" charset="0"/>
+              </a:rPr>
+              <a:t>    </a:t>
+            </a:r>
+            <a:r>
+              <a:rPr lang="en-US" altLang="ko-KR" sz="1400" dirty="0">
+                <a:solidFill>
+                  <a:srgbClr val="646464"/>
+                </a:solidFill>
+                <a:latin typeface="Consolas" panose="020B0609020204030204" pitchFamily="49" charset="0"/>
+              </a:rPr>
+              <a:t>@PostMapping</a:t>
+            </a:r>
+            <a:r>
+              <a:rPr lang="en-US" altLang="ko-KR" sz="1400" dirty="0">
+                <a:solidFill>
+                  <a:srgbClr val="000000"/>
+                </a:solidFill>
+                <a:latin typeface="Consolas" panose="020B0609020204030204" pitchFamily="49" charset="0"/>
+              </a:rPr>
+              <a:t>(value = </a:t>
+            </a:r>
+            <a:r>
+              <a:rPr lang="en-US" altLang="ko-KR" sz="1400" dirty="0">
+                <a:solidFill>
+                  <a:srgbClr val="2A00FF"/>
+                </a:solidFill>
+                <a:latin typeface="Consolas" panose="020B0609020204030204" pitchFamily="49" charset="0"/>
+              </a:rPr>
+              <a:t>"/insert"</a:t>
+            </a:r>
+            <a:r>
+              <a:rPr lang="en-US" altLang="ko-KR" sz="1400" dirty="0">
+                <a:solidFill>
+                  <a:srgbClr val="000000"/>
+                </a:solidFill>
+                <a:latin typeface="Consolas" panose="020B0609020204030204" pitchFamily="49" charset="0"/>
+              </a:rPr>
+              <a:t>)</a:t>
+            </a:r>
+          </a:p>
+          <a:p>
+            <a:pPr algn="l"/>
+            <a:r>
+              <a:rPr lang="en-US" altLang="ko-KR" sz="1400" dirty="0">
+                <a:solidFill>
+                  <a:srgbClr val="000000"/>
+                </a:solidFill>
+                <a:latin typeface="Consolas" panose="020B0609020204030204" pitchFamily="49" charset="0"/>
+              </a:rPr>
+              <a:t>    </a:t>
+            </a:r>
+            <a:r>
+              <a:rPr lang="en-US" altLang="ko-KR" sz="1400" b="1" dirty="0">
+                <a:solidFill>
+                  <a:srgbClr val="7F0055"/>
+                </a:solidFill>
+                <a:latin typeface="Consolas" panose="020B0609020204030204" pitchFamily="49" charset="0"/>
+              </a:rPr>
+              <a:t>public</a:t>
+            </a:r>
+            <a:r>
+              <a:rPr lang="en-US" altLang="ko-KR" sz="1400" b="1" dirty="0">
+                <a:solidFill>
+                  <a:srgbClr val="000000"/>
+                </a:solidFill>
+                <a:latin typeface="Consolas" panose="020B0609020204030204" pitchFamily="49" charset="0"/>
+              </a:rPr>
+              <a:t> </a:t>
+            </a:r>
+            <a:r>
+              <a:rPr lang="en-US" altLang="ko-KR" sz="1400" b="1" dirty="0">
+                <a:solidFill>
+                  <a:srgbClr val="7F0055"/>
+                </a:solidFill>
+                <a:latin typeface="Consolas" panose="020B0609020204030204" pitchFamily="49" charset="0"/>
+              </a:rPr>
+              <a:t>void</a:t>
+            </a:r>
+            <a:r>
+              <a:rPr lang="en-US" altLang="ko-KR" sz="1400" b="1" dirty="0">
+                <a:solidFill>
+                  <a:srgbClr val="000000"/>
+                </a:solidFill>
+                <a:latin typeface="Consolas" panose="020B0609020204030204" pitchFamily="49" charset="0"/>
+              </a:rPr>
+              <a:t> </a:t>
+            </a:r>
+            <a:r>
+              <a:rPr lang="en-US" altLang="ko-KR" sz="1400" b="1" dirty="0" err="1">
+                <a:solidFill>
+                  <a:srgbClr val="000000"/>
+                </a:solidFill>
+                <a:latin typeface="Consolas" panose="020B0609020204030204" pitchFamily="49" charset="0"/>
+              </a:rPr>
+              <a:t>insertBoard</a:t>
+            </a:r>
+            <a:r>
+              <a:rPr lang="en-US" altLang="ko-KR" sz="1400" b="1" dirty="0">
+                <a:solidFill>
+                  <a:srgbClr val="000000"/>
+                </a:solidFill>
+                <a:latin typeface="Consolas" panose="020B0609020204030204" pitchFamily="49" charset="0"/>
+              </a:rPr>
+              <a:t>(</a:t>
+            </a:r>
+            <a:r>
+              <a:rPr lang="en-US" altLang="ko-KR" sz="1400" b="1" dirty="0">
+                <a:solidFill>
+                  <a:srgbClr val="646464"/>
+                </a:solidFill>
+                <a:latin typeface="Consolas" panose="020B0609020204030204" pitchFamily="49" charset="0"/>
+              </a:rPr>
+              <a:t>@RequestPart</a:t>
+            </a:r>
+            <a:r>
+              <a:rPr lang="en-US" altLang="ko-KR" sz="1400" b="1" dirty="0">
+                <a:solidFill>
+                  <a:srgbClr val="000000"/>
+                </a:solidFill>
+                <a:latin typeface="Consolas" panose="020B0609020204030204" pitchFamily="49" charset="0"/>
+              </a:rPr>
+              <a:t>(</a:t>
+            </a:r>
+            <a:r>
+              <a:rPr lang="en-US" altLang="ko-KR" sz="1400" b="1" dirty="0">
+                <a:solidFill>
+                  <a:srgbClr val="2A00FF"/>
+                </a:solidFill>
+                <a:latin typeface="Consolas" panose="020B0609020204030204" pitchFamily="49" charset="0"/>
+              </a:rPr>
+              <a:t>"board"</a:t>
+            </a:r>
+            <a:r>
+              <a:rPr lang="en-US" altLang="ko-KR" sz="1400" b="1" dirty="0">
+                <a:solidFill>
+                  <a:srgbClr val="000000"/>
+                </a:solidFill>
+                <a:latin typeface="Consolas" panose="020B0609020204030204" pitchFamily="49" charset="0"/>
+              </a:rPr>
+              <a:t>) Board </a:t>
+            </a:r>
+            <a:r>
+              <a:rPr lang="en-US" altLang="ko-KR" sz="1400" b="1" dirty="0">
+                <a:solidFill>
+                  <a:srgbClr val="6A3E3E"/>
+                </a:solidFill>
+                <a:latin typeface="Consolas" panose="020B0609020204030204" pitchFamily="49" charset="0"/>
+              </a:rPr>
+              <a:t>board</a:t>
+            </a:r>
+            <a:r>
+              <a:rPr lang="en-US" altLang="ko-KR" sz="1400" b="1" dirty="0">
+                <a:solidFill>
+                  <a:srgbClr val="000000"/>
+                </a:solidFill>
+                <a:latin typeface="Consolas" panose="020B0609020204030204" pitchFamily="49" charset="0"/>
+              </a:rPr>
+              <a:t>) {</a:t>
+            </a:r>
+          </a:p>
+          <a:p>
+            <a:pPr algn="l"/>
+            <a:r>
+              <a:rPr lang="en-US" altLang="ko-KR" sz="1400" dirty="0">
+                <a:solidFill>
+                  <a:srgbClr val="000000"/>
+                </a:solidFill>
+                <a:latin typeface="Consolas" panose="020B0609020204030204" pitchFamily="49" charset="0"/>
+              </a:rPr>
+              <a:t>    </a:t>
+            </a:r>
+            <a:r>
+              <a:rPr lang="en-US" altLang="ko-KR" sz="1400" dirty="0" err="1">
+                <a:solidFill>
+                  <a:srgbClr val="0000C0"/>
+                </a:solidFill>
+                <a:latin typeface="Consolas" panose="020B0609020204030204" pitchFamily="49" charset="0"/>
+              </a:rPr>
+              <a:t>boardService</a:t>
+            </a:r>
+            <a:r>
+              <a:rPr lang="en-US" altLang="ko-KR" sz="1400" dirty="0" err="1">
+                <a:solidFill>
+                  <a:srgbClr val="000000"/>
+                </a:solidFill>
+                <a:latin typeface="Consolas" panose="020B0609020204030204" pitchFamily="49" charset="0"/>
+              </a:rPr>
+              <a:t>.insertBoard</a:t>
+            </a:r>
+            <a:r>
+              <a:rPr lang="en-US" altLang="ko-KR" sz="1400" dirty="0">
+                <a:solidFill>
+                  <a:srgbClr val="000000"/>
+                </a:solidFill>
+                <a:latin typeface="Consolas" panose="020B0609020204030204" pitchFamily="49" charset="0"/>
+              </a:rPr>
+              <a:t>(</a:t>
+            </a:r>
+            <a:r>
+              <a:rPr lang="en-US" altLang="ko-KR" sz="1400" dirty="0">
+                <a:solidFill>
+                  <a:srgbClr val="6A3E3E"/>
+                </a:solidFill>
+                <a:latin typeface="Consolas" panose="020B0609020204030204" pitchFamily="49" charset="0"/>
+              </a:rPr>
+              <a:t>board</a:t>
+            </a:r>
+            <a:r>
+              <a:rPr lang="en-US" altLang="ko-KR" sz="1400" dirty="0">
+                <a:solidFill>
+                  <a:srgbClr val="000000"/>
+                </a:solidFill>
+                <a:latin typeface="Consolas" panose="020B0609020204030204" pitchFamily="49" charset="0"/>
+              </a:rPr>
+              <a:t>);</a:t>
+            </a:r>
+          </a:p>
+          <a:p>
+            <a:pPr algn="l"/>
+            <a:r>
+              <a:rPr lang="ko-KR" altLang="en-US" sz="1400" dirty="0">
+                <a:solidFill>
+                  <a:srgbClr val="000000"/>
+                </a:solidFill>
+                <a:latin typeface="Consolas" panose="020B0609020204030204" pitchFamily="49" charset="0"/>
+              </a:rPr>
+              <a:t>    </a:t>
+            </a:r>
+            <a:r>
+              <a:rPr lang="en-US" altLang="ko-KR" sz="1400" dirty="0">
+                <a:solidFill>
+                  <a:srgbClr val="000000"/>
+                </a:solidFill>
+                <a:latin typeface="Consolas" panose="020B0609020204030204" pitchFamily="49" charset="0"/>
+              </a:rPr>
+              <a:t>}</a:t>
+            </a:r>
+            <a:endParaRPr lang="ko-KR" altLang="en-US" sz="1400" dirty="0"/>
+          </a:p>
+        </p:txBody>
+      </p:sp>
+      <p:sp>
+        <p:nvSpPr>
+          <p:cNvPr id="23" name="직사각형 22">
+            <a:extLst>
+              <a:ext uri="{FF2B5EF4-FFF2-40B4-BE49-F238E27FC236}">
+                <a16:creationId xmlns:a16="http://schemas.microsoft.com/office/drawing/2014/main" id="{EF7FAC74-9B5A-433E-AF1B-7507860020D6}"/>
+              </a:ext>
+            </a:extLst>
+          </p:cNvPr>
+          <p:cNvSpPr/>
+          <p:nvPr/>
+        </p:nvSpPr>
+        <p:spPr>
+          <a:xfrm>
+            <a:off x="5981044" y="4793976"/>
+            <a:ext cx="2978553" cy="1671607"/>
+          </a:xfrm>
+          <a:prstGeom prst="rect">
+            <a:avLst/>
+          </a:prstGeom>
+          <a:noFill/>
+        </p:spPr>
+        <p:style>
+          <a:lnRef idx="2">
+            <a:schemeClr val="accent1">
+              <a:shade val="50000"/>
+            </a:schemeClr>
+          </a:lnRef>
+          <a:fillRef idx="1">
+            <a:schemeClr val="accent1"/>
+          </a:fillRef>
+          <a:effectRef idx="0">
+            <a:schemeClr val="accent1"/>
+          </a:effectRef>
+          <a:fontRef idx="minor">
+            <a:schemeClr val="lt1"/>
+          </a:fontRef>
+        </p:style>
+        <p:txBody>
+          <a:bodyPr rtlCol="0" anchor="ctr"/>
+          <a:lstStyle/>
+          <a:p>
+            <a:pPr algn="l"/>
+            <a:r>
+              <a:rPr lang="ko-KR" altLang="en-US" sz="1400" dirty="0">
+                <a:solidFill>
+                  <a:srgbClr val="000000"/>
+                </a:solidFill>
+                <a:latin typeface="Consolas" panose="020B0609020204030204" pitchFamily="49" charset="0"/>
+              </a:rPr>
+              <a:t> </a:t>
+            </a:r>
+            <a:r>
+              <a:rPr lang="en-US" altLang="ko-KR" sz="1400" dirty="0">
+                <a:solidFill>
+                  <a:srgbClr val="3F7F5F"/>
+                </a:solidFill>
+                <a:latin typeface="Consolas" panose="020B0609020204030204" pitchFamily="49" charset="0"/>
+              </a:rPr>
+              <a:t>//</a:t>
+            </a:r>
+            <a:r>
+              <a:rPr lang="ko-KR" altLang="en-US" sz="1400" dirty="0" err="1">
+                <a:solidFill>
+                  <a:srgbClr val="3F7F5F"/>
+                </a:solidFill>
+                <a:latin typeface="Consolas" panose="020B0609020204030204" pitchFamily="49" charset="0"/>
+              </a:rPr>
+              <a:t>게시글삽입</a:t>
+            </a:r>
+            <a:endParaRPr lang="ko-KR" altLang="en-US" sz="1400" dirty="0">
+              <a:solidFill>
+                <a:srgbClr val="3F7F5F"/>
+              </a:solidFill>
+              <a:latin typeface="Consolas" panose="020B0609020204030204" pitchFamily="49" charset="0"/>
+            </a:endParaRPr>
+          </a:p>
+          <a:p>
+            <a:pPr algn="l"/>
+            <a:r>
+              <a:rPr lang="en-US" altLang="ko-KR" sz="1400" dirty="0">
+                <a:solidFill>
+                  <a:srgbClr val="000000"/>
+                </a:solidFill>
+                <a:latin typeface="Consolas" panose="020B0609020204030204" pitchFamily="49" charset="0"/>
+              </a:rPr>
+              <a:t>    </a:t>
+            </a:r>
+            <a:r>
+              <a:rPr lang="en-US" altLang="ko-KR" sz="1400" b="1" dirty="0">
+                <a:solidFill>
+                  <a:srgbClr val="7F0055"/>
+                </a:solidFill>
+                <a:latin typeface="Consolas" panose="020B0609020204030204" pitchFamily="49" charset="0"/>
+              </a:rPr>
+              <a:t>public</a:t>
+            </a:r>
+            <a:r>
+              <a:rPr lang="en-US" altLang="ko-KR" sz="1400" b="1" dirty="0">
+                <a:solidFill>
+                  <a:srgbClr val="000000"/>
+                </a:solidFill>
+                <a:latin typeface="Consolas" panose="020B0609020204030204" pitchFamily="49" charset="0"/>
+              </a:rPr>
+              <a:t> </a:t>
+            </a:r>
+            <a:r>
+              <a:rPr lang="en-US" altLang="ko-KR" sz="1400" b="1" dirty="0">
+                <a:solidFill>
+                  <a:srgbClr val="7F0055"/>
+                </a:solidFill>
+                <a:latin typeface="Consolas" panose="020B0609020204030204" pitchFamily="49" charset="0"/>
+              </a:rPr>
+              <a:t>void</a:t>
+            </a:r>
+            <a:r>
+              <a:rPr lang="en-US" altLang="ko-KR" sz="1400" b="1" dirty="0">
+                <a:solidFill>
+                  <a:srgbClr val="000000"/>
+                </a:solidFill>
+                <a:latin typeface="Consolas" panose="020B0609020204030204" pitchFamily="49" charset="0"/>
+              </a:rPr>
+              <a:t> </a:t>
+            </a:r>
+            <a:r>
+              <a:rPr lang="en-US" altLang="ko-KR" sz="1400" b="1" dirty="0" err="1">
+                <a:solidFill>
+                  <a:srgbClr val="000000"/>
+                </a:solidFill>
+                <a:latin typeface="Consolas" panose="020B0609020204030204" pitchFamily="49" charset="0"/>
+              </a:rPr>
+              <a:t>insertBoard</a:t>
+            </a:r>
+            <a:r>
+              <a:rPr lang="en-US" altLang="ko-KR" sz="1400" b="1" dirty="0">
+                <a:solidFill>
+                  <a:srgbClr val="000000"/>
+                </a:solidFill>
+                <a:latin typeface="Consolas" panose="020B0609020204030204" pitchFamily="49" charset="0"/>
+              </a:rPr>
+              <a:t>(Board </a:t>
+            </a:r>
+            <a:r>
+              <a:rPr lang="en-US" altLang="ko-KR" sz="1400" b="1" dirty="0">
+                <a:solidFill>
+                  <a:srgbClr val="6A3E3E"/>
+                </a:solidFill>
+                <a:latin typeface="Consolas" panose="020B0609020204030204" pitchFamily="49" charset="0"/>
+              </a:rPr>
+              <a:t>board</a:t>
+            </a:r>
+            <a:r>
+              <a:rPr lang="en-US" altLang="ko-KR" sz="1400" b="1" dirty="0">
+                <a:solidFill>
+                  <a:srgbClr val="000000"/>
+                </a:solidFill>
+                <a:latin typeface="Consolas" panose="020B0609020204030204" pitchFamily="49" charset="0"/>
+              </a:rPr>
+              <a:t>) {</a:t>
+            </a:r>
+          </a:p>
+          <a:p>
+            <a:pPr algn="l"/>
+            <a:r>
+              <a:rPr lang="en-US" altLang="ko-KR" sz="1400" dirty="0">
+                <a:solidFill>
+                  <a:srgbClr val="000000"/>
+                </a:solidFill>
+                <a:latin typeface="Consolas" panose="020B0609020204030204" pitchFamily="49" charset="0"/>
+              </a:rPr>
+              <a:t>  </a:t>
+            </a:r>
+            <a:r>
+              <a:rPr lang="en-US" altLang="ko-KR" sz="1400" dirty="0" err="1">
+                <a:solidFill>
+                  <a:srgbClr val="0000C0"/>
+                </a:solidFill>
+                <a:latin typeface="Consolas" panose="020B0609020204030204" pitchFamily="49" charset="0"/>
+              </a:rPr>
+              <a:t>boardRepository</a:t>
+            </a:r>
+            <a:r>
+              <a:rPr lang="en-US" altLang="ko-KR" sz="1400" dirty="0" err="1">
+                <a:solidFill>
+                  <a:srgbClr val="000000"/>
+                </a:solidFill>
+                <a:latin typeface="Consolas" panose="020B0609020204030204" pitchFamily="49" charset="0"/>
+              </a:rPr>
+              <a:t>.save</a:t>
+            </a:r>
+            <a:r>
+              <a:rPr lang="en-US" altLang="ko-KR" sz="1400" dirty="0">
+                <a:solidFill>
+                  <a:srgbClr val="000000"/>
+                </a:solidFill>
+                <a:latin typeface="Consolas" panose="020B0609020204030204" pitchFamily="49" charset="0"/>
+              </a:rPr>
+              <a:t>(</a:t>
+            </a:r>
+            <a:r>
+              <a:rPr lang="en-US" altLang="ko-KR" sz="1400" dirty="0">
+                <a:solidFill>
+                  <a:srgbClr val="6A3E3E"/>
+                </a:solidFill>
+                <a:latin typeface="Consolas" panose="020B0609020204030204" pitchFamily="49" charset="0"/>
+              </a:rPr>
+              <a:t>board</a:t>
+            </a:r>
+            <a:r>
+              <a:rPr lang="en-US" altLang="ko-KR" sz="1400" dirty="0">
+                <a:solidFill>
+                  <a:srgbClr val="000000"/>
+                </a:solidFill>
+                <a:latin typeface="Consolas" panose="020B0609020204030204" pitchFamily="49" charset="0"/>
+              </a:rPr>
+              <a:t>);</a:t>
+            </a:r>
+          </a:p>
+          <a:p>
+            <a:pPr algn="l"/>
+            <a:r>
+              <a:rPr lang="ko-KR" altLang="en-US" sz="1400" dirty="0">
+                <a:solidFill>
+                  <a:srgbClr val="000000"/>
+                </a:solidFill>
+                <a:latin typeface="Consolas" panose="020B0609020204030204" pitchFamily="49" charset="0"/>
+              </a:rPr>
+              <a:t>            </a:t>
+            </a:r>
+          </a:p>
+          <a:p>
+            <a:pPr algn="l"/>
+            <a:r>
+              <a:rPr lang="ko-KR" altLang="en-US" sz="1400" dirty="0">
+                <a:solidFill>
+                  <a:srgbClr val="000000"/>
+                </a:solidFill>
+                <a:latin typeface="Consolas" panose="020B0609020204030204" pitchFamily="49" charset="0"/>
+              </a:rPr>
+              <a:t>    </a:t>
+            </a:r>
+            <a:r>
+              <a:rPr lang="en-US" altLang="ko-KR" sz="1400" dirty="0">
+                <a:solidFill>
+                  <a:srgbClr val="000000"/>
+                </a:solidFill>
+                <a:latin typeface="Consolas" panose="020B0609020204030204" pitchFamily="49" charset="0"/>
+              </a:rPr>
+              <a:t>}</a:t>
+            </a:r>
+            <a:endParaRPr lang="ko-KR" altLang="en-US" sz="1400" dirty="0"/>
+          </a:p>
+        </p:txBody>
+      </p:sp>
+      <p:sp>
+        <p:nvSpPr>
+          <p:cNvPr id="25" name="직사각형 24">
+            <a:extLst>
+              <a:ext uri="{FF2B5EF4-FFF2-40B4-BE49-F238E27FC236}">
+                <a16:creationId xmlns:a16="http://schemas.microsoft.com/office/drawing/2014/main" id="{96142D7B-A645-482B-8AD2-7929FD5228B4}"/>
+              </a:ext>
+            </a:extLst>
+          </p:cNvPr>
+          <p:cNvSpPr/>
+          <p:nvPr/>
+        </p:nvSpPr>
+        <p:spPr>
+          <a:xfrm>
+            <a:off x="5981044" y="3616318"/>
+            <a:ext cx="2978550" cy="524379"/>
+          </a:xfrm>
+          <a:prstGeom prst="rect">
+            <a:avLst/>
+          </a:prstGeom>
+        </p:spPr>
+        <p:style>
+          <a:lnRef idx="2">
+            <a:schemeClr val="accent1">
+              <a:shade val="50000"/>
+            </a:schemeClr>
+          </a:lnRef>
+          <a:fillRef idx="1">
+            <a:schemeClr val="accent1"/>
+          </a:fillRef>
+          <a:effectRef idx="0">
+            <a:schemeClr val="accent1"/>
+          </a:effectRef>
+          <a:fontRef idx="minor">
+            <a:schemeClr val="lt1"/>
+          </a:fontRef>
+        </p:style>
+        <p:txBody>
+          <a:bodyPr rtlCol="0" anchor="ctr"/>
+          <a:lstStyle/>
+          <a:p>
+            <a:pPr algn="ctr"/>
+            <a:r>
+              <a:rPr lang="en-US" altLang="ko-KR" dirty="0"/>
+              <a:t>[Spring]</a:t>
+            </a:r>
+          </a:p>
+          <a:p>
+            <a:pPr algn="ctr"/>
+            <a:r>
+              <a:rPr lang="en-US" altLang="ko-KR" dirty="0"/>
+              <a:t>BoardController.java</a:t>
+            </a:r>
+            <a:endParaRPr lang="ko-KR" altLang="en-US" dirty="0"/>
+          </a:p>
+        </p:txBody>
+      </p:sp>
+      <p:sp>
+        <p:nvSpPr>
+          <p:cNvPr id="26" name="직사각형 25">
+            <a:extLst>
+              <a:ext uri="{FF2B5EF4-FFF2-40B4-BE49-F238E27FC236}">
+                <a16:creationId xmlns:a16="http://schemas.microsoft.com/office/drawing/2014/main" id="{59CC6C78-A702-421E-8ABF-107413084D45}"/>
+              </a:ext>
+            </a:extLst>
+          </p:cNvPr>
+          <p:cNvSpPr/>
+          <p:nvPr/>
+        </p:nvSpPr>
+        <p:spPr>
+          <a:xfrm>
+            <a:off x="5981047" y="4259180"/>
+            <a:ext cx="2978550" cy="524379"/>
+          </a:xfrm>
+          <a:prstGeom prst="rect">
+            <a:avLst/>
+          </a:prstGeom>
+        </p:spPr>
+        <p:style>
+          <a:lnRef idx="2">
+            <a:schemeClr val="accent1">
+              <a:shade val="50000"/>
+            </a:schemeClr>
+          </a:lnRef>
+          <a:fillRef idx="1">
+            <a:schemeClr val="accent1"/>
+          </a:fillRef>
+          <a:effectRef idx="0">
+            <a:schemeClr val="accent1"/>
+          </a:effectRef>
+          <a:fontRef idx="minor">
+            <a:schemeClr val="lt1"/>
+          </a:fontRef>
+        </p:style>
+        <p:txBody>
+          <a:bodyPr rtlCol="0" anchor="ctr"/>
+          <a:lstStyle/>
+          <a:p>
+            <a:pPr algn="ctr"/>
+            <a:r>
+              <a:rPr lang="en-US" altLang="ko-KR" dirty="0"/>
+              <a:t>[Spring]</a:t>
+            </a:r>
+          </a:p>
+          <a:p>
+            <a:pPr algn="ctr"/>
+            <a:r>
+              <a:rPr lang="en-US" altLang="ko-KR" dirty="0"/>
+              <a:t>BoardService.java</a:t>
+            </a:r>
+            <a:endParaRPr lang="ko-KR" altLang="en-US" dirty="0"/>
+          </a:p>
+        </p:txBody>
+      </p:sp>
+    </p:spTree>
+    <p:extLst>
+      <p:ext uri="{BB962C8B-B14F-4D97-AF65-F5344CB8AC3E}">
+        <p14:creationId xmlns:p14="http://schemas.microsoft.com/office/powerpoint/2010/main" val="271589008"/>
+      </p:ext>
+    </p:extLst>
+  </p:cSld>
+  <p:clrMapOvr>
+    <a:masterClrMapping/>
+  </p:clrMapOvr>
+</p:sld>
+</file>
+
+<file path=ppt/slides/slide9.xml><?xml version="1.0" encoding="utf-8"?>
+<p:sld xmlns:a="http://schemas.openxmlformats.org/drawingml/2006/main" xmlns:r="http://schemas.openxmlformats.org/officeDocument/2006/relationships" xmlns:p="http://schemas.openxmlformats.org/presentationml/2006/main">
+  <p:cSld>
+    <p:spTree>
+      <p:nvGrpSpPr>
+        <p:cNvPr id="1" name=""/>
+        <p:cNvGrpSpPr/>
+        <p:nvPr/>
+      </p:nvGrpSpPr>
+      <p:grpSpPr>
+        <a:xfrm>
+          <a:off x="0" y="0"/>
+          <a:ext cx="0" cy="0"/>
+          <a:chOff x="0" y="0"/>
+          <a:chExt cx="0" cy="0"/>
+        </a:xfrm>
+      </p:grpSpPr>
+      <p:sp>
+        <p:nvSpPr>
+          <p:cNvPr id="4" name="직사각형 3"/>
+          <p:cNvSpPr/>
+          <p:nvPr/>
+        </p:nvSpPr>
+        <p:spPr>
+          <a:xfrm>
+            <a:off x="35496" y="44624"/>
+            <a:ext cx="3312368" cy="504056"/>
+          </a:xfrm>
+          <a:prstGeom prst="rect">
+            <a:avLst/>
+          </a:prstGeom>
+          <a:noFill/>
+        </p:spPr>
+        <p:style>
+          <a:lnRef idx="2">
+            <a:schemeClr val="accent1">
+              <a:shade val="50000"/>
+            </a:schemeClr>
+          </a:lnRef>
+          <a:fillRef idx="1">
+            <a:schemeClr val="accent1"/>
+          </a:fillRef>
+          <a:effectRef idx="0">
+            <a:schemeClr val="accent1"/>
+          </a:effectRef>
+          <a:fontRef idx="minor">
+            <a:schemeClr val="lt1"/>
+          </a:fontRef>
+        </p:style>
+        <p:txBody>
+          <a:bodyPr rtlCol="0" anchor="b"/>
+          <a:lstStyle/>
+          <a:p>
+            <a:pPr algn="ctr">
+              <a:lnSpc>
+                <a:spcPct val="150000"/>
+              </a:lnSpc>
+            </a:pPr>
+            <a:r>
+              <a:rPr lang="ko-KR" altLang="en-US" sz="2000" b="1" dirty="0">
+                <a:solidFill>
+                  <a:schemeClr val="tx1"/>
+                </a:solidFill>
+              </a:rPr>
+              <a:t>주요 소스 </a:t>
+            </a:r>
+            <a:r>
+              <a:rPr lang="en-US" altLang="ko-KR" sz="2000" b="1" dirty="0">
+                <a:solidFill>
+                  <a:schemeClr val="tx1"/>
+                </a:solidFill>
+              </a:rPr>
+              <a:t>[Code Review]</a:t>
+            </a:r>
+            <a:endParaRPr lang="ko-KR" altLang="en-US" sz="2000" b="1" dirty="0">
+              <a:solidFill>
+                <a:schemeClr val="tx1"/>
+              </a:solidFill>
+            </a:endParaRPr>
+          </a:p>
+        </p:txBody>
+      </p:sp>
+      <p:sp>
+        <p:nvSpPr>
+          <p:cNvPr id="5" name="직사각형 4"/>
+          <p:cNvSpPr/>
+          <p:nvPr/>
+        </p:nvSpPr>
+        <p:spPr>
+          <a:xfrm>
+            <a:off x="35496" y="620688"/>
+            <a:ext cx="3312368" cy="432048"/>
+          </a:xfrm>
+          <a:prstGeom prst="rect">
+            <a:avLst/>
+          </a:prstGeom>
+          <a:noFill/>
+        </p:spPr>
+        <p:style>
+          <a:lnRef idx="2">
+            <a:schemeClr val="accent1">
+              <a:shade val="50000"/>
+            </a:schemeClr>
+          </a:lnRef>
+          <a:fillRef idx="1">
+            <a:schemeClr val="accent1"/>
+          </a:fillRef>
+          <a:effectRef idx="0">
+            <a:schemeClr val="accent1"/>
+          </a:effectRef>
+          <a:fontRef idx="minor">
+            <a:schemeClr val="lt1"/>
+          </a:fontRef>
+        </p:style>
+        <p:txBody>
+          <a:bodyPr rtlCol="0" anchor="b"/>
+          <a:lstStyle/>
+          <a:p>
+            <a:pPr algn="ctr">
+              <a:lnSpc>
+                <a:spcPct val="150000"/>
+              </a:lnSpc>
+            </a:pPr>
+            <a:r>
+              <a:rPr lang="en-US" altLang="ko-KR" sz="2000" b="1" dirty="0">
+                <a:solidFill>
+                  <a:schemeClr val="tx1"/>
+                </a:solidFill>
+              </a:rPr>
+              <a:t>insert </a:t>
+            </a:r>
+            <a:r>
+              <a:rPr lang="ko-KR" altLang="en-US" sz="2000" b="1" dirty="0">
+                <a:solidFill>
+                  <a:schemeClr val="tx1"/>
+                </a:solidFill>
+              </a:rPr>
+              <a:t>④</a:t>
+            </a:r>
+          </a:p>
+        </p:txBody>
+      </p:sp>
+      <p:cxnSp>
+        <p:nvCxnSpPr>
+          <p:cNvPr id="7" name="직선 연결선 6"/>
+          <p:cNvCxnSpPr/>
+          <p:nvPr/>
+        </p:nvCxnSpPr>
+        <p:spPr>
+          <a:xfrm>
+            <a:off x="3491880" y="1052736"/>
+            <a:ext cx="5544616" cy="0"/>
+          </a:xfrm>
+          <a:prstGeom prst="line">
+            <a:avLst/>
+          </a:prstGeom>
+          <a:ln w="28575"/>
+        </p:spPr>
+        <p:style>
+          <a:lnRef idx="1">
+            <a:schemeClr val="accent1"/>
+          </a:lnRef>
+          <a:fillRef idx="0">
+            <a:schemeClr val="accent1"/>
+          </a:fillRef>
+          <a:effectRef idx="0">
+            <a:schemeClr val="accent1"/>
+          </a:effectRef>
+          <a:fontRef idx="minor">
+            <a:schemeClr val="tx1"/>
+          </a:fontRef>
+        </p:style>
+      </p:cxnSp>
+      <p:sp>
+        <p:nvSpPr>
+          <p:cNvPr id="8" name="TextBox 7"/>
+          <p:cNvSpPr txBox="1"/>
+          <p:nvPr/>
+        </p:nvSpPr>
+        <p:spPr>
+          <a:xfrm>
+            <a:off x="3491880" y="620688"/>
+            <a:ext cx="2536207" cy="369332"/>
+          </a:xfrm>
+          <a:prstGeom prst="rect">
+            <a:avLst/>
+          </a:prstGeom>
+          <a:noFill/>
+        </p:spPr>
+        <p:txBody>
+          <a:bodyPr wrap="none" rtlCol="0">
+            <a:spAutoFit/>
+          </a:bodyPr>
+          <a:lstStyle/>
+          <a:p>
+            <a:r>
+              <a:rPr lang="en-US" altLang="ko-KR" dirty="0"/>
+              <a:t>Android, </a:t>
+            </a:r>
+            <a:r>
+              <a:rPr lang="en-US" altLang="ko-KR" sz="1800" dirty="0"/>
+              <a:t>, Spring boot</a:t>
+            </a:r>
+            <a:endParaRPr lang="ko-KR" altLang="en-US" sz="1800" dirty="0"/>
+          </a:p>
+        </p:txBody>
+      </p:sp>
+      <p:cxnSp>
+        <p:nvCxnSpPr>
+          <p:cNvPr id="11" name="직선 연결선 10"/>
+          <p:cNvCxnSpPr/>
+          <p:nvPr/>
+        </p:nvCxnSpPr>
+        <p:spPr>
+          <a:xfrm>
+            <a:off x="35496" y="1205136"/>
+            <a:ext cx="9001000" cy="0"/>
+          </a:xfrm>
+          <a:prstGeom prst="line">
+            <a:avLst/>
+          </a:prstGeom>
+          <a:ln w="28575"/>
+        </p:spPr>
+        <p:style>
+          <a:lnRef idx="1">
+            <a:schemeClr val="accent1"/>
+          </a:lnRef>
+          <a:fillRef idx="0">
+            <a:schemeClr val="accent1"/>
+          </a:fillRef>
+          <a:effectRef idx="0">
+            <a:schemeClr val="accent1"/>
+          </a:effectRef>
+          <a:fontRef idx="minor">
+            <a:schemeClr val="tx1"/>
+          </a:fontRef>
+        </p:style>
+      </p:cxnSp>
+      <p:cxnSp>
+        <p:nvCxnSpPr>
+          <p:cNvPr id="14" name="직선 연결선 13"/>
+          <p:cNvCxnSpPr/>
+          <p:nvPr/>
+        </p:nvCxnSpPr>
+        <p:spPr>
+          <a:xfrm>
+            <a:off x="35496" y="6741368"/>
+            <a:ext cx="9001000" cy="0"/>
+          </a:xfrm>
+          <a:prstGeom prst="line">
+            <a:avLst/>
+          </a:prstGeom>
+          <a:ln w="28575"/>
+        </p:spPr>
+        <p:style>
+          <a:lnRef idx="1">
+            <a:schemeClr val="accent1"/>
+          </a:lnRef>
+          <a:fillRef idx="0">
+            <a:schemeClr val="accent1"/>
+          </a:fillRef>
+          <a:effectRef idx="0">
+            <a:schemeClr val="accent1"/>
+          </a:effectRef>
+          <a:fontRef idx="minor">
+            <a:schemeClr val="tx1"/>
+          </a:fontRef>
+        </p:style>
+      </p:cxnSp>
+      <p:cxnSp>
+        <p:nvCxnSpPr>
+          <p:cNvPr id="15" name="직선 연결선 14"/>
+          <p:cNvCxnSpPr/>
+          <p:nvPr/>
+        </p:nvCxnSpPr>
+        <p:spPr>
+          <a:xfrm>
+            <a:off x="35496" y="1196752"/>
+            <a:ext cx="0" cy="5544616"/>
+          </a:xfrm>
+          <a:prstGeom prst="line">
+            <a:avLst/>
+          </a:prstGeom>
+          <a:ln w="28575"/>
+        </p:spPr>
+        <p:style>
+          <a:lnRef idx="1">
+            <a:schemeClr val="accent1"/>
+          </a:lnRef>
+          <a:fillRef idx="0">
+            <a:schemeClr val="accent1"/>
+          </a:fillRef>
+          <a:effectRef idx="0">
+            <a:schemeClr val="accent1"/>
+          </a:effectRef>
+          <a:fontRef idx="minor">
+            <a:schemeClr val="tx1"/>
+          </a:fontRef>
+        </p:style>
+      </p:cxnSp>
+      <p:cxnSp>
+        <p:nvCxnSpPr>
+          <p:cNvPr id="19" name="직선 연결선 18"/>
+          <p:cNvCxnSpPr/>
+          <p:nvPr/>
+        </p:nvCxnSpPr>
+        <p:spPr>
+          <a:xfrm>
+            <a:off x="9036496" y="1205136"/>
+            <a:ext cx="0" cy="5544616"/>
+          </a:xfrm>
+          <a:prstGeom prst="line">
+            <a:avLst/>
+          </a:prstGeom>
+          <a:ln w="28575"/>
+        </p:spPr>
+        <p:style>
+          <a:lnRef idx="1">
+            <a:schemeClr val="accent1"/>
+          </a:lnRef>
+          <a:fillRef idx="0">
+            <a:schemeClr val="accent1"/>
+          </a:fillRef>
+          <a:effectRef idx="0">
+            <a:schemeClr val="accent1"/>
+          </a:effectRef>
+          <a:fontRef idx="minor">
+            <a:schemeClr val="tx1"/>
+          </a:fontRef>
+        </p:style>
+      </p:cxnSp>
+      <p:cxnSp>
+        <p:nvCxnSpPr>
+          <p:cNvPr id="21" name="직선 연결선 20"/>
+          <p:cNvCxnSpPr/>
+          <p:nvPr/>
+        </p:nvCxnSpPr>
+        <p:spPr>
+          <a:xfrm>
+            <a:off x="9036496" y="4869160"/>
+            <a:ext cx="0" cy="0"/>
+          </a:xfrm>
+          <a:prstGeom prst="line">
+            <a:avLst/>
+          </a:prstGeom>
+          <a:ln w="28575"/>
+        </p:spPr>
+        <p:style>
+          <a:lnRef idx="1">
+            <a:schemeClr val="accent1"/>
+          </a:lnRef>
+          <a:fillRef idx="0">
+            <a:schemeClr val="accent1"/>
+          </a:fillRef>
+          <a:effectRef idx="0">
+            <a:schemeClr val="accent1"/>
+          </a:effectRef>
+          <a:fontRef idx="minor">
+            <a:schemeClr val="tx1"/>
+          </a:fontRef>
+        </p:style>
+      </p:cxnSp>
+      <p:sp>
+        <p:nvSpPr>
+          <p:cNvPr id="31" name="직사각형 30"/>
+          <p:cNvSpPr/>
+          <p:nvPr/>
+        </p:nvSpPr>
+        <p:spPr>
+          <a:xfrm>
+            <a:off x="3563888" y="44624"/>
+            <a:ext cx="2808312" cy="504056"/>
+          </a:xfrm>
+          <a:prstGeom prst="rect">
+            <a:avLst/>
+          </a:prstGeom>
+          <a:noFill/>
+        </p:spPr>
+        <p:style>
+          <a:lnRef idx="2">
+            <a:schemeClr val="accent1">
+              <a:shade val="50000"/>
+            </a:schemeClr>
+          </a:lnRef>
+          <a:fillRef idx="1">
+            <a:schemeClr val="accent1"/>
+          </a:fillRef>
+          <a:effectRef idx="0">
+            <a:schemeClr val="accent1"/>
+          </a:effectRef>
+          <a:fontRef idx="minor">
+            <a:schemeClr val="lt1"/>
+          </a:fontRef>
+        </p:style>
+        <p:txBody>
+          <a:bodyPr rtlCol="0" anchor="ctr"/>
+          <a:lstStyle/>
+          <a:p>
+            <a:pPr algn="ctr">
+              <a:lnSpc>
+                <a:spcPct val="150000"/>
+              </a:lnSpc>
+            </a:pPr>
+            <a:r>
+              <a:rPr lang="en-US" altLang="ko-KR" sz="2000" b="1" dirty="0">
+                <a:solidFill>
+                  <a:schemeClr val="tx1"/>
+                </a:solidFill>
+              </a:rPr>
+              <a:t>5. </a:t>
+            </a:r>
+            <a:r>
+              <a:rPr lang="ko-KR" altLang="en-US" sz="2000" b="1" dirty="0" err="1">
+                <a:solidFill>
+                  <a:schemeClr val="tx1"/>
+                </a:solidFill>
+              </a:rPr>
+              <a:t>게시글쓰기</a:t>
+            </a:r>
+            <a:endParaRPr lang="ko-KR" altLang="en-US" sz="2000" b="1" dirty="0">
+              <a:solidFill>
+                <a:schemeClr val="tx1"/>
+              </a:solidFill>
+            </a:endParaRPr>
+          </a:p>
+        </p:txBody>
+      </p:sp>
       <p:pic>
         <p:nvPicPr>
-          <p:cNvPr id="23" name="그림 22">
+          <p:cNvPr id="3" name="그림 2">
             <a:extLst>
               <a:ext uri="{FF2B5EF4-FFF2-40B4-BE49-F238E27FC236}">
-                <a16:creationId xmlns:a16="http://schemas.microsoft.com/office/drawing/2014/main" id="{18D0B6D5-75CC-4F4B-BE45-569ABF3AB680}"/>
+                <a16:creationId xmlns:a16="http://schemas.microsoft.com/office/drawing/2014/main" id="{01F87FB5-A02A-4AD7-BC98-EA12380A5A52}"/>
               </a:ext>
             </a:extLst>
           </p:cNvPr>
@@ -6915,15 +12873,21 @@
           <p:nvPr/>
         </p:nvPicPr>
         <p:blipFill>
-          <a:blip r:embed="rId5"/>
+          <a:blip r:embed="rId2">
+            <a:extLst>
+              <a:ext uri="{28A0092B-C50C-407E-A947-70E740481C1C}">
+                <a14:useLocalDpi xmlns:a14="http://schemas.microsoft.com/office/drawing/2010/main" val="0"/>
+              </a:ext>
+            </a:extLst>
+          </a:blip>
           <a:stretch>
             <a:fillRect/>
           </a:stretch>
         </p:blipFill>
         <p:spPr>
           <a:xfrm>
-            <a:off x="5463705" y="3930783"/>
-            <a:ext cx="2810503" cy="1676525"/>
+            <a:off x="1054457" y="1485448"/>
+            <a:ext cx="3024335" cy="4899760"/>
           </a:xfrm>
           <a:prstGeom prst="rect">
             <a:avLst/>
@@ -6932,10 +12896,10 @@
       </p:pic>
       <p:pic>
         <p:nvPicPr>
-          <p:cNvPr id="25" name="그림 24">
+          <p:cNvPr id="10" name="그림 9">
             <a:extLst>
               <a:ext uri="{FF2B5EF4-FFF2-40B4-BE49-F238E27FC236}">
-                <a16:creationId xmlns:a16="http://schemas.microsoft.com/office/drawing/2014/main" id="{C2B08F7A-33FB-43F1-B075-FD7664BD35B3}"/>
+                <a16:creationId xmlns:a16="http://schemas.microsoft.com/office/drawing/2014/main" id="{B7D93771-E3A7-4B84-8FD7-76FE871B3FC9}"/>
               </a:ext>
             </a:extLst>
           </p:cNvPr>
@@ -6945,15 +12909,21 @@
           <p:nvPr/>
         </p:nvPicPr>
         <p:blipFill>
-          <a:blip r:embed="rId6"/>
+          <a:blip r:embed="rId3">
+            <a:extLst>
+              <a:ext uri="{28A0092B-C50C-407E-A947-70E740481C1C}">
+                <a14:useLocalDpi xmlns:a14="http://schemas.microsoft.com/office/drawing/2010/main" val="0"/>
+              </a:ext>
+            </a:extLst>
+          </a:blip>
           <a:stretch>
             <a:fillRect/>
           </a:stretch>
         </p:blipFill>
         <p:spPr>
           <a:xfrm>
-            <a:off x="611560" y="5731103"/>
-            <a:ext cx="7334250" cy="909205"/>
+            <a:off x="5004048" y="1485449"/>
+            <a:ext cx="2880320" cy="4943251"/>
           </a:xfrm>
           <a:prstGeom prst="rect">
             <a:avLst/>
@@ -6963,7 +12933,7 @@
     </p:spTree>
     <p:extLst>
       <p:ext uri="{BB962C8B-B14F-4D97-AF65-F5344CB8AC3E}">
-        <p14:creationId xmlns:p14="http://schemas.microsoft.com/office/powerpoint/2010/main" val="389777628"/>
+        <p14:creationId xmlns:p14="http://schemas.microsoft.com/office/powerpoint/2010/main" val="4222649924"/>
       </p:ext>
     </p:extLst>
   </p:cSld>
